--- a/filecoin/filecoin_share.pptx
+++ b/filecoin/filecoin_share.pptx
@@ -4,15 +4,23 @@
   <p:sldMasterIdLst>
     <p:sldMasterId id="2147483648" r:id="rId2"/>
     <p:sldMasterId id="2147483661" r:id="rId3"/>
+    <p:sldMasterId id="2147483674" r:id="rId4"/>
+    <p:sldMasterId id="2147483687" r:id="rId5"/>
   </p:sldMasterIdLst>
   <p:sldIdLst>
-    <p:sldId id="256" r:id="rId4"/>
-    <p:sldId id="257" r:id="rId5"/>
-    <p:sldId id="258" r:id="rId6"/>
-    <p:sldId id="259" r:id="rId7"/>
-    <p:sldId id="260" r:id="rId8"/>
-    <p:sldId id="261" r:id="rId9"/>
-    <p:sldId id="262" r:id="rId10"/>
+    <p:sldId id="256" r:id="rId6"/>
+    <p:sldId id="257" r:id="rId7"/>
+    <p:sldId id="258" r:id="rId8"/>
+    <p:sldId id="259" r:id="rId9"/>
+    <p:sldId id="260" r:id="rId10"/>
+    <p:sldId id="261" r:id="rId11"/>
+    <p:sldId id="262" r:id="rId12"/>
+    <p:sldId id="263" r:id="rId13"/>
+    <p:sldId id="264" r:id="rId14"/>
+    <p:sldId id="265" r:id="rId15"/>
+    <p:sldId id="266" r:id="rId16"/>
+    <p:sldId id="267" r:id="rId17"/>
+    <p:sldId id="268" r:id="rId18"/>
   </p:sldIdLst>
   <p:sldSz cx="10080625" cy="7559675"/>
   <p:notesSz cx="7559675" cy="10691812"/>
@@ -71,7 +79,7 @@
         <p:spPr>
           <a:xfrm>
             <a:off x="504000" y="301320"/>
-            <a:ext cx="9071280" cy="1261800"/>
+            <a:ext cx="9070560" cy="1261080"/>
           </a:xfrm>
           <a:prstGeom prst="rect">
             <a:avLst/>
@@ -102,7 +110,7 @@
         <p:spPr>
           <a:xfrm>
             <a:off x="504000" y="1769040"/>
-            <a:ext cx="9071280" cy="2090880"/>
+            <a:ext cx="9070560" cy="2090520"/>
           </a:xfrm>
           <a:prstGeom prst="rect">
             <a:avLst/>
@@ -131,8 +139,8 @@
         </p:nvSpPr>
         <p:spPr>
           <a:xfrm>
-            <a:off x="504000" y="4059000"/>
-            <a:ext cx="9071280" cy="2090880"/>
+            <a:off x="504000" y="4058640"/>
+            <a:ext cx="9070560" cy="2090520"/>
           </a:xfrm>
           <a:prstGeom prst="rect">
             <a:avLst/>
@@ -184,7 +192,7 @@
         <p:spPr>
           <a:xfrm>
             <a:off x="504000" y="301320"/>
-            <a:ext cx="9071280" cy="1261800"/>
+            <a:ext cx="9070560" cy="1261080"/>
           </a:xfrm>
           <a:prstGeom prst="rect">
             <a:avLst/>
@@ -215,7 +223,7 @@
         <p:spPr>
           <a:xfrm>
             <a:off x="504000" y="1769040"/>
-            <a:ext cx="4426560" cy="2090880"/>
+            <a:ext cx="4426200" cy="2090520"/>
           </a:xfrm>
           <a:prstGeom prst="rect">
             <a:avLst/>
@@ -244,8 +252,8 @@
         </p:nvSpPr>
         <p:spPr>
           <a:xfrm>
-            <a:off x="5152320" y="1769040"/>
-            <a:ext cx="4426560" cy="2090880"/>
+            <a:off x="5151960" y="1769040"/>
+            <a:ext cx="4426200" cy="2090520"/>
           </a:xfrm>
           <a:prstGeom prst="rect">
             <a:avLst/>
@@ -274,8 +282,8 @@
         </p:nvSpPr>
         <p:spPr>
           <a:xfrm>
-            <a:off x="504000" y="4059000"/>
-            <a:ext cx="4426560" cy="2090880"/>
+            <a:off x="504000" y="4058640"/>
+            <a:ext cx="4426200" cy="2090520"/>
           </a:xfrm>
           <a:prstGeom prst="rect">
             <a:avLst/>
@@ -304,8 +312,8 @@
         </p:nvSpPr>
         <p:spPr>
           <a:xfrm>
-            <a:off x="5152320" y="4059000"/>
-            <a:ext cx="4426560" cy="2090880"/>
+            <a:off x="5151960" y="4058640"/>
+            <a:ext cx="4426200" cy="2090520"/>
           </a:xfrm>
           <a:prstGeom prst="rect">
             <a:avLst/>
@@ -357,7 +365,7 @@
         <p:spPr>
           <a:xfrm>
             <a:off x="504000" y="301320"/>
-            <a:ext cx="9071280" cy="1261800"/>
+            <a:ext cx="9070560" cy="1261080"/>
           </a:xfrm>
           <a:prstGeom prst="rect">
             <a:avLst/>
@@ -388,7 +396,7 @@
         <p:spPr>
           <a:xfrm>
             <a:off x="504000" y="1769040"/>
-            <a:ext cx="2920680" cy="2090880"/>
+            <a:ext cx="2920320" cy="2090520"/>
           </a:xfrm>
           <a:prstGeom prst="rect">
             <a:avLst/>
@@ -417,8 +425,8 @@
         </p:nvSpPr>
         <p:spPr>
           <a:xfrm>
-            <a:off x="3571200" y="1769040"/>
-            <a:ext cx="2920680" cy="2090880"/>
+            <a:off x="3570840" y="1769040"/>
+            <a:ext cx="2920320" cy="2090520"/>
           </a:xfrm>
           <a:prstGeom prst="rect">
             <a:avLst/>
@@ -447,8 +455,8 @@
         </p:nvSpPr>
         <p:spPr>
           <a:xfrm>
-            <a:off x="6638040" y="1769040"/>
-            <a:ext cx="2920680" cy="2090880"/>
+            <a:off x="6637320" y="1769040"/>
+            <a:ext cx="2920320" cy="2090520"/>
           </a:xfrm>
           <a:prstGeom prst="rect">
             <a:avLst/>
@@ -477,8 +485,8 @@
         </p:nvSpPr>
         <p:spPr>
           <a:xfrm>
-            <a:off x="504000" y="4059000"/>
-            <a:ext cx="2920680" cy="2090880"/>
+            <a:off x="504000" y="4058640"/>
+            <a:ext cx="2920320" cy="2090520"/>
           </a:xfrm>
           <a:prstGeom prst="rect">
             <a:avLst/>
@@ -507,8 +515,8 @@
         </p:nvSpPr>
         <p:spPr>
           <a:xfrm>
-            <a:off x="3571200" y="4059000"/>
-            <a:ext cx="2920680" cy="2090880"/>
+            <a:off x="3570840" y="4058640"/>
+            <a:ext cx="2920320" cy="2090520"/>
           </a:xfrm>
           <a:prstGeom prst="rect">
             <a:avLst/>
@@ -537,8 +545,8 @@
         </p:nvSpPr>
         <p:spPr>
           <a:xfrm>
-            <a:off x="6638040" y="4059000"/>
-            <a:ext cx="2920680" cy="2090880"/>
+            <a:off x="6637320" y="4058640"/>
+            <a:ext cx="2920320" cy="2090520"/>
           </a:xfrm>
           <a:prstGeom prst="rect">
             <a:avLst/>
@@ -612,7 +620,7 @@
         <p:spPr>
           <a:xfrm>
             <a:off x="504000" y="301320"/>
-            <a:ext cx="9071280" cy="1261800"/>
+            <a:ext cx="9070560" cy="1261080"/>
           </a:xfrm>
           <a:prstGeom prst="rect">
             <a:avLst/>
@@ -643,7 +651,7 @@
         <p:spPr>
           <a:xfrm>
             <a:off x="504000" y="1769040"/>
-            <a:ext cx="9071280" cy="4384080"/>
+            <a:ext cx="9070560" cy="4383360"/>
           </a:xfrm>
           <a:prstGeom prst="rect">
             <a:avLst/>
@@ -696,7 +704,7 @@
         <p:spPr>
           <a:xfrm>
             <a:off x="504000" y="301320"/>
-            <a:ext cx="9071280" cy="1261800"/>
+            <a:ext cx="9070560" cy="1261080"/>
           </a:xfrm>
           <a:prstGeom prst="rect">
             <a:avLst/>
@@ -727,7 +735,7 @@
         <p:spPr>
           <a:xfrm>
             <a:off x="504000" y="1769040"/>
-            <a:ext cx="9071280" cy="4384080"/>
+            <a:ext cx="9070560" cy="4383360"/>
           </a:xfrm>
           <a:prstGeom prst="rect">
             <a:avLst/>
@@ -779,7 +787,7 @@
         <p:spPr>
           <a:xfrm>
             <a:off x="504000" y="301320"/>
-            <a:ext cx="9071280" cy="1261800"/>
+            <a:ext cx="9070560" cy="1261080"/>
           </a:xfrm>
           <a:prstGeom prst="rect">
             <a:avLst/>
@@ -810,7 +818,7 @@
         <p:spPr>
           <a:xfrm>
             <a:off x="504000" y="1769040"/>
-            <a:ext cx="4426560" cy="4384080"/>
+            <a:ext cx="4426200" cy="4383360"/>
           </a:xfrm>
           <a:prstGeom prst="rect">
             <a:avLst/>
@@ -839,8 +847,8 @@
         </p:nvSpPr>
         <p:spPr>
           <a:xfrm>
-            <a:off x="5152320" y="1769040"/>
-            <a:ext cx="4426560" cy="4384080"/>
+            <a:off x="5151960" y="1769040"/>
+            <a:ext cx="4426200" cy="4383360"/>
           </a:xfrm>
           <a:prstGeom prst="rect">
             <a:avLst/>
@@ -892,7 +900,7 @@
         <p:spPr>
           <a:xfrm>
             <a:off x="504000" y="301320"/>
-            <a:ext cx="9071280" cy="1261800"/>
+            <a:ext cx="9070560" cy="1261080"/>
           </a:xfrm>
           <a:prstGeom prst="rect">
             <a:avLst/>
@@ -945,7 +953,7 @@
         <p:spPr>
           <a:xfrm>
             <a:off x="504000" y="301320"/>
-            <a:ext cx="9071280" cy="5850360"/>
+            <a:ext cx="9070560" cy="5846760"/>
           </a:xfrm>
           <a:prstGeom prst="rect">
             <a:avLst/>
@@ -998,7 +1006,7 @@
         <p:spPr>
           <a:xfrm>
             <a:off x="504000" y="301320"/>
-            <a:ext cx="9071280" cy="1261800"/>
+            <a:ext cx="9070560" cy="1261080"/>
           </a:xfrm>
           <a:prstGeom prst="rect">
             <a:avLst/>
@@ -1029,7 +1037,7 @@
         <p:spPr>
           <a:xfrm>
             <a:off x="504000" y="1769040"/>
-            <a:ext cx="4426560" cy="2090880"/>
+            <a:ext cx="4426200" cy="2090520"/>
           </a:xfrm>
           <a:prstGeom prst="rect">
             <a:avLst/>
@@ -1058,8 +1066,8 @@
         </p:nvSpPr>
         <p:spPr>
           <a:xfrm>
-            <a:off x="5152320" y="1769040"/>
-            <a:ext cx="4426560" cy="4384080"/>
+            <a:off x="5151960" y="1769040"/>
+            <a:ext cx="4426200" cy="4383360"/>
           </a:xfrm>
           <a:prstGeom prst="rect">
             <a:avLst/>
@@ -1088,8 +1096,8 @@
         </p:nvSpPr>
         <p:spPr>
           <a:xfrm>
-            <a:off x="504000" y="4059000"/>
-            <a:ext cx="4426560" cy="2090880"/>
+            <a:off x="504000" y="4058640"/>
+            <a:ext cx="4426200" cy="2090520"/>
           </a:xfrm>
           <a:prstGeom prst="rect">
             <a:avLst/>
@@ -1141,7 +1149,7 @@
         <p:spPr>
           <a:xfrm>
             <a:off x="504000" y="301320"/>
-            <a:ext cx="9071280" cy="1261800"/>
+            <a:ext cx="9070560" cy="1261080"/>
           </a:xfrm>
           <a:prstGeom prst="rect">
             <a:avLst/>
@@ -1172,7 +1180,7 @@
         <p:spPr>
           <a:xfrm>
             <a:off x="504000" y="1769040"/>
-            <a:ext cx="9071280" cy="4384080"/>
+            <a:ext cx="9070560" cy="4383360"/>
           </a:xfrm>
           <a:prstGeom prst="rect">
             <a:avLst/>
@@ -1225,7 +1233,7 @@
         <p:spPr>
           <a:xfrm>
             <a:off x="504000" y="301320"/>
-            <a:ext cx="9071280" cy="1261800"/>
+            <a:ext cx="9070560" cy="1261080"/>
           </a:xfrm>
           <a:prstGeom prst="rect">
             <a:avLst/>
@@ -1256,7 +1264,7 @@
         <p:spPr>
           <a:xfrm>
             <a:off x="504000" y="1769040"/>
-            <a:ext cx="4426560" cy="4384080"/>
+            <a:ext cx="4426200" cy="4383360"/>
           </a:xfrm>
           <a:prstGeom prst="rect">
             <a:avLst/>
@@ -1285,8 +1293,8 @@
         </p:nvSpPr>
         <p:spPr>
           <a:xfrm>
-            <a:off x="5152320" y="1769040"/>
-            <a:ext cx="4426560" cy="2090880"/>
+            <a:off x="5151960" y="1769040"/>
+            <a:ext cx="4426200" cy="2090520"/>
           </a:xfrm>
           <a:prstGeom prst="rect">
             <a:avLst/>
@@ -1315,8 +1323,8 @@
         </p:nvSpPr>
         <p:spPr>
           <a:xfrm>
-            <a:off x="5152320" y="4059000"/>
-            <a:ext cx="4426560" cy="2090880"/>
+            <a:off x="5151960" y="4058640"/>
+            <a:ext cx="4426200" cy="2090520"/>
           </a:xfrm>
           <a:prstGeom prst="rect">
             <a:avLst/>
@@ -1368,7 +1376,7 @@
         <p:spPr>
           <a:xfrm>
             <a:off x="504000" y="301320"/>
-            <a:ext cx="9071280" cy="1261800"/>
+            <a:ext cx="9070560" cy="1261080"/>
           </a:xfrm>
           <a:prstGeom prst="rect">
             <a:avLst/>
@@ -1399,7 +1407,7 @@
         <p:spPr>
           <a:xfrm>
             <a:off x="504000" y="1769040"/>
-            <a:ext cx="4426560" cy="2090880"/>
+            <a:ext cx="4426200" cy="2090520"/>
           </a:xfrm>
           <a:prstGeom prst="rect">
             <a:avLst/>
@@ -1428,8 +1436,8 @@
         </p:nvSpPr>
         <p:spPr>
           <a:xfrm>
-            <a:off x="5152320" y="1769040"/>
-            <a:ext cx="4426560" cy="2090880"/>
+            <a:off x="5151960" y="1769040"/>
+            <a:ext cx="4426200" cy="2090520"/>
           </a:xfrm>
           <a:prstGeom prst="rect">
             <a:avLst/>
@@ -1458,8 +1466,8 @@
         </p:nvSpPr>
         <p:spPr>
           <a:xfrm>
-            <a:off x="504000" y="4059000"/>
-            <a:ext cx="9071280" cy="2090880"/>
+            <a:off x="504000" y="4058640"/>
+            <a:ext cx="9070560" cy="2090520"/>
           </a:xfrm>
           <a:prstGeom prst="rect">
             <a:avLst/>
@@ -1511,7 +1519,7 @@
         <p:spPr>
           <a:xfrm>
             <a:off x="504000" y="301320"/>
-            <a:ext cx="9071280" cy="1261800"/>
+            <a:ext cx="9070560" cy="1261080"/>
           </a:xfrm>
           <a:prstGeom prst="rect">
             <a:avLst/>
@@ -1542,7 +1550,7 @@
         <p:spPr>
           <a:xfrm>
             <a:off x="504000" y="1769040"/>
-            <a:ext cx="9071280" cy="2090880"/>
+            <a:ext cx="9070560" cy="2090520"/>
           </a:xfrm>
           <a:prstGeom prst="rect">
             <a:avLst/>
@@ -1571,8 +1579,8 @@
         </p:nvSpPr>
         <p:spPr>
           <a:xfrm>
-            <a:off x="504000" y="4059000"/>
-            <a:ext cx="9071280" cy="2090880"/>
+            <a:off x="504000" y="4058640"/>
+            <a:ext cx="9070560" cy="2090520"/>
           </a:xfrm>
           <a:prstGeom prst="rect">
             <a:avLst/>
@@ -1624,7 +1632,7 @@
         <p:spPr>
           <a:xfrm>
             <a:off x="504000" y="301320"/>
-            <a:ext cx="9071280" cy="1261800"/>
+            <a:ext cx="9070560" cy="1261080"/>
           </a:xfrm>
           <a:prstGeom prst="rect">
             <a:avLst/>
@@ -1655,7 +1663,7 @@
         <p:spPr>
           <a:xfrm>
             <a:off x="504000" y="1769040"/>
-            <a:ext cx="4426560" cy="2090880"/>
+            <a:ext cx="4426200" cy="2090520"/>
           </a:xfrm>
           <a:prstGeom prst="rect">
             <a:avLst/>
@@ -1684,8 +1692,8 @@
         </p:nvSpPr>
         <p:spPr>
           <a:xfrm>
-            <a:off x="5152320" y="1769040"/>
-            <a:ext cx="4426560" cy="2090880"/>
+            <a:off x="5151960" y="1769040"/>
+            <a:ext cx="4426200" cy="2090520"/>
           </a:xfrm>
           <a:prstGeom prst="rect">
             <a:avLst/>
@@ -1714,8 +1722,8 @@
         </p:nvSpPr>
         <p:spPr>
           <a:xfrm>
-            <a:off x="504000" y="4059000"/>
-            <a:ext cx="4426560" cy="2090880"/>
+            <a:off x="504000" y="4058640"/>
+            <a:ext cx="4426200" cy="2090520"/>
           </a:xfrm>
           <a:prstGeom prst="rect">
             <a:avLst/>
@@ -1744,8 +1752,8 @@
         </p:nvSpPr>
         <p:spPr>
           <a:xfrm>
-            <a:off x="5152320" y="4059000"/>
-            <a:ext cx="4426560" cy="2090880"/>
+            <a:off x="5151960" y="4058640"/>
+            <a:ext cx="4426200" cy="2090520"/>
           </a:xfrm>
           <a:prstGeom prst="rect">
             <a:avLst/>
@@ -1797,7 +1805,7 @@
         <p:spPr>
           <a:xfrm>
             <a:off x="504000" y="301320"/>
-            <a:ext cx="9071280" cy="1261800"/>
+            <a:ext cx="9070560" cy="1261080"/>
           </a:xfrm>
           <a:prstGeom prst="rect">
             <a:avLst/>
@@ -1828,7 +1836,7 @@
         <p:spPr>
           <a:xfrm>
             <a:off x="504000" y="1769040"/>
-            <a:ext cx="2920680" cy="2090880"/>
+            <a:ext cx="2920320" cy="2090520"/>
           </a:xfrm>
           <a:prstGeom prst="rect">
             <a:avLst/>
@@ -1857,8 +1865,8 @@
         </p:nvSpPr>
         <p:spPr>
           <a:xfrm>
-            <a:off x="3571200" y="1769040"/>
-            <a:ext cx="2920680" cy="2090880"/>
+            <a:off x="3570840" y="1769040"/>
+            <a:ext cx="2920320" cy="2090520"/>
           </a:xfrm>
           <a:prstGeom prst="rect">
             <a:avLst/>
@@ -1887,8 +1895,8 @@
         </p:nvSpPr>
         <p:spPr>
           <a:xfrm>
-            <a:off x="6638040" y="1769040"/>
-            <a:ext cx="2920680" cy="2090880"/>
+            <a:off x="6637320" y="1769040"/>
+            <a:ext cx="2920320" cy="2090520"/>
           </a:xfrm>
           <a:prstGeom prst="rect">
             <a:avLst/>
@@ -1917,8 +1925,8 @@
         </p:nvSpPr>
         <p:spPr>
           <a:xfrm>
-            <a:off x="504000" y="4059000"/>
-            <a:ext cx="2920680" cy="2090880"/>
+            <a:off x="504000" y="4058640"/>
+            <a:ext cx="2920320" cy="2090520"/>
           </a:xfrm>
           <a:prstGeom prst="rect">
             <a:avLst/>
@@ -1947,8 +1955,8 @@
         </p:nvSpPr>
         <p:spPr>
           <a:xfrm>
-            <a:off x="3571200" y="4059000"/>
-            <a:ext cx="2920680" cy="2090880"/>
+            <a:off x="3570840" y="4058640"/>
+            <a:ext cx="2920320" cy="2090520"/>
           </a:xfrm>
           <a:prstGeom prst="rect">
             <a:avLst/>
@@ -1977,8 +1985,8 @@
         </p:nvSpPr>
         <p:spPr>
           <a:xfrm>
-            <a:off x="6638040" y="4059000"/>
-            <a:ext cx="2920680" cy="2090880"/>
+            <a:off x="6637320" y="4058640"/>
+            <a:ext cx="2920320" cy="2090520"/>
           </a:xfrm>
           <a:prstGeom prst="rect">
             <a:avLst/>
@@ -1990,6 +1998,361 @@
           </a:bodyPr>
           <a:p>
             <a:endParaRPr b="0" lang="en-US" sz="3200" spc="-1" strike="noStrike">
+              <a:latin typeface="Arial"/>
+            </a:endParaRPr>
+          </a:p>
+        </p:txBody>
+      </p:sp>
+    </p:spTree>
+  </p:cSld>
+</p:sldLayout>
+</file>
+
+<file path=ppt/slideLayouts/slideLayout25.xml><?xml version="1.0" encoding="utf-8"?>
+<p:sldLayout xmlns:a="http://schemas.openxmlformats.org/drawingml/2006/main" xmlns:p="http://schemas.openxmlformats.org/presentationml/2006/main" xmlns:r="http://schemas.openxmlformats.org/officeDocument/2006/relationships" xmlns:p14="http://schemas.microsoft.com/office/powerpoint/2010/main" xmlns:p15="http://schemas.microsoft.com/office/powerpoint/2012/main" xmlns:mc="http://schemas.openxmlformats.org/markup-compatibility/2006" type="blank" preserve="1">
+  <p:cSld name="Blank Slide">
+    <p:spTree>
+      <p:nvGrpSpPr>
+        <p:cNvPr id="1" name=""/>
+        <p:cNvGrpSpPr/>
+        <p:nvPr/>
+      </p:nvGrpSpPr>
+      <p:grpSpPr>
+        <a:xfrm>
+          <a:off x="0" y="0"/>
+          <a:ext cx="0" cy="0"/>
+          <a:chOff x="0" y="0"/>
+          <a:chExt cx="0" cy="0"/>
+        </a:xfrm>
+      </p:grpSpPr>
+    </p:spTree>
+  </p:cSld>
+</p:sldLayout>
+</file>
+
+<file path=ppt/slideLayouts/slideLayout26.xml><?xml version="1.0" encoding="utf-8"?>
+<p:sldLayout xmlns:a="http://schemas.openxmlformats.org/drawingml/2006/main" xmlns:p="http://schemas.openxmlformats.org/presentationml/2006/main" xmlns:r="http://schemas.openxmlformats.org/officeDocument/2006/relationships" xmlns:p14="http://schemas.microsoft.com/office/powerpoint/2010/main" xmlns:p15="http://schemas.microsoft.com/office/powerpoint/2012/main" xmlns:mc="http://schemas.openxmlformats.org/markup-compatibility/2006" type="tx" preserve="1">
+  <p:cSld name="Title Slide">
+    <p:spTree>
+      <p:nvGrpSpPr>
+        <p:cNvPr id="1" name=""/>
+        <p:cNvGrpSpPr/>
+        <p:nvPr/>
+      </p:nvGrpSpPr>
+      <p:grpSpPr>
+        <a:xfrm>
+          <a:off x="0" y="0"/>
+          <a:ext cx="0" cy="0"/>
+          <a:chOff x="0" y="0"/>
+          <a:chExt cx="0" cy="0"/>
+        </a:xfrm>
+      </p:grpSpPr>
+      <p:sp>
+        <p:nvSpPr>
+          <p:cNvPr id="82" name="PlaceHolder 1"/>
+          <p:cNvSpPr>
+            <a:spLocks noGrp="1"/>
+          </p:cNvSpPr>
+          <p:nvPr>
+            <p:ph type="title"/>
+          </p:nvPr>
+        </p:nvSpPr>
+        <p:spPr>
+          <a:xfrm>
+            <a:off x="504000" y="301320"/>
+            <a:ext cx="9070560" cy="1261080"/>
+          </a:xfrm>
+          <a:prstGeom prst="rect">
+            <a:avLst/>
+          </a:prstGeom>
+        </p:spPr>
+        <p:txBody>
+          <a:bodyPr lIns="0" rIns="0" tIns="0" bIns="0" anchor="ctr">
+            <a:noAutofit/>
+          </a:bodyPr>
+          <a:p>
+            <a:pPr algn="ctr"/>
+            <a:endParaRPr b="0" lang="en-US" sz="4400" spc="-1" strike="noStrike">
+              <a:latin typeface="Arial"/>
+            </a:endParaRPr>
+          </a:p>
+        </p:txBody>
+      </p:sp>
+      <p:sp>
+        <p:nvSpPr>
+          <p:cNvPr id="83" name="PlaceHolder 2"/>
+          <p:cNvSpPr>
+            <a:spLocks noGrp="1"/>
+          </p:cNvSpPr>
+          <p:nvPr>
+            <p:ph type="subTitle"/>
+          </p:nvPr>
+        </p:nvSpPr>
+        <p:spPr>
+          <a:xfrm>
+            <a:off x="504000" y="1769040"/>
+            <a:ext cx="9070560" cy="4383360"/>
+          </a:xfrm>
+          <a:prstGeom prst="rect">
+            <a:avLst/>
+          </a:prstGeom>
+        </p:spPr>
+        <p:txBody>
+          <a:bodyPr lIns="0" rIns="0" tIns="0" bIns="0" anchor="ctr">
+            <a:noAutofit/>
+          </a:bodyPr>
+          <a:p>
+            <a:pPr algn="ctr"/>
+            <a:endParaRPr b="0" lang="en-US" sz="3200" spc="-1" strike="noStrike">
+              <a:latin typeface="Arial"/>
+            </a:endParaRPr>
+          </a:p>
+        </p:txBody>
+      </p:sp>
+    </p:spTree>
+  </p:cSld>
+</p:sldLayout>
+</file>
+
+<file path=ppt/slideLayouts/slideLayout27.xml><?xml version="1.0" encoding="utf-8"?>
+<p:sldLayout xmlns:a="http://schemas.openxmlformats.org/drawingml/2006/main" xmlns:p="http://schemas.openxmlformats.org/presentationml/2006/main" xmlns:r="http://schemas.openxmlformats.org/officeDocument/2006/relationships" xmlns:p14="http://schemas.microsoft.com/office/powerpoint/2010/main" xmlns:p15="http://schemas.microsoft.com/office/powerpoint/2012/main" xmlns:mc="http://schemas.openxmlformats.org/markup-compatibility/2006" type="obj" preserve="1">
+  <p:cSld name="Title, Content">
+    <p:spTree>
+      <p:nvGrpSpPr>
+        <p:cNvPr id="1" name=""/>
+        <p:cNvGrpSpPr/>
+        <p:nvPr/>
+      </p:nvGrpSpPr>
+      <p:grpSpPr>
+        <a:xfrm>
+          <a:off x="0" y="0"/>
+          <a:ext cx="0" cy="0"/>
+          <a:chOff x="0" y="0"/>
+          <a:chExt cx="0" cy="0"/>
+        </a:xfrm>
+      </p:grpSpPr>
+      <p:sp>
+        <p:nvSpPr>
+          <p:cNvPr id="84" name="PlaceHolder 1"/>
+          <p:cNvSpPr>
+            <a:spLocks noGrp="1"/>
+          </p:cNvSpPr>
+          <p:nvPr>
+            <p:ph type="title"/>
+          </p:nvPr>
+        </p:nvSpPr>
+        <p:spPr>
+          <a:xfrm>
+            <a:off x="504000" y="301320"/>
+            <a:ext cx="9070560" cy="1261080"/>
+          </a:xfrm>
+          <a:prstGeom prst="rect">
+            <a:avLst/>
+          </a:prstGeom>
+        </p:spPr>
+        <p:txBody>
+          <a:bodyPr lIns="0" rIns="0" tIns="0" bIns="0" anchor="ctr">
+            <a:noAutofit/>
+          </a:bodyPr>
+          <a:p>
+            <a:pPr algn="ctr"/>
+            <a:endParaRPr b="0" lang="en-US" sz="4400" spc="-1" strike="noStrike">
+              <a:latin typeface="Arial"/>
+            </a:endParaRPr>
+          </a:p>
+        </p:txBody>
+      </p:sp>
+      <p:sp>
+        <p:nvSpPr>
+          <p:cNvPr id="85" name="PlaceHolder 2"/>
+          <p:cNvSpPr>
+            <a:spLocks noGrp="1"/>
+          </p:cNvSpPr>
+          <p:nvPr>
+            <p:ph type="body"/>
+          </p:nvPr>
+        </p:nvSpPr>
+        <p:spPr>
+          <a:xfrm>
+            <a:off x="504000" y="1769040"/>
+            <a:ext cx="9070560" cy="4383360"/>
+          </a:xfrm>
+          <a:prstGeom prst="rect">
+            <a:avLst/>
+          </a:prstGeom>
+        </p:spPr>
+        <p:txBody>
+          <a:bodyPr lIns="0" rIns="0" tIns="0" bIns="0">
+            <a:normAutofit/>
+          </a:bodyPr>
+          <a:p>
+            <a:endParaRPr b="0" lang="en-US" sz="3200" spc="-1" strike="noStrike">
+              <a:latin typeface="Arial"/>
+            </a:endParaRPr>
+          </a:p>
+        </p:txBody>
+      </p:sp>
+    </p:spTree>
+  </p:cSld>
+</p:sldLayout>
+</file>
+
+<file path=ppt/slideLayouts/slideLayout28.xml><?xml version="1.0" encoding="utf-8"?>
+<p:sldLayout xmlns:a="http://schemas.openxmlformats.org/drawingml/2006/main" xmlns:p="http://schemas.openxmlformats.org/presentationml/2006/main" xmlns:r="http://schemas.openxmlformats.org/officeDocument/2006/relationships" xmlns:p14="http://schemas.microsoft.com/office/powerpoint/2010/main" xmlns:p15="http://schemas.microsoft.com/office/powerpoint/2012/main" xmlns:mc="http://schemas.openxmlformats.org/markup-compatibility/2006" type="twoObj" preserve="1">
+  <p:cSld name="Title, 2 Content">
+    <p:spTree>
+      <p:nvGrpSpPr>
+        <p:cNvPr id="1" name=""/>
+        <p:cNvGrpSpPr/>
+        <p:nvPr/>
+      </p:nvGrpSpPr>
+      <p:grpSpPr>
+        <a:xfrm>
+          <a:off x="0" y="0"/>
+          <a:ext cx="0" cy="0"/>
+          <a:chOff x="0" y="0"/>
+          <a:chExt cx="0" cy="0"/>
+        </a:xfrm>
+      </p:grpSpPr>
+      <p:sp>
+        <p:nvSpPr>
+          <p:cNvPr id="86" name="PlaceHolder 1"/>
+          <p:cNvSpPr>
+            <a:spLocks noGrp="1"/>
+          </p:cNvSpPr>
+          <p:nvPr>
+            <p:ph type="title"/>
+          </p:nvPr>
+        </p:nvSpPr>
+        <p:spPr>
+          <a:xfrm>
+            <a:off x="504000" y="301320"/>
+            <a:ext cx="9070560" cy="1261080"/>
+          </a:xfrm>
+          <a:prstGeom prst="rect">
+            <a:avLst/>
+          </a:prstGeom>
+        </p:spPr>
+        <p:txBody>
+          <a:bodyPr lIns="0" rIns="0" tIns="0" bIns="0" anchor="ctr">
+            <a:noAutofit/>
+          </a:bodyPr>
+          <a:p>
+            <a:pPr algn="ctr"/>
+            <a:endParaRPr b="0" lang="en-US" sz="4400" spc="-1" strike="noStrike">
+              <a:latin typeface="Arial"/>
+            </a:endParaRPr>
+          </a:p>
+        </p:txBody>
+      </p:sp>
+      <p:sp>
+        <p:nvSpPr>
+          <p:cNvPr id="87" name="PlaceHolder 2"/>
+          <p:cNvSpPr>
+            <a:spLocks noGrp="1"/>
+          </p:cNvSpPr>
+          <p:nvPr>
+            <p:ph type="body"/>
+          </p:nvPr>
+        </p:nvSpPr>
+        <p:spPr>
+          <a:xfrm>
+            <a:off x="504000" y="1769040"/>
+            <a:ext cx="4426200" cy="4383360"/>
+          </a:xfrm>
+          <a:prstGeom prst="rect">
+            <a:avLst/>
+          </a:prstGeom>
+        </p:spPr>
+        <p:txBody>
+          <a:bodyPr lIns="0" rIns="0" tIns="0" bIns="0">
+            <a:normAutofit/>
+          </a:bodyPr>
+          <a:p>
+            <a:endParaRPr b="0" lang="en-US" sz="3200" spc="-1" strike="noStrike">
+              <a:latin typeface="Arial"/>
+            </a:endParaRPr>
+          </a:p>
+        </p:txBody>
+      </p:sp>
+      <p:sp>
+        <p:nvSpPr>
+          <p:cNvPr id="88" name="PlaceHolder 3"/>
+          <p:cNvSpPr>
+            <a:spLocks noGrp="1"/>
+          </p:cNvSpPr>
+          <p:nvPr>
+            <p:ph type="body"/>
+          </p:nvPr>
+        </p:nvSpPr>
+        <p:spPr>
+          <a:xfrm>
+            <a:off x="5151960" y="1769040"/>
+            <a:ext cx="4426200" cy="4383360"/>
+          </a:xfrm>
+          <a:prstGeom prst="rect">
+            <a:avLst/>
+          </a:prstGeom>
+        </p:spPr>
+        <p:txBody>
+          <a:bodyPr lIns="0" rIns="0" tIns="0" bIns="0">
+            <a:normAutofit/>
+          </a:bodyPr>
+          <a:p>
+            <a:endParaRPr b="0" lang="en-US" sz="3200" spc="-1" strike="noStrike">
+              <a:latin typeface="Arial"/>
+            </a:endParaRPr>
+          </a:p>
+        </p:txBody>
+      </p:sp>
+    </p:spTree>
+  </p:cSld>
+</p:sldLayout>
+</file>
+
+<file path=ppt/slideLayouts/slideLayout29.xml><?xml version="1.0" encoding="utf-8"?>
+<p:sldLayout xmlns:a="http://schemas.openxmlformats.org/drawingml/2006/main" xmlns:p="http://schemas.openxmlformats.org/presentationml/2006/main" xmlns:r="http://schemas.openxmlformats.org/officeDocument/2006/relationships" xmlns:p14="http://schemas.microsoft.com/office/powerpoint/2010/main" xmlns:p15="http://schemas.microsoft.com/office/powerpoint/2012/main" xmlns:mc="http://schemas.openxmlformats.org/markup-compatibility/2006" type="titleOnly" preserve="1">
+  <p:cSld name="Title Only">
+    <p:spTree>
+      <p:nvGrpSpPr>
+        <p:cNvPr id="1" name=""/>
+        <p:cNvGrpSpPr/>
+        <p:nvPr/>
+      </p:nvGrpSpPr>
+      <p:grpSpPr>
+        <a:xfrm>
+          <a:off x="0" y="0"/>
+          <a:ext cx="0" cy="0"/>
+          <a:chOff x="0" y="0"/>
+          <a:chExt cx="0" cy="0"/>
+        </a:xfrm>
+      </p:grpSpPr>
+      <p:sp>
+        <p:nvSpPr>
+          <p:cNvPr id="89" name="PlaceHolder 1"/>
+          <p:cNvSpPr>
+            <a:spLocks noGrp="1"/>
+          </p:cNvSpPr>
+          <p:nvPr>
+            <p:ph type="title"/>
+          </p:nvPr>
+        </p:nvSpPr>
+        <p:spPr>
+          <a:xfrm>
+            <a:off x="504000" y="301320"/>
+            <a:ext cx="9070560" cy="1261080"/>
+          </a:xfrm>
+          <a:prstGeom prst="rect">
+            <a:avLst/>
+          </a:prstGeom>
+        </p:spPr>
+        <p:txBody>
+          <a:bodyPr lIns="0" rIns="0" tIns="0" bIns="0" anchor="ctr">
+            <a:noAutofit/>
+          </a:bodyPr>
+          <a:p>
+            <a:pPr algn="ctr"/>
+            <a:endParaRPr b="0" lang="en-US" sz="4400" spc="-1" strike="noStrike">
               <a:latin typeface="Arial"/>
             </a:endParaRPr>
           </a:p>
@@ -2030,7 +2393,7 @@
         <p:spPr>
           <a:xfrm>
             <a:off x="504000" y="301320"/>
-            <a:ext cx="9071280" cy="1261800"/>
+            <a:ext cx="9070560" cy="1261080"/>
           </a:xfrm>
           <a:prstGeom prst="rect">
             <a:avLst/>
@@ -2061,7 +2424,1197 @@
         <p:spPr>
           <a:xfrm>
             <a:off x="504000" y="1769040"/>
-            <a:ext cx="9071280" cy="4384080"/>
+            <a:ext cx="9070560" cy="4383360"/>
+          </a:xfrm>
+          <a:prstGeom prst="rect">
+            <a:avLst/>
+          </a:prstGeom>
+        </p:spPr>
+        <p:txBody>
+          <a:bodyPr lIns="0" rIns="0" tIns="0" bIns="0">
+            <a:normAutofit/>
+          </a:bodyPr>
+          <a:p>
+            <a:endParaRPr b="0" lang="en-US" sz="3200" spc="-1" strike="noStrike">
+              <a:latin typeface="Arial"/>
+            </a:endParaRPr>
+          </a:p>
+        </p:txBody>
+      </p:sp>
+    </p:spTree>
+  </p:cSld>
+</p:sldLayout>
+</file>
+
+<file path=ppt/slideLayouts/slideLayout30.xml><?xml version="1.0" encoding="utf-8"?>
+<p:sldLayout xmlns:a="http://schemas.openxmlformats.org/drawingml/2006/main" xmlns:p="http://schemas.openxmlformats.org/presentationml/2006/main" xmlns:r="http://schemas.openxmlformats.org/officeDocument/2006/relationships" xmlns:p14="http://schemas.microsoft.com/office/powerpoint/2010/main" xmlns:p15="http://schemas.microsoft.com/office/powerpoint/2012/main" xmlns:mc="http://schemas.openxmlformats.org/markup-compatibility/2006" type="objOnly" preserve="1">
+  <p:cSld name="Centered Text">
+    <p:spTree>
+      <p:nvGrpSpPr>
+        <p:cNvPr id="1" name=""/>
+        <p:cNvGrpSpPr/>
+        <p:nvPr/>
+      </p:nvGrpSpPr>
+      <p:grpSpPr>
+        <a:xfrm>
+          <a:off x="0" y="0"/>
+          <a:ext cx="0" cy="0"/>
+          <a:chOff x="0" y="0"/>
+          <a:chExt cx="0" cy="0"/>
+        </a:xfrm>
+      </p:grpSpPr>
+      <p:sp>
+        <p:nvSpPr>
+          <p:cNvPr id="90" name="PlaceHolder 1"/>
+          <p:cNvSpPr>
+            <a:spLocks noGrp="1"/>
+          </p:cNvSpPr>
+          <p:nvPr>
+            <p:ph type="subTitle"/>
+          </p:nvPr>
+        </p:nvSpPr>
+        <p:spPr>
+          <a:xfrm>
+            <a:off x="504000" y="301320"/>
+            <a:ext cx="9070560" cy="5846760"/>
+          </a:xfrm>
+          <a:prstGeom prst="rect">
+            <a:avLst/>
+          </a:prstGeom>
+        </p:spPr>
+        <p:txBody>
+          <a:bodyPr lIns="0" rIns="0" tIns="0" bIns="0" anchor="ctr">
+            <a:noAutofit/>
+          </a:bodyPr>
+          <a:p>
+            <a:pPr algn="ctr"/>
+            <a:endParaRPr b="0" lang="en-US" sz="3200" spc="-1" strike="noStrike">
+              <a:latin typeface="Arial"/>
+            </a:endParaRPr>
+          </a:p>
+        </p:txBody>
+      </p:sp>
+    </p:spTree>
+  </p:cSld>
+</p:sldLayout>
+</file>
+
+<file path=ppt/slideLayouts/slideLayout31.xml><?xml version="1.0" encoding="utf-8"?>
+<p:sldLayout xmlns:a="http://schemas.openxmlformats.org/drawingml/2006/main" xmlns:p="http://schemas.openxmlformats.org/presentationml/2006/main" xmlns:r="http://schemas.openxmlformats.org/officeDocument/2006/relationships" xmlns:p14="http://schemas.microsoft.com/office/powerpoint/2010/main" xmlns:p15="http://schemas.microsoft.com/office/powerpoint/2012/main" xmlns:mc="http://schemas.openxmlformats.org/markup-compatibility/2006" type="twoObjAndObj" preserve="1">
+  <p:cSld name="Title, 2 Content and Content">
+    <p:spTree>
+      <p:nvGrpSpPr>
+        <p:cNvPr id="1" name=""/>
+        <p:cNvGrpSpPr/>
+        <p:nvPr/>
+      </p:nvGrpSpPr>
+      <p:grpSpPr>
+        <a:xfrm>
+          <a:off x="0" y="0"/>
+          <a:ext cx="0" cy="0"/>
+          <a:chOff x="0" y="0"/>
+          <a:chExt cx="0" cy="0"/>
+        </a:xfrm>
+      </p:grpSpPr>
+      <p:sp>
+        <p:nvSpPr>
+          <p:cNvPr id="91" name="PlaceHolder 1"/>
+          <p:cNvSpPr>
+            <a:spLocks noGrp="1"/>
+          </p:cNvSpPr>
+          <p:nvPr>
+            <p:ph type="title"/>
+          </p:nvPr>
+        </p:nvSpPr>
+        <p:spPr>
+          <a:xfrm>
+            <a:off x="504000" y="301320"/>
+            <a:ext cx="9070560" cy="1261080"/>
+          </a:xfrm>
+          <a:prstGeom prst="rect">
+            <a:avLst/>
+          </a:prstGeom>
+        </p:spPr>
+        <p:txBody>
+          <a:bodyPr lIns="0" rIns="0" tIns="0" bIns="0" anchor="ctr">
+            <a:noAutofit/>
+          </a:bodyPr>
+          <a:p>
+            <a:pPr algn="ctr"/>
+            <a:endParaRPr b="0" lang="en-US" sz="4400" spc="-1" strike="noStrike">
+              <a:latin typeface="Arial"/>
+            </a:endParaRPr>
+          </a:p>
+        </p:txBody>
+      </p:sp>
+      <p:sp>
+        <p:nvSpPr>
+          <p:cNvPr id="92" name="PlaceHolder 2"/>
+          <p:cNvSpPr>
+            <a:spLocks noGrp="1"/>
+          </p:cNvSpPr>
+          <p:nvPr>
+            <p:ph type="body"/>
+          </p:nvPr>
+        </p:nvSpPr>
+        <p:spPr>
+          <a:xfrm>
+            <a:off x="504000" y="1769040"/>
+            <a:ext cx="4426200" cy="2090520"/>
+          </a:xfrm>
+          <a:prstGeom prst="rect">
+            <a:avLst/>
+          </a:prstGeom>
+        </p:spPr>
+        <p:txBody>
+          <a:bodyPr lIns="0" rIns="0" tIns="0" bIns="0">
+            <a:normAutofit/>
+          </a:bodyPr>
+          <a:p>
+            <a:endParaRPr b="0" lang="en-US" sz="3200" spc="-1" strike="noStrike">
+              <a:latin typeface="Arial"/>
+            </a:endParaRPr>
+          </a:p>
+        </p:txBody>
+      </p:sp>
+      <p:sp>
+        <p:nvSpPr>
+          <p:cNvPr id="93" name="PlaceHolder 3"/>
+          <p:cNvSpPr>
+            <a:spLocks noGrp="1"/>
+          </p:cNvSpPr>
+          <p:nvPr>
+            <p:ph type="body"/>
+          </p:nvPr>
+        </p:nvSpPr>
+        <p:spPr>
+          <a:xfrm>
+            <a:off x="5151960" y="1769040"/>
+            <a:ext cx="4426200" cy="4383360"/>
+          </a:xfrm>
+          <a:prstGeom prst="rect">
+            <a:avLst/>
+          </a:prstGeom>
+        </p:spPr>
+        <p:txBody>
+          <a:bodyPr lIns="0" rIns="0" tIns="0" bIns="0">
+            <a:normAutofit/>
+          </a:bodyPr>
+          <a:p>
+            <a:endParaRPr b="0" lang="en-US" sz="3200" spc="-1" strike="noStrike">
+              <a:latin typeface="Arial"/>
+            </a:endParaRPr>
+          </a:p>
+        </p:txBody>
+      </p:sp>
+      <p:sp>
+        <p:nvSpPr>
+          <p:cNvPr id="94" name="PlaceHolder 4"/>
+          <p:cNvSpPr>
+            <a:spLocks noGrp="1"/>
+          </p:cNvSpPr>
+          <p:nvPr>
+            <p:ph type="body"/>
+          </p:nvPr>
+        </p:nvSpPr>
+        <p:spPr>
+          <a:xfrm>
+            <a:off x="504000" y="4058640"/>
+            <a:ext cx="4426200" cy="2090520"/>
+          </a:xfrm>
+          <a:prstGeom prst="rect">
+            <a:avLst/>
+          </a:prstGeom>
+        </p:spPr>
+        <p:txBody>
+          <a:bodyPr lIns="0" rIns="0" tIns="0" bIns="0">
+            <a:normAutofit/>
+          </a:bodyPr>
+          <a:p>
+            <a:endParaRPr b="0" lang="en-US" sz="3200" spc="-1" strike="noStrike">
+              <a:latin typeface="Arial"/>
+            </a:endParaRPr>
+          </a:p>
+        </p:txBody>
+      </p:sp>
+    </p:spTree>
+  </p:cSld>
+</p:sldLayout>
+</file>
+
+<file path=ppt/slideLayouts/slideLayout32.xml><?xml version="1.0" encoding="utf-8"?>
+<p:sldLayout xmlns:a="http://schemas.openxmlformats.org/drawingml/2006/main" xmlns:p="http://schemas.openxmlformats.org/presentationml/2006/main" xmlns:r="http://schemas.openxmlformats.org/officeDocument/2006/relationships" xmlns:p14="http://schemas.microsoft.com/office/powerpoint/2010/main" xmlns:p15="http://schemas.microsoft.com/office/powerpoint/2012/main" xmlns:mc="http://schemas.openxmlformats.org/markup-compatibility/2006" type="objAndTwoObj" preserve="1">
+  <p:cSld name="Title Content and 2 Content">
+    <p:spTree>
+      <p:nvGrpSpPr>
+        <p:cNvPr id="1" name=""/>
+        <p:cNvGrpSpPr/>
+        <p:nvPr/>
+      </p:nvGrpSpPr>
+      <p:grpSpPr>
+        <a:xfrm>
+          <a:off x="0" y="0"/>
+          <a:ext cx="0" cy="0"/>
+          <a:chOff x="0" y="0"/>
+          <a:chExt cx="0" cy="0"/>
+        </a:xfrm>
+      </p:grpSpPr>
+      <p:sp>
+        <p:nvSpPr>
+          <p:cNvPr id="95" name="PlaceHolder 1"/>
+          <p:cNvSpPr>
+            <a:spLocks noGrp="1"/>
+          </p:cNvSpPr>
+          <p:nvPr>
+            <p:ph type="title"/>
+          </p:nvPr>
+        </p:nvSpPr>
+        <p:spPr>
+          <a:xfrm>
+            <a:off x="504000" y="301320"/>
+            <a:ext cx="9070560" cy="1261080"/>
+          </a:xfrm>
+          <a:prstGeom prst="rect">
+            <a:avLst/>
+          </a:prstGeom>
+        </p:spPr>
+        <p:txBody>
+          <a:bodyPr lIns="0" rIns="0" tIns="0" bIns="0" anchor="ctr">
+            <a:noAutofit/>
+          </a:bodyPr>
+          <a:p>
+            <a:pPr algn="ctr"/>
+            <a:endParaRPr b="0" lang="en-US" sz="4400" spc="-1" strike="noStrike">
+              <a:latin typeface="Arial"/>
+            </a:endParaRPr>
+          </a:p>
+        </p:txBody>
+      </p:sp>
+      <p:sp>
+        <p:nvSpPr>
+          <p:cNvPr id="96" name="PlaceHolder 2"/>
+          <p:cNvSpPr>
+            <a:spLocks noGrp="1"/>
+          </p:cNvSpPr>
+          <p:nvPr>
+            <p:ph type="body"/>
+          </p:nvPr>
+        </p:nvSpPr>
+        <p:spPr>
+          <a:xfrm>
+            <a:off x="504000" y="1769040"/>
+            <a:ext cx="4426200" cy="4383360"/>
+          </a:xfrm>
+          <a:prstGeom prst="rect">
+            <a:avLst/>
+          </a:prstGeom>
+        </p:spPr>
+        <p:txBody>
+          <a:bodyPr lIns="0" rIns="0" tIns="0" bIns="0">
+            <a:normAutofit/>
+          </a:bodyPr>
+          <a:p>
+            <a:endParaRPr b="0" lang="en-US" sz="3200" spc="-1" strike="noStrike">
+              <a:latin typeface="Arial"/>
+            </a:endParaRPr>
+          </a:p>
+        </p:txBody>
+      </p:sp>
+      <p:sp>
+        <p:nvSpPr>
+          <p:cNvPr id="97" name="PlaceHolder 3"/>
+          <p:cNvSpPr>
+            <a:spLocks noGrp="1"/>
+          </p:cNvSpPr>
+          <p:nvPr>
+            <p:ph type="body"/>
+          </p:nvPr>
+        </p:nvSpPr>
+        <p:spPr>
+          <a:xfrm>
+            <a:off x="5151960" y="1769040"/>
+            <a:ext cx="4426200" cy="2090520"/>
+          </a:xfrm>
+          <a:prstGeom prst="rect">
+            <a:avLst/>
+          </a:prstGeom>
+        </p:spPr>
+        <p:txBody>
+          <a:bodyPr lIns="0" rIns="0" tIns="0" bIns="0">
+            <a:normAutofit/>
+          </a:bodyPr>
+          <a:p>
+            <a:endParaRPr b="0" lang="en-US" sz="3200" spc="-1" strike="noStrike">
+              <a:latin typeface="Arial"/>
+            </a:endParaRPr>
+          </a:p>
+        </p:txBody>
+      </p:sp>
+      <p:sp>
+        <p:nvSpPr>
+          <p:cNvPr id="98" name="PlaceHolder 4"/>
+          <p:cNvSpPr>
+            <a:spLocks noGrp="1"/>
+          </p:cNvSpPr>
+          <p:nvPr>
+            <p:ph type="body"/>
+          </p:nvPr>
+        </p:nvSpPr>
+        <p:spPr>
+          <a:xfrm>
+            <a:off x="5151960" y="4058640"/>
+            <a:ext cx="4426200" cy="2090520"/>
+          </a:xfrm>
+          <a:prstGeom prst="rect">
+            <a:avLst/>
+          </a:prstGeom>
+        </p:spPr>
+        <p:txBody>
+          <a:bodyPr lIns="0" rIns="0" tIns="0" bIns="0">
+            <a:normAutofit/>
+          </a:bodyPr>
+          <a:p>
+            <a:endParaRPr b="0" lang="en-US" sz="3200" spc="-1" strike="noStrike">
+              <a:latin typeface="Arial"/>
+            </a:endParaRPr>
+          </a:p>
+        </p:txBody>
+      </p:sp>
+    </p:spTree>
+  </p:cSld>
+</p:sldLayout>
+</file>
+
+<file path=ppt/slideLayouts/slideLayout33.xml><?xml version="1.0" encoding="utf-8"?>
+<p:sldLayout xmlns:a="http://schemas.openxmlformats.org/drawingml/2006/main" xmlns:p="http://schemas.openxmlformats.org/presentationml/2006/main" xmlns:r="http://schemas.openxmlformats.org/officeDocument/2006/relationships" xmlns:p14="http://schemas.microsoft.com/office/powerpoint/2010/main" xmlns:p15="http://schemas.microsoft.com/office/powerpoint/2012/main" xmlns:mc="http://schemas.openxmlformats.org/markup-compatibility/2006" type="twoObjOverTx" preserve="1">
+  <p:cSld name="Title, 2 Content over Content">
+    <p:spTree>
+      <p:nvGrpSpPr>
+        <p:cNvPr id="1" name=""/>
+        <p:cNvGrpSpPr/>
+        <p:nvPr/>
+      </p:nvGrpSpPr>
+      <p:grpSpPr>
+        <a:xfrm>
+          <a:off x="0" y="0"/>
+          <a:ext cx="0" cy="0"/>
+          <a:chOff x="0" y="0"/>
+          <a:chExt cx="0" cy="0"/>
+        </a:xfrm>
+      </p:grpSpPr>
+      <p:sp>
+        <p:nvSpPr>
+          <p:cNvPr id="99" name="PlaceHolder 1"/>
+          <p:cNvSpPr>
+            <a:spLocks noGrp="1"/>
+          </p:cNvSpPr>
+          <p:nvPr>
+            <p:ph type="title"/>
+          </p:nvPr>
+        </p:nvSpPr>
+        <p:spPr>
+          <a:xfrm>
+            <a:off x="504000" y="301320"/>
+            <a:ext cx="9070560" cy="1261080"/>
+          </a:xfrm>
+          <a:prstGeom prst="rect">
+            <a:avLst/>
+          </a:prstGeom>
+        </p:spPr>
+        <p:txBody>
+          <a:bodyPr lIns="0" rIns="0" tIns="0" bIns="0" anchor="ctr">
+            <a:noAutofit/>
+          </a:bodyPr>
+          <a:p>
+            <a:pPr algn="ctr"/>
+            <a:endParaRPr b="0" lang="en-US" sz="4400" spc="-1" strike="noStrike">
+              <a:latin typeface="Arial"/>
+            </a:endParaRPr>
+          </a:p>
+        </p:txBody>
+      </p:sp>
+      <p:sp>
+        <p:nvSpPr>
+          <p:cNvPr id="100" name="PlaceHolder 2"/>
+          <p:cNvSpPr>
+            <a:spLocks noGrp="1"/>
+          </p:cNvSpPr>
+          <p:nvPr>
+            <p:ph type="body"/>
+          </p:nvPr>
+        </p:nvSpPr>
+        <p:spPr>
+          <a:xfrm>
+            <a:off x="504000" y="1769040"/>
+            <a:ext cx="4426200" cy="2090520"/>
+          </a:xfrm>
+          <a:prstGeom prst="rect">
+            <a:avLst/>
+          </a:prstGeom>
+        </p:spPr>
+        <p:txBody>
+          <a:bodyPr lIns="0" rIns="0" tIns="0" bIns="0">
+            <a:normAutofit/>
+          </a:bodyPr>
+          <a:p>
+            <a:endParaRPr b="0" lang="en-US" sz="3200" spc="-1" strike="noStrike">
+              <a:latin typeface="Arial"/>
+            </a:endParaRPr>
+          </a:p>
+        </p:txBody>
+      </p:sp>
+      <p:sp>
+        <p:nvSpPr>
+          <p:cNvPr id="101" name="PlaceHolder 3"/>
+          <p:cNvSpPr>
+            <a:spLocks noGrp="1"/>
+          </p:cNvSpPr>
+          <p:nvPr>
+            <p:ph type="body"/>
+          </p:nvPr>
+        </p:nvSpPr>
+        <p:spPr>
+          <a:xfrm>
+            <a:off x="5151960" y="1769040"/>
+            <a:ext cx="4426200" cy="2090520"/>
+          </a:xfrm>
+          <a:prstGeom prst="rect">
+            <a:avLst/>
+          </a:prstGeom>
+        </p:spPr>
+        <p:txBody>
+          <a:bodyPr lIns="0" rIns="0" tIns="0" bIns="0">
+            <a:normAutofit/>
+          </a:bodyPr>
+          <a:p>
+            <a:endParaRPr b="0" lang="en-US" sz="3200" spc="-1" strike="noStrike">
+              <a:latin typeface="Arial"/>
+            </a:endParaRPr>
+          </a:p>
+        </p:txBody>
+      </p:sp>
+      <p:sp>
+        <p:nvSpPr>
+          <p:cNvPr id="102" name="PlaceHolder 4"/>
+          <p:cNvSpPr>
+            <a:spLocks noGrp="1"/>
+          </p:cNvSpPr>
+          <p:nvPr>
+            <p:ph type="body"/>
+          </p:nvPr>
+        </p:nvSpPr>
+        <p:spPr>
+          <a:xfrm>
+            <a:off x="504000" y="4058640"/>
+            <a:ext cx="9070560" cy="2090520"/>
+          </a:xfrm>
+          <a:prstGeom prst="rect">
+            <a:avLst/>
+          </a:prstGeom>
+        </p:spPr>
+        <p:txBody>
+          <a:bodyPr lIns="0" rIns="0" tIns="0" bIns="0">
+            <a:normAutofit/>
+          </a:bodyPr>
+          <a:p>
+            <a:endParaRPr b="0" lang="en-US" sz="3200" spc="-1" strike="noStrike">
+              <a:latin typeface="Arial"/>
+            </a:endParaRPr>
+          </a:p>
+        </p:txBody>
+      </p:sp>
+    </p:spTree>
+  </p:cSld>
+</p:sldLayout>
+</file>
+
+<file path=ppt/slideLayouts/slideLayout34.xml><?xml version="1.0" encoding="utf-8"?>
+<p:sldLayout xmlns:a="http://schemas.openxmlformats.org/drawingml/2006/main" xmlns:p="http://schemas.openxmlformats.org/presentationml/2006/main" xmlns:r="http://schemas.openxmlformats.org/officeDocument/2006/relationships" xmlns:p14="http://schemas.microsoft.com/office/powerpoint/2010/main" xmlns:p15="http://schemas.microsoft.com/office/powerpoint/2012/main" xmlns:mc="http://schemas.openxmlformats.org/markup-compatibility/2006" type="objOverTx" preserve="1">
+  <p:cSld name="Title, Content over Content">
+    <p:spTree>
+      <p:nvGrpSpPr>
+        <p:cNvPr id="1" name=""/>
+        <p:cNvGrpSpPr/>
+        <p:nvPr/>
+      </p:nvGrpSpPr>
+      <p:grpSpPr>
+        <a:xfrm>
+          <a:off x="0" y="0"/>
+          <a:ext cx="0" cy="0"/>
+          <a:chOff x="0" y="0"/>
+          <a:chExt cx="0" cy="0"/>
+        </a:xfrm>
+      </p:grpSpPr>
+      <p:sp>
+        <p:nvSpPr>
+          <p:cNvPr id="103" name="PlaceHolder 1"/>
+          <p:cNvSpPr>
+            <a:spLocks noGrp="1"/>
+          </p:cNvSpPr>
+          <p:nvPr>
+            <p:ph type="title"/>
+          </p:nvPr>
+        </p:nvSpPr>
+        <p:spPr>
+          <a:xfrm>
+            <a:off x="504000" y="301320"/>
+            <a:ext cx="9070560" cy="1261080"/>
+          </a:xfrm>
+          <a:prstGeom prst="rect">
+            <a:avLst/>
+          </a:prstGeom>
+        </p:spPr>
+        <p:txBody>
+          <a:bodyPr lIns="0" rIns="0" tIns="0" bIns="0" anchor="ctr">
+            <a:noAutofit/>
+          </a:bodyPr>
+          <a:p>
+            <a:pPr algn="ctr"/>
+            <a:endParaRPr b="0" lang="en-US" sz="4400" spc="-1" strike="noStrike">
+              <a:latin typeface="Arial"/>
+            </a:endParaRPr>
+          </a:p>
+        </p:txBody>
+      </p:sp>
+      <p:sp>
+        <p:nvSpPr>
+          <p:cNvPr id="104" name="PlaceHolder 2"/>
+          <p:cNvSpPr>
+            <a:spLocks noGrp="1"/>
+          </p:cNvSpPr>
+          <p:nvPr>
+            <p:ph type="body"/>
+          </p:nvPr>
+        </p:nvSpPr>
+        <p:spPr>
+          <a:xfrm>
+            <a:off x="504000" y="1769040"/>
+            <a:ext cx="9070560" cy="2090520"/>
+          </a:xfrm>
+          <a:prstGeom prst="rect">
+            <a:avLst/>
+          </a:prstGeom>
+        </p:spPr>
+        <p:txBody>
+          <a:bodyPr lIns="0" rIns="0" tIns="0" bIns="0">
+            <a:normAutofit/>
+          </a:bodyPr>
+          <a:p>
+            <a:endParaRPr b="0" lang="en-US" sz="3200" spc="-1" strike="noStrike">
+              <a:latin typeface="Arial"/>
+            </a:endParaRPr>
+          </a:p>
+        </p:txBody>
+      </p:sp>
+      <p:sp>
+        <p:nvSpPr>
+          <p:cNvPr id="105" name="PlaceHolder 3"/>
+          <p:cNvSpPr>
+            <a:spLocks noGrp="1"/>
+          </p:cNvSpPr>
+          <p:nvPr>
+            <p:ph type="body"/>
+          </p:nvPr>
+        </p:nvSpPr>
+        <p:spPr>
+          <a:xfrm>
+            <a:off x="504000" y="4058640"/>
+            <a:ext cx="9070560" cy="2090520"/>
+          </a:xfrm>
+          <a:prstGeom prst="rect">
+            <a:avLst/>
+          </a:prstGeom>
+        </p:spPr>
+        <p:txBody>
+          <a:bodyPr lIns="0" rIns="0" tIns="0" bIns="0">
+            <a:normAutofit/>
+          </a:bodyPr>
+          <a:p>
+            <a:endParaRPr b="0" lang="en-US" sz="3200" spc="-1" strike="noStrike">
+              <a:latin typeface="Arial"/>
+            </a:endParaRPr>
+          </a:p>
+        </p:txBody>
+      </p:sp>
+    </p:spTree>
+  </p:cSld>
+</p:sldLayout>
+</file>
+
+<file path=ppt/slideLayouts/slideLayout35.xml><?xml version="1.0" encoding="utf-8"?>
+<p:sldLayout xmlns:a="http://schemas.openxmlformats.org/drawingml/2006/main" xmlns:p="http://schemas.openxmlformats.org/presentationml/2006/main" xmlns:r="http://schemas.openxmlformats.org/officeDocument/2006/relationships" xmlns:p14="http://schemas.microsoft.com/office/powerpoint/2010/main" xmlns:p15="http://schemas.microsoft.com/office/powerpoint/2012/main" xmlns:mc="http://schemas.openxmlformats.org/markup-compatibility/2006" type="fourObj" preserve="1">
+  <p:cSld name="Title, 4 Content">
+    <p:spTree>
+      <p:nvGrpSpPr>
+        <p:cNvPr id="1" name=""/>
+        <p:cNvGrpSpPr/>
+        <p:nvPr/>
+      </p:nvGrpSpPr>
+      <p:grpSpPr>
+        <a:xfrm>
+          <a:off x="0" y="0"/>
+          <a:ext cx="0" cy="0"/>
+          <a:chOff x="0" y="0"/>
+          <a:chExt cx="0" cy="0"/>
+        </a:xfrm>
+      </p:grpSpPr>
+      <p:sp>
+        <p:nvSpPr>
+          <p:cNvPr id="106" name="PlaceHolder 1"/>
+          <p:cNvSpPr>
+            <a:spLocks noGrp="1"/>
+          </p:cNvSpPr>
+          <p:nvPr>
+            <p:ph type="title"/>
+          </p:nvPr>
+        </p:nvSpPr>
+        <p:spPr>
+          <a:xfrm>
+            <a:off x="504000" y="301320"/>
+            <a:ext cx="9070560" cy="1261080"/>
+          </a:xfrm>
+          <a:prstGeom prst="rect">
+            <a:avLst/>
+          </a:prstGeom>
+        </p:spPr>
+        <p:txBody>
+          <a:bodyPr lIns="0" rIns="0" tIns="0" bIns="0" anchor="ctr">
+            <a:noAutofit/>
+          </a:bodyPr>
+          <a:p>
+            <a:pPr algn="ctr"/>
+            <a:endParaRPr b="0" lang="en-US" sz="4400" spc="-1" strike="noStrike">
+              <a:latin typeface="Arial"/>
+            </a:endParaRPr>
+          </a:p>
+        </p:txBody>
+      </p:sp>
+      <p:sp>
+        <p:nvSpPr>
+          <p:cNvPr id="107" name="PlaceHolder 2"/>
+          <p:cNvSpPr>
+            <a:spLocks noGrp="1"/>
+          </p:cNvSpPr>
+          <p:nvPr>
+            <p:ph type="body"/>
+          </p:nvPr>
+        </p:nvSpPr>
+        <p:spPr>
+          <a:xfrm>
+            <a:off x="504000" y="1769040"/>
+            <a:ext cx="4426200" cy="2090520"/>
+          </a:xfrm>
+          <a:prstGeom prst="rect">
+            <a:avLst/>
+          </a:prstGeom>
+        </p:spPr>
+        <p:txBody>
+          <a:bodyPr lIns="0" rIns="0" tIns="0" bIns="0">
+            <a:normAutofit/>
+          </a:bodyPr>
+          <a:p>
+            <a:endParaRPr b="0" lang="en-US" sz="3200" spc="-1" strike="noStrike">
+              <a:latin typeface="Arial"/>
+            </a:endParaRPr>
+          </a:p>
+        </p:txBody>
+      </p:sp>
+      <p:sp>
+        <p:nvSpPr>
+          <p:cNvPr id="108" name="PlaceHolder 3"/>
+          <p:cNvSpPr>
+            <a:spLocks noGrp="1"/>
+          </p:cNvSpPr>
+          <p:nvPr>
+            <p:ph type="body"/>
+          </p:nvPr>
+        </p:nvSpPr>
+        <p:spPr>
+          <a:xfrm>
+            <a:off x="5151960" y="1769040"/>
+            <a:ext cx="4426200" cy="2090520"/>
+          </a:xfrm>
+          <a:prstGeom prst="rect">
+            <a:avLst/>
+          </a:prstGeom>
+        </p:spPr>
+        <p:txBody>
+          <a:bodyPr lIns="0" rIns="0" tIns="0" bIns="0">
+            <a:normAutofit/>
+          </a:bodyPr>
+          <a:p>
+            <a:endParaRPr b="0" lang="en-US" sz="3200" spc="-1" strike="noStrike">
+              <a:latin typeface="Arial"/>
+            </a:endParaRPr>
+          </a:p>
+        </p:txBody>
+      </p:sp>
+      <p:sp>
+        <p:nvSpPr>
+          <p:cNvPr id="109" name="PlaceHolder 4"/>
+          <p:cNvSpPr>
+            <a:spLocks noGrp="1"/>
+          </p:cNvSpPr>
+          <p:nvPr>
+            <p:ph type="body"/>
+          </p:nvPr>
+        </p:nvSpPr>
+        <p:spPr>
+          <a:xfrm>
+            <a:off x="504000" y="4058640"/>
+            <a:ext cx="4426200" cy="2090520"/>
+          </a:xfrm>
+          <a:prstGeom prst="rect">
+            <a:avLst/>
+          </a:prstGeom>
+        </p:spPr>
+        <p:txBody>
+          <a:bodyPr lIns="0" rIns="0" tIns="0" bIns="0">
+            <a:normAutofit/>
+          </a:bodyPr>
+          <a:p>
+            <a:endParaRPr b="0" lang="en-US" sz="3200" spc="-1" strike="noStrike">
+              <a:latin typeface="Arial"/>
+            </a:endParaRPr>
+          </a:p>
+        </p:txBody>
+      </p:sp>
+      <p:sp>
+        <p:nvSpPr>
+          <p:cNvPr id="110" name="PlaceHolder 5"/>
+          <p:cNvSpPr>
+            <a:spLocks noGrp="1"/>
+          </p:cNvSpPr>
+          <p:nvPr>
+            <p:ph type="body"/>
+          </p:nvPr>
+        </p:nvSpPr>
+        <p:spPr>
+          <a:xfrm>
+            <a:off x="5151960" y="4058640"/>
+            <a:ext cx="4426200" cy="2090520"/>
+          </a:xfrm>
+          <a:prstGeom prst="rect">
+            <a:avLst/>
+          </a:prstGeom>
+        </p:spPr>
+        <p:txBody>
+          <a:bodyPr lIns="0" rIns="0" tIns="0" bIns="0">
+            <a:normAutofit/>
+          </a:bodyPr>
+          <a:p>
+            <a:endParaRPr b="0" lang="en-US" sz="3200" spc="-1" strike="noStrike">
+              <a:latin typeface="Arial"/>
+            </a:endParaRPr>
+          </a:p>
+        </p:txBody>
+      </p:sp>
+    </p:spTree>
+  </p:cSld>
+</p:sldLayout>
+</file>
+
+<file path=ppt/slideLayouts/slideLayout36.xml><?xml version="1.0" encoding="utf-8"?>
+<p:sldLayout xmlns:a="http://schemas.openxmlformats.org/drawingml/2006/main" xmlns:p="http://schemas.openxmlformats.org/presentationml/2006/main" xmlns:r="http://schemas.openxmlformats.org/officeDocument/2006/relationships" xmlns:p14="http://schemas.microsoft.com/office/powerpoint/2010/main" xmlns:p15="http://schemas.microsoft.com/office/powerpoint/2012/main" xmlns:mc="http://schemas.openxmlformats.org/markup-compatibility/2006" type="blank" preserve="1">
+  <p:cSld name="Title, 6 Content">
+    <p:spTree>
+      <p:nvGrpSpPr>
+        <p:cNvPr id="1" name=""/>
+        <p:cNvGrpSpPr/>
+        <p:nvPr/>
+      </p:nvGrpSpPr>
+      <p:grpSpPr>
+        <a:xfrm>
+          <a:off x="0" y="0"/>
+          <a:ext cx="0" cy="0"/>
+          <a:chOff x="0" y="0"/>
+          <a:chExt cx="0" cy="0"/>
+        </a:xfrm>
+      </p:grpSpPr>
+      <p:sp>
+        <p:nvSpPr>
+          <p:cNvPr id="111" name="PlaceHolder 1"/>
+          <p:cNvSpPr>
+            <a:spLocks noGrp="1"/>
+          </p:cNvSpPr>
+          <p:nvPr>
+            <p:ph type="title"/>
+          </p:nvPr>
+        </p:nvSpPr>
+        <p:spPr>
+          <a:xfrm>
+            <a:off x="504000" y="301320"/>
+            <a:ext cx="9070560" cy="1261080"/>
+          </a:xfrm>
+          <a:prstGeom prst="rect">
+            <a:avLst/>
+          </a:prstGeom>
+        </p:spPr>
+        <p:txBody>
+          <a:bodyPr lIns="0" rIns="0" tIns="0" bIns="0" anchor="ctr">
+            <a:noAutofit/>
+          </a:bodyPr>
+          <a:p>
+            <a:pPr algn="ctr"/>
+            <a:endParaRPr b="0" lang="en-US" sz="4400" spc="-1" strike="noStrike">
+              <a:latin typeface="Arial"/>
+            </a:endParaRPr>
+          </a:p>
+        </p:txBody>
+      </p:sp>
+      <p:sp>
+        <p:nvSpPr>
+          <p:cNvPr id="112" name="PlaceHolder 2"/>
+          <p:cNvSpPr>
+            <a:spLocks noGrp="1"/>
+          </p:cNvSpPr>
+          <p:nvPr>
+            <p:ph type="body"/>
+          </p:nvPr>
+        </p:nvSpPr>
+        <p:spPr>
+          <a:xfrm>
+            <a:off x="504000" y="1769040"/>
+            <a:ext cx="2920320" cy="2090520"/>
+          </a:xfrm>
+          <a:prstGeom prst="rect">
+            <a:avLst/>
+          </a:prstGeom>
+        </p:spPr>
+        <p:txBody>
+          <a:bodyPr lIns="0" rIns="0" tIns="0" bIns="0">
+            <a:normAutofit/>
+          </a:bodyPr>
+          <a:p>
+            <a:endParaRPr b="0" lang="en-US" sz="3200" spc="-1" strike="noStrike">
+              <a:latin typeface="Arial"/>
+            </a:endParaRPr>
+          </a:p>
+        </p:txBody>
+      </p:sp>
+      <p:sp>
+        <p:nvSpPr>
+          <p:cNvPr id="113" name="PlaceHolder 3"/>
+          <p:cNvSpPr>
+            <a:spLocks noGrp="1"/>
+          </p:cNvSpPr>
+          <p:nvPr>
+            <p:ph type="body"/>
+          </p:nvPr>
+        </p:nvSpPr>
+        <p:spPr>
+          <a:xfrm>
+            <a:off x="3570840" y="1769040"/>
+            <a:ext cx="2920320" cy="2090520"/>
+          </a:xfrm>
+          <a:prstGeom prst="rect">
+            <a:avLst/>
+          </a:prstGeom>
+        </p:spPr>
+        <p:txBody>
+          <a:bodyPr lIns="0" rIns="0" tIns="0" bIns="0">
+            <a:normAutofit/>
+          </a:bodyPr>
+          <a:p>
+            <a:endParaRPr b="0" lang="en-US" sz="3200" spc="-1" strike="noStrike">
+              <a:latin typeface="Arial"/>
+            </a:endParaRPr>
+          </a:p>
+        </p:txBody>
+      </p:sp>
+      <p:sp>
+        <p:nvSpPr>
+          <p:cNvPr id="114" name="PlaceHolder 4"/>
+          <p:cNvSpPr>
+            <a:spLocks noGrp="1"/>
+          </p:cNvSpPr>
+          <p:nvPr>
+            <p:ph type="body"/>
+          </p:nvPr>
+        </p:nvSpPr>
+        <p:spPr>
+          <a:xfrm>
+            <a:off x="6637320" y="1769040"/>
+            <a:ext cx="2920320" cy="2090520"/>
+          </a:xfrm>
+          <a:prstGeom prst="rect">
+            <a:avLst/>
+          </a:prstGeom>
+        </p:spPr>
+        <p:txBody>
+          <a:bodyPr lIns="0" rIns="0" tIns="0" bIns="0">
+            <a:normAutofit/>
+          </a:bodyPr>
+          <a:p>
+            <a:endParaRPr b="0" lang="en-US" sz="3200" spc="-1" strike="noStrike">
+              <a:latin typeface="Arial"/>
+            </a:endParaRPr>
+          </a:p>
+        </p:txBody>
+      </p:sp>
+      <p:sp>
+        <p:nvSpPr>
+          <p:cNvPr id="115" name="PlaceHolder 5"/>
+          <p:cNvSpPr>
+            <a:spLocks noGrp="1"/>
+          </p:cNvSpPr>
+          <p:nvPr>
+            <p:ph type="body"/>
+          </p:nvPr>
+        </p:nvSpPr>
+        <p:spPr>
+          <a:xfrm>
+            <a:off x="504000" y="4058640"/>
+            <a:ext cx="2920320" cy="2090520"/>
+          </a:xfrm>
+          <a:prstGeom prst="rect">
+            <a:avLst/>
+          </a:prstGeom>
+        </p:spPr>
+        <p:txBody>
+          <a:bodyPr lIns="0" rIns="0" tIns="0" bIns="0">
+            <a:normAutofit/>
+          </a:bodyPr>
+          <a:p>
+            <a:endParaRPr b="0" lang="en-US" sz="3200" spc="-1" strike="noStrike">
+              <a:latin typeface="Arial"/>
+            </a:endParaRPr>
+          </a:p>
+        </p:txBody>
+      </p:sp>
+      <p:sp>
+        <p:nvSpPr>
+          <p:cNvPr id="116" name="PlaceHolder 6"/>
+          <p:cNvSpPr>
+            <a:spLocks noGrp="1"/>
+          </p:cNvSpPr>
+          <p:nvPr>
+            <p:ph type="body"/>
+          </p:nvPr>
+        </p:nvSpPr>
+        <p:spPr>
+          <a:xfrm>
+            <a:off x="3570840" y="4058640"/>
+            <a:ext cx="2920320" cy="2090520"/>
+          </a:xfrm>
+          <a:prstGeom prst="rect">
+            <a:avLst/>
+          </a:prstGeom>
+        </p:spPr>
+        <p:txBody>
+          <a:bodyPr lIns="0" rIns="0" tIns="0" bIns="0">
+            <a:normAutofit/>
+          </a:bodyPr>
+          <a:p>
+            <a:endParaRPr b="0" lang="en-US" sz="3200" spc="-1" strike="noStrike">
+              <a:latin typeface="Arial"/>
+            </a:endParaRPr>
+          </a:p>
+        </p:txBody>
+      </p:sp>
+      <p:sp>
+        <p:nvSpPr>
+          <p:cNvPr id="117" name="PlaceHolder 7"/>
+          <p:cNvSpPr>
+            <a:spLocks noGrp="1"/>
+          </p:cNvSpPr>
+          <p:nvPr>
+            <p:ph type="body"/>
+          </p:nvPr>
+        </p:nvSpPr>
+        <p:spPr>
+          <a:xfrm>
+            <a:off x="6637320" y="4058640"/>
+            <a:ext cx="2920320" cy="2090520"/>
+          </a:xfrm>
+          <a:prstGeom prst="rect">
+            <a:avLst/>
+          </a:prstGeom>
+        </p:spPr>
+        <p:txBody>
+          <a:bodyPr lIns="0" rIns="0" tIns="0" bIns="0">
+            <a:normAutofit/>
+          </a:bodyPr>
+          <a:p>
+            <a:endParaRPr b="0" lang="en-US" sz="3200" spc="-1" strike="noStrike">
+              <a:latin typeface="Arial"/>
+            </a:endParaRPr>
+          </a:p>
+        </p:txBody>
+      </p:sp>
+    </p:spTree>
+  </p:cSld>
+</p:sldLayout>
+</file>
+
+<file path=ppt/slideLayouts/slideLayout37.xml><?xml version="1.0" encoding="utf-8"?>
+<p:sldLayout xmlns:a="http://schemas.openxmlformats.org/drawingml/2006/main" xmlns:p="http://schemas.openxmlformats.org/presentationml/2006/main" xmlns:r="http://schemas.openxmlformats.org/officeDocument/2006/relationships" xmlns:p14="http://schemas.microsoft.com/office/powerpoint/2010/main" xmlns:p15="http://schemas.microsoft.com/office/powerpoint/2012/main" xmlns:mc="http://schemas.openxmlformats.org/markup-compatibility/2006" type="blank" preserve="1">
+  <p:cSld name="Blank Slide">
+    <p:spTree>
+      <p:nvGrpSpPr>
+        <p:cNvPr id="1" name=""/>
+        <p:cNvGrpSpPr/>
+        <p:nvPr/>
+      </p:nvGrpSpPr>
+      <p:grpSpPr>
+        <a:xfrm>
+          <a:off x="0" y="0"/>
+          <a:ext cx="0" cy="0"/>
+          <a:chOff x="0" y="0"/>
+          <a:chExt cx="0" cy="0"/>
+        </a:xfrm>
+      </p:grpSpPr>
+    </p:spTree>
+  </p:cSld>
+</p:sldLayout>
+</file>
+
+<file path=ppt/slideLayouts/slideLayout38.xml><?xml version="1.0" encoding="utf-8"?>
+<p:sldLayout xmlns:a="http://schemas.openxmlformats.org/drawingml/2006/main" xmlns:p="http://schemas.openxmlformats.org/presentationml/2006/main" xmlns:r="http://schemas.openxmlformats.org/officeDocument/2006/relationships" xmlns:p14="http://schemas.microsoft.com/office/powerpoint/2010/main" xmlns:p15="http://schemas.microsoft.com/office/powerpoint/2012/main" xmlns:mc="http://schemas.openxmlformats.org/markup-compatibility/2006" type="tx" preserve="1">
+  <p:cSld name="Title Slide">
+    <p:spTree>
+      <p:nvGrpSpPr>
+        <p:cNvPr id="1" name=""/>
+        <p:cNvGrpSpPr/>
+        <p:nvPr/>
+      </p:nvGrpSpPr>
+      <p:grpSpPr>
+        <a:xfrm>
+          <a:off x="0" y="0"/>
+          <a:ext cx="0" cy="0"/>
+          <a:chOff x="0" y="0"/>
+          <a:chExt cx="0" cy="0"/>
+        </a:xfrm>
+      </p:grpSpPr>
+      <p:sp>
+        <p:nvSpPr>
+          <p:cNvPr id="121" name="PlaceHolder 1"/>
+          <p:cNvSpPr>
+            <a:spLocks noGrp="1"/>
+          </p:cNvSpPr>
+          <p:nvPr>
+            <p:ph type="title"/>
+          </p:nvPr>
+        </p:nvSpPr>
+        <p:spPr>
+          <a:xfrm>
+            <a:off x="504000" y="301320"/>
+            <a:ext cx="9070560" cy="1261080"/>
+          </a:xfrm>
+          <a:prstGeom prst="rect">
+            <a:avLst/>
+          </a:prstGeom>
+        </p:spPr>
+        <p:txBody>
+          <a:bodyPr lIns="0" rIns="0" tIns="0" bIns="0" anchor="ctr">
+            <a:noAutofit/>
+          </a:bodyPr>
+          <a:p>
+            <a:pPr algn="ctr"/>
+            <a:endParaRPr b="0" lang="en-US" sz="4400" spc="-1" strike="noStrike">
+              <a:latin typeface="Arial"/>
+            </a:endParaRPr>
+          </a:p>
+        </p:txBody>
+      </p:sp>
+      <p:sp>
+        <p:nvSpPr>
+          <p:cNvPr id="122" name="PlaceHolder 2"/>
+          <p:cNvSpPr>
+            <a:spLocks noGrp="1"/>
+          </p:cNvSpPr>
+          <p:nvPr>
+            <p:ph type="subTitle"/>
+          </p:nvPr>
+        </p:nvSpPr>
+        <p:spPr>
+          <a:xfrm>
+            <a:off x="504000" y="1769040"/>
+            <a:ext cx="9070560" cy="4383360"/>
+          </a:xfrm>
+          <a:prstGeom prst="rect">
+            <a:avLst/>
+          </a:prstGeom>
+        </p:spPr>
+        <p:txBody>
+          <a:bodyPr lIns="0" rIns="0" tIns="0" bIns="0" anchor="ctr">
+            <a:noAutofit/>
+          </a:bodyPr>
+          <a:p>
+            <a:pPr algn="ctr"/>
+            <a:endParaRPr b="0" lang="en-US" sz="3200" spc="-1" strike="noStrike">
+              <a:latin typeface="Arial"/>
+            </a:endParaRPr>
+          </a:p>
+        </p:txBody>
+      </p:sp>
+    </p:spTree>
+  </p:cSld>
+</p:sldLayout>
+</file>
+
+<file path=ppt/slideLayouts/slideLayout39.xml><?xml version="1.0" encoding="utf-8"?>
+<p:sldLayout xmlns:a="http://schemas.openxmlformats.org/drawingml/2006/main" xmlns:p="http://schemas.openxmlformats.org/presentationml/2006/main" xmlns:r="http://schemas.openxmlformats.org/officeDocument/2006/relationships" xmlns:p14="http://schemas.microsoft.com/office/powerpoint/2010/main" xmlns:p15="http://schemas.microsoft.com/office/powerpoint/2012/main" xmlns:mc="http://schemas.openxmlformats.org/markup-compatibility/2006" type="obj" preserve="1">
+  <p:cSld name="Title, Content">
+    <p:spTree>
+      <p:nvGrpSpPr>
+        <p:cNvPr id="1" name=""/>
+        <p:cNvGrpSpPr/>
+        <p:nvPr/>
+      </p:nvGrpSpPr>
+      <p:grpSpPr>
+        <a:xfrm>
+          <a:off x="0" y="0"/>
+          <a:ext cx="0" cy="0"/>
+          <a:chOff x="0" y="0"/>
+          <a:chExt cx="0" cy="0"/>
+        </a:xfrm>
+      </p:grpSpPr>
+      <p:sp>
+        <p:nvSpPr>
+          <p:cNvPr id="123" name="PlaceHolder 1"/>
+          <p:cNvSpPr>
+            <a:spLocks noGrp="1"/>
+          </p:cNvSpPr>
+          <p:nvPr>
+            <p:ph type="title"/>
+          </p:nvPr>
+        </p:nvSpPr>
+        <p:spPr>
+          <a:xfrm>
+            <a:off x="504000" y="301320"/>
+            <a:ext cx="9070560" cy="1261080"/>
+          </a:xfrm>
+          <a:prstGeom prst="rect">
+            <a:avLst/>
+          </a:prstGeom>
+        </p:spPr>
+        <p:txBody>
+          <a:bodyPr lIns="0" rIns="0" tIns="0" bIns="0" anchor="ctr">
+            <a:noAutofit/>
+          </a:bodyPr>
+          <a:p>
+            <a:pPr algn="ctr"/>
+            <a:endParaRPr b="0" lang="en-US" sz="4400" spc="-1" strike="noStrike">
+              <a:latin typeface="Arial"/>
+            </a:endParaRPr>
+          </a:p>
+        </p:txBody>
+      </p:sp>
+      <p:sp>
+        <p:nvSpPr>
+          <p:cNvPr id="124" name="PlaceHolder 2"/>
+          <p:cNvSpPr>
+            <a:spLocks noGrp="1"/>
+          </p:cNvSpPr>
+          <p:nvPr>
+            <p:ph type="body"/>
+          </p:nvPr>
+        </p:nvSpPr>
+        <p:spPr>
+          <a:xfrm>
+            <a:off x="504000" y="1769040"/>
+            <a:ext cx="9070560" cy="4383360"/>
           </a:xfrm>
           <a:prstGeom prst="rect">
             <a:avLst/>
@@ -2113,7 +3666,7 @@
         <p:spPr>
           <a:xfrm>
             <a:off x="504000" y="301320"/>
-            <a:ext cx="9071280" cy="1261800"/>
+            <a:ext cx="9070560" cy="1261080"/>
           </a:xfrm>
           <a:prstGeom prst="rect">
             <a:avLst/>
@@ -2144,7 +3697,7 @@
         <p:spPr>
           <a:xfrm>
             <a:off x="504000" y="1769040"/>
-            <a:ext cx="4426560" cy="4384080"/>
+            <a:ext cx="4426200" cy="4383360"/>
           </a:xfrm>
           <a:prstGeom prst="rect">
             <a:avLst/>
@@ -2173,8 +3726,1175 @@
         </p:nvSpPr>
         <p:spPr>
           <a:xfrm>
-            <a:off x="5152320" y="1769040"/>
-            <a:ext cx="4426560" cy="4384080"/>
+            <a:off x="5151960" y="1769040"/>
+            <a:ext cx="4426200" cy="4383360"/>
+          </a:xfrm>
+          <a:prstGeom prst="rect">
+            <a:avLst/>
+          </a:prstGeom>
+        </p:spPr>
+        <p:txBody>
+          <a:bodyPr lIns="0" rIns="0" tIns="0" bIns="0">
+            <a:normAutofit/>
+          </a:bodyPr>
+          <a:p>
+            <a:endParaRPr b="0" lang="en-US" sz="3200" spc="-1" strike="noStrike">
+              <a:latin typeface="Arial"/>
+            </a:endParaRPr>
+          </a:p>
+        </p:txBody>
+      </p:sp>
+    </p:spTree>
+  </p:cSld>
+</p:sldLayout>
+</file>
+
+<file path=ppt/slideLayouts/slideLayout40.xml><?xml version="1.0" encoding="utf-8"?>
+<p:sldLayout xmlns:a="http://schemas.openxmlformats.org/drawingml/2006/main" xmlns:p="http://schemas.openxmlformats.org/presentationml/2006/main" xmlns:r="http://schemas.openxmlformats.org/officeDocument/2006/relationships" xmlns:p14="http://schemas.microsoft.com/office/powerpoint/2010/main" xmlns:p15="http://schemas.microsoft.com/office/powerpoint/2012/main" xmlns:mc="http://schemas.openxmlformats.org/markup-compatibility/2006" type="twoObj" preserve="1">
+  <p:cSld name="Title, 2 Content">
+    <p:spTree>
+      <p:nvGrpSpPr>
+        <p:cNvPr id="1" name=""/>
+        <p:cNvGrpSpPr/>
+        <p:nvPr/>
+      </p:nvGrpSpPr>
+      <p:grpSpPr>
+        <a:xfrm>
+          <a:off x="0" y="0"/>
+          <a:ext cx="0" cy="0"/>
+          <a:chOff x="0" y="0"/>
+          <a:chExt cx="0" cy="0"/>
+        </a:xfrm>
+      </p:grpSpPr>
+      <p:sp>
+        <p:nvSpPr>
+          <p:cNvPr id="125" name="PlaceHolder 1"/>
+          <p:cNvSpPr>
+            <a:spLocks noGrp="1"/>
+          </p:cNvSpPr>
+          <p:nvPr>
+            <p:ph type="title"/>
+          </p:nvPr>
+        </p:nvSpPr>
+        <p:spPr>
+          <a:xfrm>
+            <a:off x="504000" y="301320"/>
+            <a:ext cx="9070560" cy="1261080"/>
+          </a:xfrm>
+          <a:prstGeom prst="rect">
+            <a:avLst/>
+          </a:prstGeom>
+        </p:spPr>
+        <p:txBody>
+          <a:bodyPr lIns="0" rIns="0" tIns="0" bIns="0" anchor="ctr">
+            <a:noAutofit/>
+          </a:bodyPr>
+          <a:p>
+            <a:pPr algn="ctr"/>
+            <a:endParaRPr b="0" lang="en-US" sz="4400" spc="-1" strike="noStrike">
+              <a:latin typeface="Arial"/>
+            </a:endParaRPr>
+          </a:p>
+        </p:txBody>
+      </p:sp>
+      <p:sp>
+        <p:nvSpPr>
+          <p:cNvPr id="126" name="PlaceHolder 2"/>
+          <p:cNvSpPr>
+            <a:spLocks noGrp="1"/>
+          </p:cNvSpPr>
+          <p:nvPr>
+            <p:ph type="body"/>
+          </p:nvPr>
+        </p:nvSpPr>
+        <p:spPr>
+          <a:xfrm>
+            <a:off x="504000" y="1769040"/>
+            <a:ext cx="4426200" cy="4383360"/>
+          </a:xfrm>
+          <a:prstGeom prst="rect">
+            <a:avLst/>
+          </a:prstGeom>
+        </p:spPr>
+        <p:txBody>
+          <a:bodyPr lIns="0" rIns="0" tIns="0" bIns="0">
+            <a:normAutofit/>
+          </a:bodyPr>
+          <a:p>
+            <a:endParaRPr b="0" lang="en-US" sz="3200" spc="-1" strike="noStrike">
+              <a:latin typeface="Arial"/>
+            </a:endParaRPr>
+          </a:p>
+        </p:txBody>
+      </p:sp>
+      <p:sp>
+        <p:nvSpPr>
+          <p:cNvPr id="127" name="PlaceHolder 3"/>
+          <p:cNvSpPr>
+            <a:spLocks noGrp="1"/>
+          </p:cNvSpPr>
+          <p:nvPr>
+            <p:ph type="body"/>
+          </p:nvPr>
+        </p:nvSpPr>
+        <p:spPr>
+          <a:xfrm>
+            <a:off x="5151960" y="1769040"/>
+            <a:ext cx="4426200" cy="4383360"/>
+          </a:xfrm>
+          <a:prstGeom prst="rect">
+            <a:avLst/>
+          </a:prstGeom>
+        </p:spPr>
+        <p:txBody>
+          <a:bodyPr lIns="0" rIns="0" tIns="0" bIns="0">
+            <a:normAutofit/>
+          </a:bodyPr>
+          <a:p>
+            <a:endParaRPr b="0" lang="en-US" sz="3200" spc="-1" strike="noStrike">
+              <a:latin typeface="Arial"/>
+            </a:endParaRPr>
+          </a:p>
+        </p:txBody>
+      </p:sp>
+    </p:spTree>
+  </p:cSld>
+</p:sldLayout>
+</file>
+
+<file path=ppt/slideLayouts/slideLayout41.xml><?xml version="1.0" encoding="utf-8"?>
+<p:sldLayout xmlns:a="http://schemas.openxmlformats.org/drawingml/2006/main" xmlns:p="http://schemas.openxmlformats.org/presentationml/2006/main" xmlns:r="http://schemas.openxmlformats.org/officeDocument/2006/relationships" xmlns:p14="http://schemas.microsoft.com/office/powerpoint/2010/main" xmlns:p15="http://schemas.microsoft.com/office/powerpoint/2012/main" xmlns:mc="http://schemas.openxmlformats.org/markup-compatibility/2006" type="titleOnly" preserve="1">
+  <p:cSld name="Title Only">
+    <p:spTree>
+      <p:nvGrpSpPr>
+        <p:cNvPr id="1" name=""/>
+        <p:cNvGrpSpPr/>
+        <p:nvPr/>
+      </p:nvGrpSpPr>
+      <p:grpSpPr>
+        <a:xfrm>
+          <a:off x="0" y="0"/>
+          <a:ext cx="0" cy="0"/>
+          <a:chOff x="0" y="0"/>
+          <a:chExt cx="0" cy="0"/>
+        </a:xfrm>
+      </p:grpSpPr>
+      <p:sp>
+        <p:nvSpPr>
+          <p:cNvPr id="128" name="PlaceHolder 1"/>
+          <p:cNvSpPr>
+            <a:spLocks noGrp="1"/>
+          </p:cNvSpPr>
+          <p:nvPr>
+            <p:ph type="title"/>
+          </p:nvPr>
+        </p:nvSpPr>
+        <p:spPr>
+          <a:xfrm>
+            <a:off x="504000" y="301320"/>
+            <a:ext cx="9070560" cy="1261080"/>
+          </a:xfrm>
+          <a:prstGeom prst="rect">
+            <a:avLst/>
+          </a:prstGeom>
+        </p:spPr>
+        <p:txBody>
+          <a:bodyPr lIns="0" rIns="0" tIns="0" bIns="0" anchor="ctr">
+            <a:noAutofit/>
+          </a:bodyPr>
+          <a:p>
+            <a:pPr algn="ctr"/>
+            <a:endParaRPr b="0" lang="en-US" sz="4400" spc="-1" strike="noStrike">
+              <a:latin typeface="Arial"/>
+            </a:endParaRPr>
+          </a:p>
+        </p:txBody>
+      </p:sp>
+    </p:spTree>
+  </p:cSld>
+</p:sldLayout>
+</file>
+
+<file path=ppt/slideLayouts/slideLayout42.xml><?xml version="1.0" encoding="utf-8"?>
+<p:sldLayout xmlns:a="http://schemas.openxmlformats.org/drawingml/2006/main" xmlns:p="http://schemas.openxmlformats.org/presentationml/2006/main" xmlns:r="http://schemas.openxmlformats.org/officeDocument/2006/relationships" xmlns:p14="http://schemas.microsoft.com/office/powerpoint/2010/main" xmlns:p15="http://schemas.microsoft.com/office/powerpoint/2012/main" xmlns:mc="http://schemas.openxmlformats.org/markup-compatibility/2006" type="objOnly" preserve="1">
+  <p:cSld name="Centered Text">
+    <p:spTree>
+      <p:nvGrpSpPr>
+        <p:cNvPr id="1" name=""/>
+        <p:cNvGrpSpPr/>
+        <p:nvPr/>
+      </p:nvGrpSpPr>
+      <p:grpSpPr>
+        <a:xfrm>
+          <a:off x="0" y="0"/>
+          <a:ext cx="0" cy="0"/>
+          <a:chOff x="0" y="0"/>
+          <a:chExt cx="0" cy="0"/>
+        </a:xfrm>
+      </p:grpSpPr>
+      <p:sp>
+        <p:nvSpPr>
+          <p:cNvPr id="129" name="PlaceHolder 1"/>
+          <p:cNvSpPr>
+            <a:spLocks noGrp="1"/>
+          </p:cNvSpPr>
+          <p:nvPr>
+            <p:ph type="subTitle"/>
+          </p:nvPr>
+        </p:nvSpPr>
+        <p:spPr>
+          <a:xfrm>
+            <a:off x="504000" y="301320"/>
+            <a:ext cx="9070560" cy="5846760"/>
+          </a:xfrm>
+          <a:prstGeom prst="rect">
+            <a:avLst/>
+          </a:prstGeom>
+        </p:spPr>
+        <p:txBody>
+          <a:bodyPr lIns="0" rIns="0" tIns="0" bIns="0" anchor="ctr">
+            <a:noAutofit/>
+          </a:bodyPr>
+          <a:p>
+            <a:pPr algn="ctr"/>
+            <a:endParaRPr b="0" lang="en-US" sz="3200" spc="-1" strike="noStrike">
+              <a:latin typeface="Arial"/>
+            </a:endParaRPr>
+          </a:p>
+        </p:txBody>
+      </p:sp>
+    </p:spTree>
+  </p:cSld>
+</p:sldLayout>
+</file>
+
+<file path=ppt/slideLayouts/slideLayout43.xml><?xml version="1.0" encoding="utf-8"?>
+<p:sldLayout xmlns:a="http://schemas.openxmlformats.org/drawingml/2006/main" xmlns:p="http://schemas.openxmlformats.org/presentationml/2006/main" xmlns:r="http://schemas.openxmlformats.org/officeDocument/2006/relationships" xmlns:p14="http://schemas.microsoft.com/office/powerpoint/2010/main" xmlns:p15="http://schemas.microsoft.com/office/powerpoint/2012/main" xmlns:mc="http://schemas.openxmlformats.org/markup-compatibility/2006" type="twoObjAndObj" preserve="1">
+  <p:cSld name="Title, 2 Content and Content">
+    <p:spTree>
+      <p:nvGrpSpPr>
+        <p:cNvPr id="1" name=""/>
+        <p:cNvGrpSpPr/>
+        <p:nvPr/>
+      </p:nvGrpSpPr>
+      <p:grpSpPr>
+        <a:xfrm>
+          <a:off x="0" y="0"/>
+          <a:ext cx="0" cy="0"/>
+          <a:chOff x="0" y="0"/>
+          <a:chExt cx="0" cy="0"/>
+        </a:xfrm>
+      </p:grpSpPr>
+      <p:sp>
+        <p:nvSpPr>
+          <p:cNvPr id="130" name="PlaceHolder 1"/>
+          <p:cNvSpPr>
+            <a:spLocks noGrp="1"/>
+          </p:cNvSpPr>
+          <p:nvPr>
+            <p:ph type="title"/>
+          </p:nvPr>
+        </p:nvSpPr>
+        <p:spPr>
+          <a:xfrm>
+            <a:off x="504000" y="301320"/>
+            <a:ext cx="9070560" cy="1261080"/>
+          </a:xfrm>
+          <a:prstGeom prst="rect">
+            <a:avLst/>
+          </a:prstGeom>
+        </p:spPr>
+        <p:txBody>
+          <a:bodyPr lIns="0" rIns="0" tIns="0" bIns="0" anchor="ctr">
+            <a:noAutofit/>
+          </a:bodyPr>
+          <a:p>
+            <a:pPr algn="ctr"/>
+            <a:endParaRPr b="0" lang="en-US" sz="4400" spc="-1" strike="noStrike">
+              <a:latin typeface="Arial"/>
+            </a:endParaRPr>
+          </a:p>
+        </p:txBody>
+      </p:sp>
+      <p:sp>
+        <p:nvSpPr>
+          <p:cNvPr id="131" name="PlaceHolder 2"/>
+          <p:cNvSpPr>
+            <a:spLocks noGrp="1"/>
+          </p:cNvSpPr>
+          <p:nvPr>
+            <p:ph type="body"/>
+          </p:nvPr>
+        </p:nvSpPr>
+        <p:spPr>
+          <a:xfrm>
+            <a:off x="504000" y="1769040"/>
+            <a:ext cx="4426200" cy="2090520"/>
+          </a:xfrm>
+          <a:prstGeom prst="rect">
+            <a:avLst/>
+          </a:prstGeom>
+        </p:spPr>
+        <p:txBody>
+          <a:bodyPr lIns="0" rIns="0" tIns="0" bIns="0">
+            <a:normAutofit/>
+          </a:bodyPr>
+          <a:p>
+            <a:endParaRPr b="0" lang="en-US" sz="3200" spc="-1" strike="noStrike">
+              <a:latin typeface="Arial"/>
+            </a:endParaRPr>
+          </a:p>
+        </p:txBody>
+      </p:sp>
+      <p:sp>
+        <p:nvSpPr>
+          <p:cNvPr id="132" name="PlaceHolder 3"/>
+          <p:cNvSpPr>
+            <a:spLocks noGrp="1"/>
+          </p:cNvSpPr>
+          <p:nvPr>
+            <p:ph type="body"/>
+          </p:nvPr>
+        </p:nvSpPr>
+        <p:spPr>
+          <a:xfrm>
+            <a:off x="5151960" y="1769040"/>
+            <a:ext cx="4426200" cy="4383360"/>
+          </a:xfrm>
+          <a:prstGeom prst="rect">
+            <a:avLst/>
+          </a:prstGeom>
+        </p:spPr>
+        <p:txBody>
+          <a:bodyPr lIns="0" rIns="0" tIns="0" bIns="0">
+            <a:normAutofit/>
+          </a:bodyPr>
+          <a:p>
+            <a:endParaRPr b="0" lang="en-US" sz="3200" spc="-1" strike="noStrike">
+              <a:latin typeface="Arial"/>
+            </a:endParaRPr>
+          </a:p>
+        </p:txBody>
+      </p:sp>
+      <p:sp>
+        <p:nvSpPr>
+          <p:cNvPr id="133" name="PlaceHolder 4"/>
+          <p:cNvSpPr>
+            <a:spLocks noGrp="1"/>
+          </p:cNvSpPr>
+          <p:nvPr>
+            <p:ph type="body"/>
+          </p:nvPr>
+        </p:nvSpPr>
+        <p:spPr>
+          <a:xfrm>
+            <a:off x="504000" y="4058640"/>
+            <a:ext cx="4426200" cy="2090520"/>
+          </a:xfrm>
+          <a:prstGeom prst="rect">
+            <a:avLst/>
+          </a:prstGeom>
+        </p:spPr>
+        <p:txBody>
+          <a:bodyPr lIns="0" rIns="0" tIns="0" bIns="0">
+            <a:normAutofit/>
+          </a:bodyPr>
+          <a:p>
+            <a:endParaRPr b="0" lang="en-US" sz="3200" spc="-1" strike="noStrike">
+              <a:latin typeface="Arial"/>
+            </a:endParaRPr>
+          </a:p>
+        </p:txBody>
+      </p:sp>
+    </p:spTree>
+  </p:cSld>
+</p:sldLayout>
+</file>
+
+<file path=ppt/slideLayouts/slideLayout44.xml><?xml version="1.0" encoding="utf-8"?>
+<p:sldLayout xmlns:a="http://schemas.openxmlformats.org/drawingml/2006/main" xmlns:p="http://schemas.openxmlformats.org/presentationml/2006/main" xmlns:r="http://schemas.openxmlformats.org/officeDocument/2006/relationships" xmlns:p14="http://schemas.microsoft.com/office/powerpoint/2010/main" xmlns:p15="http://schemas.microsoft.com/office/powerpoint/2012/main" xmlns:mc="http://schemas.openxmlformats.org/markup-compatibility/2006" type="objAndTwoObj" preserve="1">
+  <p:cSld name="Title Content and 2 Content">
+    <p:spTree>
+      <p:nvGrpSpPr>
+        <p:cNvPr id="1" name=""/>
+        <p:cNvGrpSpPr/>
+        <p:nvPr/>
+      </p:nvGrpSpPr>
+      <p:grpSpPr>
+        <a:xfrm>
+          <a:off x="0" y="0"/>
+          <a:ext cx="0" cy="0"/>
+          <a:chOff x="0" y="0"/>
+          <a:chExt cx="0" cy="0"/>
+        </a:xfrm>
+      </p:grpSpPr>
+      <p:sp>
+        <p:nvSpPr>
+          <p:cNvPr id="134" name="PlaceHolder 1"/>
+          <p:cNvSpPr>
+            <a:spLocks noGrp="1"/>
+          </p:cNvSpPr>
+          <p:nvPr>
+            <p:ph type="title"/>
+          </p:nvPr>
+        </p:nvSpPr>
+        <p:spPr>
+          <a:xfrm>
+            <a:off x="504000" y="301320"/>
+            <a:ext cx="9070560" cy="1261080"/>
+          </a:xfrm>
+          <a:prstGeom prst="rect">
+            <a:avLst/>
+          </a:prstGeom>
+        </p:spPr>
+        <p:txBody>
+          <a:bodyPr lIns="0" rIns="0" tIns="0" bIns="0" anchor="ctr">
+            <a:noAutofit/>
+          </a:bodyPr>
+          <a:p>
+            <a:pPr algn="ctr"/>
+            <a:endParaRPr b="0" lang="en-US" sz="4400" spc="-1" strike="noStrike">
+              <a:latin typeface="Arial"/>
+            </a:endParaRPr>
+          </a:p>
+        </p:txBody>
+      </p:sp>
+      <p:sp>
+        <p:nvSpPr>
+          <p:cNvPr id="135" name="PlaceHolder 2"/>
+          <p:cNvSpPr>
+            <a:spLocks noGrp="1"/>
+          </p:cNvSpPr>
+          <p:nvPr>
+            <p:ph type="body"/>
+          </p:nvPr>
+        </p:nvSpPr>
+        <p:spPr>
+          <a:xfrm>
+            <a:off x="504000" y="1769040"/>
+            <a:ext cx="4426200" cy="4383360"/>
+          </a:xfrm>
+          <a:prstGeom prst="rect">
+            <a:avLst/>
+          </a:prstGeom>
+        </p:spPr>
+        <p:txBody>
+          <a:bodyPr lIns="0" rIns="0" tIns="0" bIns="0">
+            <a:normAutofit/>
+          </a:bodyPr>
+          <a:p>
+            <a:endParaRPr b="0" lang="en-US" sz="3200" spc="-1" strike="noStrike">
+              <a:latin typeface="Arial"/>
+            </a:endParaRPr>
+          </a:p>
+        </p:txBody>
+      </p:sp>
+      <p:sp>
+        <p:nvSpPr>
+          <p:cNvPr id="136" name="PlaceHolder 3"/>
+          <p:cNvSpPr>
+            <a:spLocks noGrp="1"/>
+          </p:cNvSpPr>
+          <p:nvPr>
+            <p:ph type="body"/>
+          </p:nvPr>
+        </p:nvSpPr>
+        <p:spPr>
+          <a:xfrm>
+            <a:off x="5151960" y="1769040"/>
+            <a:ext cx="4426200" cy="2090520"/>
+          </a:xfrm>
+          <a:prstGeom prst="rect">
+            <a:avLst/>
+          </a:prstGeom>
+        </p:spPr>
+        <p:txBody>
+          <a:bodyPr lIns="0" rIns="0" tIns="0" bIns="0">
+            <a:normAutofit/>
+          </a:bodyPr>
+          <a:p>
+            <a:endParaRPr b="0" lang="en-US" sz="3200" spc="-1" strike="noStrike">
+              <a:latin typeface="Arial"/>
+            </a:endParaRPr>
+          </a:p>
+        </p:txBody>
+      </p:sp>
+      <p:sp>
+        <p:nvSpPr>
+          <p:cNvPr id="137" name="PlaceHolder 4"/>
+          <p:cNvSpPr>
+            <a:spLocks noGrp="1"/>
+          </p:cNvSpPr>
+          <p:nvPr>
+            <p:ph type="body"/>
+          </p:nvPr>
+        </p:nvSpPr>
+        <p:spPr>
+          <a:xfrm>
+            <a:off x="5151960" y="4058640"/>
+            <a:ext cx="4426200" cy="2090520"/>
+          </a:xfrm>
+          <a:prstGeom prst="rect">
+            <a:avLst/>
+          </a:prstGeom>
+        </p:spPr>
+        <p:txBody>
+          <a:bodyPr lIns="0" rIns="0" tIns="0" bIns="0">
+            <a:normAutofit/>
+          </a:bodyPr>
+          <a:p>
+            <a:endParaRPr b="0" lang="en-US" sz="3200" spc="-1" strike="noStrike">
+              <a:latin typeface="Arial"/>
+            </a:endParaRPr>
+          </a:p>
+        </p:txBody>
+      </p:sp>
+    </p:spTree>
+  </p:cSld>
+</p:sldLayout>
+</file>
+
+<file path=ppt/slideLayouts/slideLayout45.xml><?xml version="1.0" encoding="utf-8"?>
+<p:sldLayout xmlns:a="http://schemas.openxmlformats.org/drawingml/2006/main" xmlns:p="http://schemas.openxmlformats.org/presentationml/2006/main" xmlns:r="http://schemas.openxmlformats.org/officeDocument/2006/relationships" xmlns:p14="http://schemas.microsoft.com/office/powerpoint/2010/main" xmlns:p15="http://schemas.microsoft.com/office/powerpoint/2012/main" xmlns:mc="http://schemas.openxmlformats.org/markup-compatibility/2006" type="twoObjOverTx" preserve="1">
+  <p:cSld name="Title, 2 Content over Content">
+    <p:spTree>
+      <p:nvGrpSpPr>
+        <p:cNvPr id="1" name=""/>
+        <p:cNvGrpSpPr/>
+        <p:nvPr/>
+      </p:nvGrpSpPr>
+      <p:grpSpPr>
+        <a:xfrm>
+          <a:off x="0" y="0"/>
+          <a:ext cx="0" cy="0"/>
+          <a:chOff x="0" y="0"/>
+          <a:chExt cx="0" cy="0"/>
+        </a:xfrm>
+      </p:grpSpPr>
+      <p:sp>
+        <p:nvSpPr>
+          <p:cNvPr id="138" name="PlaceHolder 1"/>
+          <p:cNvSpPr>
+            <a:spLocks noGrp="1"/>
+          </p:cNvSpPr>
+          <p:nvPr>
+            <p:ph type="title"/>
+          </p:nvPr>
+        </p:nvSpPr>
+        <p:spPr>
+          <a:xfrm>
+            <a:off x="504000" y="301320"/>
+            <a:ext cx="9070560" cy="1261080"/>
+          </a:xfrm>
+          <a:prstGeom prst="rect">
+            <a:avLst/>
+          </a:prstGeom>
+        </p:spPr>
+        <p:txBody>
+          <a:bodyPr lIns="0" rIns="0" tIns="0" bIns="0" anchor="ctr">
+            <a:noAutofit/>
+          </a:bodyPr>
+          <a:p>
+            <a:pPr algn="ctr"/>
+            <a:endParaRPr b="0" lang="en-US" sz="4400" spc="-1" strike="noStrike">
+              <a:latin typeface="Arial"/>
+            </a:endParaRPr>
+          </a:p>
+        </p:txBody>
+      </p:sp>
+      <p:sp>
+        <p:nvSpPr>
+          <p:cNvPr id="139" name="PlaceHolder 2"/>
+          <p:cNvSpPr>
+            <a:spLocks noGrp="1"/>
+          </p:cNvSpPr>
+          <p:nvPr>
+            <p:ph type="body"/>
+          </p:nvPr>
+        </p:nvSpPr>
+        <p:spPr>
+          <a:xfrm>
+            <a:off x="504000" y="1769040"/>
+            <a:ext cx="4426200" cy="2090520"/>
+          </a:xfrm>
+          <a:prstGeom prst="rect">
+            <a:avLst/>
+          </a:prstGeom>
+        </p:spPr>
+        <p:txBody>
+          <a:bodyPr lIns="0" rIns="0" tIns="0" bIns="0">
+            <a:normAutofit/>
+          </a:bodyPr>
+          <a:p>
+            <a:endParaRPr b="0" lang="en-US" sz="3200" spc="-1" strike="noStrike">
+              <a:latin typeface="Arial"/>
+            </a:endParaRPr>
+          </a:p>
+        </p:txBody>
+      </p:sp>
+      <p:sp>
+        <p:nvSpPr>
+          <p:cNvPr id="140" name="PlaceHolder 3"/>
+          <p:cNvSpPr>
+            <a:spLocks noGrp="1"/>
+          </p:cNvSpPr>
+          <p:nvPr>
+            <p:ph type="body"/>
+          </p:nvPr>
+        </p:nvSpPr>
+        <p:spPr>
+          <a:xfrm>
+            <a:off x="5151960" y="1769040"/>
+            <a:ext cx="4426200" cy="2090520"/>
+          </a:xfrm>
+          <a:prstGeom prst="rect">
+            <a:avLst/>
+          </a:prstGeom>
+        </p:spPr>
+        <p:txBody>
+          <a:bodyPr lIns="0" rIns="0" tIns="0" bIns="0">
+            <a:normAutofit/>
+          </a:bodyPr>
+          <a:p>
+            <a:endParaRPr b="0" lang="en-US" sz="3200" spc="-1" strike="noStrike">
+              <a:latin typeface="Arial"/>
+            </a:endParaRPr>
+          </a:p>
+        </p:txBody>
+      </p:sp>
+      <p:sp>
+        <p:nvSpPr>
+          <p:cNvPr id="141" name="PlaceHolder 4"/>
+          <p:cNvSpPr>
+            <a:spLocks noGrp="1"/>
+          </p:cNvSpPr>
+          <p:nvPr>
+            <p:ph type="body"/>
+          </p:nvPr>
+        </p:nvSpPr>
+        <p:spPr>
+          <a:xfrm>
+            <a:off x="504000" y="4058640"/>
+            <a:ext cx="9070560" cy="2090520"/>
+          </a:xfrm>
+          <a:prstGeom prst="rect">
+            <a:avLst/>
+          </a:prstGeom>
+        </p:spPr>
+        <p:txBody>
+          <a:bodyPr lIns="0" rIns="0" tIns="0" bIns="0">
+            <a:normAutofit/>
+          </a:bodyPr>
+          <a:p>
+            <a:endParaRPr b="0" lang="en-US" sz="3200" spc="-1" strike="noStrike">
+              <a:latin typeface="Arial"/>
+            </a:endParaRPr>
+          </a:p>
+        </p:txBody>
+      </p:sp>
+    </p:spTree>
+  </p:cSld>
+</p:sldLayout>
+</file>
+
+<file path=ppt/slideLayouts/slideLayout46.xml><?xml version="1.0" encoding="utf-8"?>
+<p:sldLayout xmlns:a="http://schemas.openxmlformats.org/drawingml/2006/main" xmlns:p="http://schemas.openxmlformats.org/presentationml/2006/main" xmlns:r="http://schemas.openxmlformats.org/officeDocument/2006/relationships" xmlns:p14="http://schemas.microsoft.com/office/powerpoint/2010/main" xmlns:p15="http://schemas.microsoft.com/office/powerpoint/2012/main" xmlns:mc="http://schemas.openxmlformats.org/markup-compatibility/2006" type="objOverTx" preserve="1">
+  <p:cSld name="Title, Content over Content">
+    <p:spTree>
+      <p:nvGrpSpPr>
+        <p:cNvPr id="1" name=""/>
+        <p:cNvGrpSpPr/>
+        <p:nvPr/>
+      </p:nvGrpSpPr>
+      <p:grpSpPr>
+        <a:xfrm>
+          <a:off x="0" y="0"/>
+          <a:ext cx="0" cy="0"/>
+          <a:chOff x="0" y="0"/>
+          <a:chExt cx="0" cy="0"/>
+        </a:xfrm>
+      </p:grpSpPr>
+      <p:sp>
+        <p:nvSpPr>
+          <p:cNvPr id="142" name="PlaceHolder 1"/>
+          <p:cNvSpPr>
+            <a:spLocks noGrp="1"/>
+          </p:cNvSpPr>
+          <p:nvPr>
+            <p:ph type="title"/>
+          </p:nvPr>
+        </p:nvSpPr>
+        <p:spPr>
+          <a:xfrm>
+            <a:off x="504000" y="301320"/>
+            <a:ext cx="9070560" cy="1261080"/>
+          </a:xfrm>
+          <a:prstGeom prst="rect">
+            <a:avLst/>
+          </a:prstGeom>
+        </p:spPr>
+        <p:txBody>
+          <a:bodyPr lIns="0" rIns="0" tIns="0" bIns="0" anchor="ctr">
+            <a:noAutofit/>
+          </a:bodyPr>
+          <a:p>
+            <a:pPr algn="ctr"/>
+            <a:endParaRPr b="0" lang="en-US" sz="4400" spc="-1" strike="noStrike">
+              <a:latin typeface="Arial"/>
+            </a:endParaRPr>
+          </a:p>
+        </p:txBody>
+      </p:sp>
+      <p:sp>
+        <p:nvSpPr>
+          <p:cNvPr id="143" name="PlaceHolder 2"/>
+          <p:cNvSpPr>
+            <a:spLocks noGrp="1"/>
+          </p:cNvSpPr>
+          <p:nvPr>
+            <p:ph type="body"/>
+          </p:nvPr>
+        </p:nvSpPr>
+        <p:spPr>
+          <a:xfrm>
+            <a:off x="504000" y="1769040"/>
+            <a:ext cx="9070560" cy="2090520"/>
+          </a:xfrm>
+          <a:prstGeom prst="rect">
+            <a:avLst/>
+          </a:prstGeom>
+        </p:spPr>
+        <p:txBody>
+          <a:bodyPr lIns="0" rIns="0" tIns="0" bIns="0">
+            <a:normAutofit/>
+          </a:bodyPr>
+          <a:p>
+            <a:endParaRPr b="0" lang="en-US" sz="3200" spc="-1" strike="noStrike">
+              <a:latin typeface="Arial"/>
+            </a:endParaRPr>
+          </a:p>
+        </p:txBody>
+      </p:sp>
+      <p:sp>
+        <p:nvSpPr>
+          <p:cNvPr id="144" name="PlaceHolder 3"/>
+          <p:cNvSpPr>
+            <a:spLocks noGrp="1"/>
+          </p:cNvSpPr>
+          <p:nvPr>
+            <p:ph type="body"/>
+          </p:nvPr>
+        </p:nvSpPr>
+        <p:spPr>
+          <a:xfrm>
+            <a:off x="504000" y="4058640"/>
+            <a:ext cx="9070560" cy="2090520"/>
+          </a:xfrm>
+          <a:prstGeom prst="rect">
+            <a:avLst/>
+          </a:prstGeom>
+        </p:spPr>
+        <p:txBody>
+          <a:bodyPr lIns="0" rIns="0" tIns="0" bIns="0">
+            <a:normAutofit/>
+          </a:bodyPr>
+          <a:p>
+            <a:endParaRPr b="0" lang="en-US" sz="3200" spc="-1" strike="noStrike">
+              <a:latin typeface="Arial"/>
+            </a:endParaRPr>
+          </a:p>
+        </p:txBody>
+      </p:sp>
+    </p:spTree>
+  </p:cSld>
+</p:sldLayout>
+</file>
+
+<file path=ppt/slideLayouts/slideLayout47.xml><?xml version="1.0" encoding="utf-8"?>
+<p:sldLayout xmlns:a="http://schemas.openxmlformats.org/drawingml/2006/main" xmlns:p="http://schemas.openxmlformats.org/presentationml/2006/main" xmlns:r="http://schemas.openxmlformats.org/officeDocument/2006/relationships" xmlns:p14="http://schemas.microsoft.com/office/powerpoint/2010/main" xmlns:p15="http://schemas.microsoft.com/office/powerpoint/2012/main" xmlns:mc="http://schemas.openxmlformats.org/markup-compatibility/2006" type="fourObj" preserve="1">
+  <p:cSld name="Title, 4 Content">
+    <p:spTree>
+      <p:nvGrpSpPr>
+        <p:cNvPr id="1" name=""/>
+        <p:cNvGrpSpPr/>
+        <p:nvPr/>
+      </p:nvGrpSpPr>
+      <p:grpSpPr>
+        <a:xfrm>
+          <a:off x="0" y="0"/>
+          <a:ext cx="0" cy="0"/>
+          <a:chOff x="0" y="0"/>
+          <a:chExt cx="0" cy="0"/>
+        </a:xfrm>
+      </p:grpSpPr>
+      <p:sp>
+        <p:nvSpPr>
+          <p:cNvPr id="145" name="PlaceHolder 1"/>
+          <p:cNvSpPr>
+            <a:spLocks noGrp="1"/>
+          </p:cNvSpPr>
+          <p:nvPr>
+            <p:ph type="title"/>
+          </p:nvPr>
+        </p:nvSpPr>
+        <p:spPr>
+          <a:xfrm>
+            <a:off x="504000" y="301320"/>
+            <a:ext cx="9070560" cy="1261080"/>
+          </a:xfrm>
+          <a:prstGeom prst="rect">
+            <a:avLst/>
+          </a:prstGeom>
+        </p:spPr>
+        <p:txBody>
+          <a:bodyPr lIns="0" rIns="0" tIns="0" bIns="0" anchor="ctr">
+            <a:noAutofit/>
+          </a:bodyPr>
+          <a:p>
+            <a:pPr algn="ctr"/>
+            <a:endParaRPr b="0" lang="en-US" sz="4400" spc="-1" strike="noStrike">
+              <a:latin typeface="Arial"/>
+            </a:endParaRPr>
+          </a:p>
+        </p:txBody>
+      </p:sp>
+      <p:sp>
+        <p:nvSpPr>
+          <p:cNvPr id="146" name="PlaceHolder 2"/>
+          <p:cNvSpPr>
+            <a:spLocks noGrp="1"/>
+          </p:cNvSpPr>
+          <p:nvPr>
+            <p:ph type="body"/>
+          </p:nvPr>
+        </p:nvSpPr>
+        <p:spPr>
+          <a:xfrm>
+            <a:off x="504000" y="1769040"/>
+            <a:ext cx="4426200" cy="2090520"/>
+          </a:xfrm>
+          <a:prstGeom prst="rect">
+            <a:avLst/>
+          </a:prstGeom>
+        </p:spPr>
+        <p:txBody>
+          <a:bodyPr lIns="0" rIns="0" tIns="0" bIns="0">
+            <a:normAutofit/>
+          </a:bodyPr>
+          <a:p>
+            <a:endParaRPr b="0" lang="en-US" sz="3200" spc="-1" strike="noStrike">
+              <a:latin typeface="Arial"/>
+            </a:endParaRPr>
+          </a:p>
+        </p:txBody>
+      </p:sp>
+      <p:sp>
+        <p:nvSpPr>
+          <p:cNvPr id="147" name="PlaceHolder 3"/>
+          <p:cNvSpPr>
+            <a:spLocks noGrp="1"/>
+          </p:cNvSpPr>
+          <p:nvPr>
+            <p:ph type="body"/>
+          </p:nvPr>
+        </p:nvSpPr>
+        <p:spPr>
+          <a:xfrm>
+            <a:off x="5151960" y="1769040"/>
+            <a:ext cx="4426200" cy="2090520"/>
+          </a:xfrm>
+          <a:prstGeom prst="rect">
+            <a:avLst/>
+          </a:prstGeom>
+        </p:spPr>
+        <p:txBody>
+          <a:bodyPr lIns="0" rIns="0" tIns="0" bIns="0">
+            <a:normAutofit/>
+          </a:bodyPr>
+          <a:p>
+            <a:endParaRPr b="0" lang="en-US" sz="3200" spc="-1" strike="noStrike">
+              <a:latin typeface="Arial"/>
+            </a:endParaRPr>
+          </a:p>
+        </p:txBody>
+      </p:sp>
+      <p:sp>
+        <p:nvSpPr>
+          <p:cNvPr id="148" name="PlaceHolder 4"/>
+          <p:cNvSpPr>
+            <a:spLocks noGrp="1"/>
+          </p:cNvSpPr>
+          <p:nvPr>
+            <p:ph type="body"/>
+          </p:nvPr>
+        </p:nvSpPr>
+        <p:spPr>
+          <a:xfrm>
+            <a:off x="504000" y="4058640"/>
+            <a:ext cx="4426200" cy="2090520"/>
+          </a:xfrm>
+          <a:prstGeom prst="rect">
+            <a:avLst/>
+          </a:prstGeom>
+        </p:spPr>
+        <p:txBody>
+          <a:bodyPr lIns="0" rIns="0" tIns="0" bIns="0">
+            <a:normAutofit/>
+          </a:bodyPr>
+          <a:p>
+            <a:endParaRPr b="0" lang="en-US" sz="3200" spc="-1" strike="noStrike">
+              <a:latin typeface="Arial"/>
+            </a:endParaRPr>
+          </a:p>
+        </p:txBody>
+      </p:sp>
+      <p:sp>
+        <p:nvSpPr>
+          <p:cNvPr id="149" name="PlaceHolder 5"/>
+          <p:cNvSpPr>
+            <a:spLocks noGrp="1"/>
+          </p:cNvSpPr>
+          <p:nvPr>
+            <p:ph type="body"/>
+          </p:nvPr>
+        </p:nvSpPr>
+        <p:spPr>
+          <a:xfrm>
+            <a:off x="5151960" y="4058640"/>
+            <a:ext cx="4426200" cy="2090520"/>
+          </a:xfrm>
+          <a:prstGeom prst="rect">
+            <a:avLst/>
+          </a:prstGeom>
+        </p:spPr>
+        <p:txBody>
+          <a:bodyPr lIns="0" rIns="0" tIns="0" bIns="0">
+            <a:normAutofit/>
+          </a:bodyPr>
+          <a:p>
+            <a:endParaRPr b="0" lang="en-US" sz="3200" spc="-1" strike="noStrike">
+              <a:latin typeface="Arial"/>
+            </a:endParaRPr>
+          </a:p>
+        </p:txBody>
+      </p:sp>
+    </p:spTree>
+  </p:cSld>
+</p:sldLayout>
+</file>
+
+<file path=ppt/slideLayouts/slideLayout48.xml><?xml version="1.0" encoding="utf-8"?>
+<p:sldLayout xmlns:a="http://schemas.openxmlformats.org/drawingml/2006/main" xmlns:p="http://schemas.openxmlformats.org/presentationml/2006/main" xmlns:r="http://schemas.openxmlformats.org/officeDocument/2006/relationships" xmlns:p14="http://schemas.microsoft.com/office/powerpoint/2010/main" xmlns:p15="http://schemas.microsoft.com/office/powerpoint/2012/main" xmlns:mc="http://schemas.openxmlformats.org/markup-compatibility/2006" type="blank" preserve="1">
+  <p:cSld name="Title, 6 Content">
+    <p:spTree>
+      <p:nvGrpSpPr>
+        <p:cNvPr id="1" name=""/>
+        <p:cNvGrpSpPr/>
+        <p:nvPr/>
+      </p:nvGrpSpPr>
+      <p:grpSpPr>
+        <a:xfrm>
+          <a:off x="0" y="0"/>
+          <a:ext cx="0" cy="0"/>
+          <a:chOff x="0" y="0"/>
+          <a:chExt cx="0" cy="0"/>
+        </a:xfrm>
+      </p:grpSpPr>
+      <p:sp>
+        <p:nvSpPr>
+          <p:cNvPr id="150" name="PlaceHolder 1"/>
+          <p:cNvSpPr>
+            <a:spLocks noGrp="1"/>
+          </p:cNvSpPr>
+          <p:nvPr>
+            <p:ph type="title"/>
+          </p:nvPr>
+        </p:nvSpPr>
+        <p:spPr>
+          <a:xfrm>
+            <a:off x="504000" y="301320"/>
+            <a:ext cx="9070560" cy="1261080"/>
+          </a:xfrm>
+          <a:prstGeom prst="rect">
+            <a:avLst/>
+          </a:prstGeom>
+        </p:spPr>
+        <p:txBody>
+          <a:bodyPr lIns="0" rIns="0" tIns="0" bIns="0" anchor="ctr">
+            <a:noAutofit/>
+          </a:bodyPr>
+          <a:p>
+            <a:pPr algn="ctr"/>
+            <a:endParaRPr b="0" lang="en-US" sz="4400" spc="-1" strike="noStrike">
+              <a:latin typeface="Arial"/>
+            </a:endParaRPr>
+          </a:p>
+        </p:txBody>
+      </p:sp>
+      <p:sp>
+        <p:nvSpPr>
+          <p:cNvPr id="151" name="PlaceHolder 2"/>
+          <p:cNvSpPr>
+            <a:spLocks noGrp="1"/>
+          </p:cNvSpPr>
+          <p:nvPr>
+            <p:ph type="body"/>
+          </p:nvPr>
+        </p:nvSpPr>
+        <p:spPr>
+          <a:xfrm>
+            <a:off x="504000" y="1769040"/>
+            <a:ext cx="2920320" cy="2090520"/>
+          </a:xfrm>
+          <a:prstGeom prst="rect">
+            <a:avLst/>
+          </a:prstGeom>
+        </p:spPr>
+        <p:txBody>
+          <a:bodyPr lIns="0" rIns="0" tIns="0" bIns="0">
+            <a:normAutofit/>
+          </a:bodyPr>
+          <a:p>
+            <a:endParaRPr b="0" lang="en-US" sz="3200" spc="-1" strike="noStrike">
+              <a:latin typeface="Arial"/>
+            </a:endParaRPr>
+          </a:p>
+        </p:txBody>
+      </p:sp>
+      <p:sp>
+        <p:nvSpPr>
+          <p:cNvPr id="152" name="PlaceHolder 3"/>
+          <p:cNvSpPr>
+            <a:spLocks noGrp="1"/>
+          </p:cNvSpPr>
+          <p:nvPr>
+            <p:ph type="body"/>
+          </p:nvPr>
+        </p:nvSpPr>
+        <p:spPr>
+          <a:xfrm>
+            <a:off x="3570840" y="1769040"/>
+            <a:ext cx="2920320" cy="2090520"/>
+          </a:xfrm>
+          <a:prstGeom prst="rect">
+            <a:avLst/>
+          </a:prstGeom>
+        </p:spPr>
+        <p:txBody>
+          <a:bodyPr lIns="0" rIns="0" tIns="0" bIns="0">
+            <a:normAutofit/>
+          </a:bodyPr>
+          <a:p>
+            <a:endParaRPr b="0" lang="en-US" sz="3200" spc="-1" strike="noStrike">
+              <a:latin typeface="Arial"/>
+            </a:endParaRPr>
+          </a:p>
+        </p:txBody>
+      </p:sp>
+      <p:sp>
+        <p:nvSpPr>
+          <p:cNvPr id="153" name="PlaceHolder 4"/>
+          <p:cNvSpPr>
+            <a:spLocks noGrp="1"/>
+          </p:cNvSpPr>
+          <p:nvPr>
+            <p:ph type="body"/>
+          </p:nvPr>
+        </p:nvSpPr>
+        <p:spPr>
+          <a:xfrm>
+            <a:off x="6637320" y="1769040"/>
+            <a:ext cx="2920320" cy="2090520"/>
+          </a:xfrm>
+          <a:prstGeom prst="rect">
+            <a:avLst/>
+          </a:prstGeom>
+        </p:spPr>
+        <p:txBody>
+          <a:bodyPr lIns="0" rIns="0" tIns="0" bIns="0">
+            <a:normAutofit/>
+          </a:bodyPr>
+          <a:p>
+            <a:endParaRPr b="0" lang="en-US" sz="3200" spc="-1" strike="noStrike">
+              <a:latin typeface="Arial"/>
+            </a:endParaRPr>
+          </a:p>
+        </p:txBody>
+      </p:sp>
+      <p:sp>
+        <p:nvSpPr>
+          <p:cNvPr id="154" name="PlaceHolder 5"/>
+          <p:cNvSpPr>
+            <a:spLocks noGrp="1"/>
+          </p:cNvSpPr>
+          <p:nvPr>
+            <p:ph type="body"/>
+          </p:nvPr>
+        </p:nvSpPr>
+        <p:spPr>
+          <a:xfrm>
+            <a:off x="504000" y="4058640"/>
+            <a:ext cx="2920320" cy="2090520"/>
+          </a:xfrm>
+          <a:prstGeom prst="rect">
+            <a:avLst/>
+          </a:prstGeom>
+        </p:spPr>
+        <p:txBody>
+          <a:bodyPr lIns="0" rIns="0" tIns="0" bIns="0">
+            <a:normAutofit/>
+          </a:bodyPr>
+          <a:p>
+            <a:endParaRPr b="0" lang="en-US" sz="3200" spc="-1" strike="noStrike">
+              <a:latin typeface="Arial"/>
+            </a:endParaRPr>
+          </a:p>
+        </p:txBody>
+      </p:sp>
+      <p:sp>
+        <p:nvSpPr>
+          <p:cNvPr id="155" name="PlaceHolder 6"/>
+          <p:cNvSpPr>
+            <a:spLocks noGrp="1"/>
+          </p:cNvSpPr>
+          <p:nvPr>
+            <p:ph type="body"/>
+          </p:nvPr>
+        </p:nvSpPr>
+        <p:spPr>
+          <a:xfrm>
+            <a:off x="3570840" y="4058640"/>
+            <a:ext cx="2920320" cy="2090520"/>
+          </a:xfrm>
+          <a:prstGeom prst="rect">
+            <a:avLst/>
+          </a:prstGeom>
+        </p:spPr>
+        <p:txBody>
+          <a:bodyPr lIns="0" rIns="0" tIns="0" bIns="0">
+            <a:normAutofit/>
+          </a:bodyPr>
+          <a:p>
+            <a:endParaRPr b="0" lang="en-US" sz="3200" spc="-1" strike="noStrike">
+              <a:latin typeface="Arial"/>
+            </a:endParaRPr>
+          </a:p>
+        </p:txBody>
+      </p:sp>
+      <p:sp>
+        <p:nvSpPr>
+          <p:cNvPr id="156" name="PlaceHolder 7"/>
+          <p:cNvSpPr>
+            <a:spLocks noGrp="1"/>
+          </p:cNvSpPr>
+          <p:nvPr>
+            <p:ph type="body"/>
+          </p:nvPr>
+        </p:nvSpPr>
+        <p:spPr>
+          <a:xfrm>
+            <a:off x="6637320" y="4058640"/>
+            <a:ext cx="2920320" cy="2090520"/>
           </a:xfrm>
           <a:prstGeom prst="rect">
             <a:avLst/>
@@ -2226,7 +4946,7 @@
         <p:spPr>
           <a:xfrm>
             <a:off x="504000" y="301320"/>
-            <a:ext cx="9071280" cy="1261800"/>
+            <a:ext cx="9070560" cy="1261080"/>
           </a:xfrm>
           <a:prstGeom prst="rect">
             <a:avLst/>
@@ -2279,7 +4999,7 @@
         <p:spPr>
           <a:xfrm>
             <a:off x="504000" y="301320"/>
-            <a:ext cx="9071280" cy="5850360"/>
+            <a:ext cx="9070560" cy="5846760"/>
           </a:xfrm>
           <a:prstGeom prst="rect">
             <a:avLst/>
@@ -2332,7 +5052,7 @@
         <p:spPr>
           <a:xfrm>
             <a:off x="504000" y="301320"/>
-            <a:ext cx="9071280" cy="1261800"/>
+            <a:ext cx="9070560" cy="1261080"/>
           </a:xfrm>
           <a:prstGeom prst="rect">
             <a:avLst/>
@@ -2363,7 +5083,7 @@
         <p:spPr>
           <a:xfrm>
             <a:off x="504000" y="1769040"/>
-            <a:ext cx="4426560" cy="2090880"/>
+            <a:ext cx="4426200" cy="2090520"/>
           </a:xfrm>
           <a:prstGeom prst="rect">
             <a:avLst/>
@@ -2392,8 +5112,8 @@
         </p:nvSpPr>
         <p:spPr>
           <a:xfrm>
-            <a:off x="5152320" y="1769040"/>
-            <a:ext cx="4426560" cy="4384080"/>
+            <a:off x="5151960" y="1769040"/>
+            <a:ext cx="4426200" cy="4383360"/>
           </a:xfrm>
           <a:prstGeom prst="rect">
             <a:avLst/>
@@ -2422,8 +5142,8 @@
         </p:nvSpPr>
         <p:spPr>
           <a:xfrm>
-            <a:off x="504000" y="4059000"/>
-            <a:ext cx="4426560" cy="2090880"/>
+            <a:off x="504000" y="4058640"/>
+            <a:ext cx="4426200" cy="2090520"/>
           </a:xfrm>
           <a:prstGeom prst="rect">
             <a:avLst/>
@@ -2475,7 +5195,7 @@
         <p:spPr>
           <a:xfrm>
             <a:off x="504000" y="301320"/>
-            <a:ext cx="9071280" cy="1261800"/>
+            <a:ext cx="9070560" cy="1261080"/>
           </a:xfrm>
           <a:prstGeom prst="rect">
             <a:avLst/>
@@ -2506,7 +5226,7 @@
         <p:spPr>
           <a:xfrm>
             <a:off x="504000" y="1769040"/>
-            <a:ext cx="4426560" cy="4384080"/>
+            <a:ext cx="4426200" cy="4383360"/>
           </a:xfrm>
           <a:prstGeom prst="rect">
             <a:avLst/>
@@ -2535,8 +5255,8 @@
         </p:nvSpPr>
         <p:spPr>
           <a:xfrm>
-            <a:off x="5152320" y="1769040"/>
-            <a:ext cx="4426560" cy="2090880"/>
+            <a:off x="5151960" y="1769040"/>
+            <a:ext cx="4426200" cy="2090520"/>
           </a:xfrm>
           <a:prstGeom prst="rect">
             <a:avLst/>
@@ -2565,8 +5285,8 @@
         </p:nvSpPr>
         <p:spPr>
           <a:xfrm>
-            <a:off x="5152320" y="4059000"/>
-            <a:ext cx="4426560" cy="2090880"/>
+            <a:off x="5151960" y="4058640"/>
+            <a:ext cx="4426200" cy="2090520"/>
           </a:xfrm>
           <a:prstGeom prst="rect">
             <a:avLst/>
@@ -2618,7 +5338,7 @@
         <p:spPr>
           <a:xfrm>
             <a:off x="504000" y="301320"/>
-            <a:ext cx="9071280" cy="1261800"/>
+            <a:ext cx="9070560" cy="1261080"/>
           </a:xfrm>
           <a:prstGeom prst="rect">
             <a:avLst/>
@@ -2649,7 +5369,7 @@
         <p:spPr>
           <a:xfrm>
             <a:off x="504000" y="1769040"/>
-            <a:ext cx="4426560" cy="2090880"/>
+            <a:ext cx="4426200" cy="2090520"/>
           </a:xfrm>
           <a:prstGeom prst="rect">
             <a:avLst/>
@@ -2678,8 +5398,8 @@
         </p:nvSpPr>
         <p:spPr>
           <a:xfrm>
-            <a:off x="5152320" y="1769040"/>
-            <a:ext cx="4426560" cy="2090880"/>
+            <a:off x="5151960" y="1769040"/>
+            <a:ext cx="4426200" cy="2090520"/>
           </a:xfrm>
           <a:prstGeom prst="rect">
             <a:avLst/>
@@ -2708,8 +5428,8 @@
         </p:nvSpPr>
         <p:spPr>
           <a:xfrm>
-            <a:off x="504000" y="4059000"/>
-            <a:ext cx="9071280" cy="2090880"/>
+            <a:off x="504000" y="4058640"/>
+            <a:ext cx="9070560" cy="2090520"/>
           </a:xfrm>
           <a:prstGeom prst="rect">
             <a:avLst/>
@@ -2761,7 +5481,7 @@
         <p:spPr>
           <a:xfrm>
             <a:off x="0" y="6016680"/>
-            <a:ext cx="10076400" cy="1542240"/>
+            <a:ext cx="10075680" cy="1541520"/>
           </a:xfrm>
           <a:prstGeom prst="rect">
             <a:avLst/>
@@ -2784,7 +5504,7 @@
         <p:spPr>
           <a:xfrm>
             <a:off x="0" y="0"/>
-            <a:ext cx="10076760" cy="1694880"/>
+            <a:ext cx="10076040" cy="1694160"/>
           </a:xfrm>
           <a:prstGeom prst="rect">
             <a:avLst/>
@@ -2807,7 +5527,7 @@
         <p:spPr>
           <a:xfrm>
             <a:off x="504000" y="301320"/>
-            <a:ext cx="9071280" cy="1261800"/>
+            <a:ext cx="9072000" cy="1261800"/>
           </a:xfrm>
           <a:prstGeom prst="rect">
             <a:avLst/>
@@ -2818,13 +5538,14 @@
             <a:noAutofit/>
           </a:bodyPr>
           <a:p>
-            <a:r>
-              <a:rPr b="0" lang="zh-CN" sz="1800" spc="-1" strike="noStrike">
+            <a:pPr algn="ctr"/>
+            <a:r>
+              <a:rPr b="0" lang="zh-CN" sz="4400" spc="-1" strike="noStrike">
                 <a:latin typeface="Arial"/>
               </a:rPr>
               <a:t>点击鼠标编辑标题文字格式</a:t>
             </a:r>
-            <a:endParaRPr b="0" lang="en-US" sz="1800" spc="-1" strike="noStrike">
+            <a:endParaRPr b="0" lang="en-US" sz="4400" spc="-1" strike="noStrike">
               <a:latin typeface="Arial"/>
             </a:endParaRPr>
           </a:p>
@@ -3059,7 +5780,7 @@
         <p:spPr>
           <a:xfrm>
             <a:off x="0" y="6108480"/>
-            <a:ext cx="10076400" cy="1450800"/>
+            <a:ext cx="10075680" cy="1450080"/>
           </a:xfrm>
           <a:prstGeom prst="rect">
             <a:avLst/>
@@ -3082,7 +5803,7 @@
         <p:spPr>
           <a:xfrm>
             <a:off x="504000" y="301320"/>
-            <a:ext cx="9071280" cy="1261800"/>
+            <a:ext cx="9072000" cy="1261800"/>
           </a:xfrm>
           <a:prstGeom prst="rect">
             <a:avLst/>
@@ -3093,13 +5814,14 @@
             <a:noAutofit/>
           </a:bodyPr>
           <a:p>
-            <a:r>
-              <a:rPr b="0" lang="zh-CN" sz="1800" spc="-1" strike="noStrike">
+            <a:pPr algn="ctr"/>
+            <a:r>
+              <a:rPr b="0" lang="zh-CN" sz="4400" spc="-1" strike="noStrike">
                 <a:latin typeface="Arial"/>
               </a:rPr>
               <a:t>点击鼠标编辑标题文字格式</a:t>
             </a:r>
-            <a:endParaRPr b="0" lang="en-US" sz="1800" spc="-1" strike="noStrike">
+            <a:endParaRPr b="0" lang="en-US" sz="4400" spc="-1" strike="noStrike">
               <a:latin typeface="Arial"/>
             </a:endParaRPr>
           </a:p>
@@ -3117,8 +5839,8 @@
         </p:nvSpPr>
         <p:spPr>
           <a:xfrm>
-            <a:off x="504000" y="1769040"/>
-            <a:ext cx="9071280" cy="4384080"/>
+            <a:off x="504000" y="1768680"/>
+            <a:ext cx="9072000" cy="4384080"/>
           </a:xfrm>
           <a:prstGeom prst="rect">
             <a:avLst/>
@@ -3141,12 +5863,12 @@
               <a:buChar char=""/>
             </a:pPr>
             <a:r>
-              <a:rPr b="0" lang="zh-CN" sz="1800" spc="-1" strike="noStrike">
+              <a:rPr b="0" lang="zh-CN" sz="3200" spc="-1" strike="noStrike">
                 <a:latin typeface="Arial"/>
               </a:rPr>
               <a:t>点击鼠标编辑大纲文字格式</a:t>
             </a:r>
-            <a:endParaRPr b="0" lang="en-US" sz="1800" spc="-1" strike="noStrike">
+            <a:endParaRPr b="0" lang="en-US" sz="3200" spc="-1" strike="noStrike">
               <a:latin typeface="Arial"/>
             </a:endParaRPr>
           </a:p>
@@ -3163,12 +5885,12 @@
               <a:buChar char=""/>
             </a:pPr>
             <a:r>
-              <a:rPr b="0" lang="zh-CN" sz="1800" spc="-1" strike="noStrike">
+              <a:rPr b="0" lang="zh-CN" sz="2800" spc="-1" strike="noStrike">
                 <a:latin typeface="Arial"/>
               </a:rPr>
               <a:t>第二个大纲级</a:t>
             </a:r>
-            <a:endParaRPr b="0" lang="en-US" sz="1800" spc="-1" strike="noStrike">
+            <a:endParaRPr b="0" lang="en-US" sz="2800" spc="-1" strike="noStrike">
               <a:latin typeface="Arial"/>
             </a:endParaRPr>
           </a:p>
@@ -3185,12 +5907,12 @@
               <a:buChar char=""/>
             </a:pPr>
             <a:r>
-              <a:rPr b="0" lang="zh-CN" sz="1800" spc="-1" strike="noStrike">
+              <a:rPr b="0" lang="zh-CN" sz="2400" spc="-1" strike="noStrike">
                 <a:latin typeface="Arial"/>
               </a:rPr>
               <a:t>第三大纲级别</a:t>
             </a:r>
-            <a:endParaRPr b="0" lang="en-US" sz="1800" spc="-1" strike="noStrike">
+            <a:endParaRPr b="0" lang="en-US" sz="2400" spc="-1" strike="noStrike">
               <a:latin typeface="Arial"/>
             </a:endParaRPr>
           </a:p>
@@ -3207,12 +5929,12 @@
               <a:buChar char=""/>
             </a:pPr>
             <a:r>
-              <a:rPr b="0" lang="zh-CN" sz="1800" spc="-1" strike="noStrike">
+              <a:rPr b="0" lang="zh-CN" sz="2000" spc="-1" strike="noStrike">
                 <a:latin typeface="Arial"/>
               </a:rPr>
               <a:t>第四大纲级别</a:t>
             </a:r>
-            <a:endParaRPr b="0" lang="en-US" sz="1800" spc="-1" strike="noStrike">
+            <a:endParaRPr b="0" lang="en-US" sz="2000" spc="-1" strike="noStrike">
               <a:latin typeface="Arial"/>
             </a:endParaRPr>
           </a:p>
@@ -3229,12 +5951,12 @@
               <a:buChar char=""/>
             </a:pPr>
             <a:r>
-              <a:rPr b="0" lang="zh-CN" sz="1800" spc="-1" strike="noStrike">
+              <a:rPr b="0" lang="zh-CN" sz="2000" spc="-1" strike="noStrike">
                 <a:latin typeface="Arial"/>
               </a:rPr>
               <a:t>第五大纲级别</a:t>
             </a:r>
-            <a:endParaRPr b="0" lang="en-US" sz="1800" spc="-1" strike="noStrike">
+            <a:endParaRPr b="0" lang="en-US" sz="2000" spc="-1" strike="noStrike">
               <a:latin typeface="Arial"/>
             </a:endParaRPr>
           </a:p>
@@ -3251,12 +5973,12 @@
               <a:buChar char=""/>
             </a:pPr>
             <a:r>
-              <a:rPr b="0" lang="zh-CN" sz="1800" spc="-1" strike="noStrike">
+              <a:rPr b="0" lang="zh-CN" sz="2000" spc="-1" strike="noStrike">
                 <a:latin typeface="Arial"/>
               </a:rPr>
               <a:t>第六大纲级别</a:t>
             </a:r>
-            <a:endParaRPr b="0" lang="en-US" sz="1800" spc="-1" strike="noStrike">
+            <a:endParaRPr b="0" lang="en-US" sz="2000" spc="-1" strike="noStrike">
               <a:latin typeface="Arial"/>
             </a:endParaRPr>
           </a:p>
@@ -3273,12 +5995,12 @@
               <a:buChar char=""/>
             </a:pPr>
             <a:r>
-              <a:rPr b="0" lang="zh-CN" sz="1800" spc="-1" strike="noStrike">
+              <a:rPr b="0" lang="zh-CN" sz="2000" spc="-1" strike="noStrike">
                 <a:latin typeface="Arial"/>
               </a:rPr>
               <a:t>第七大纲级别</a:t>
             </a:r>
-            <a:endParaRPr b="0" lang="en-US" sz="1800" spc="-1" strike="noStrike">
+            <a:endParaRPr b="0" lang="en-US" sz="2000" spc="-1" strike="noStrike">
               <a:latin typeface="Arial"/>
             </a:endParaRPr>
           </a:p>
@@ -3300,6 +6022,556 @@
     <p:sldLayoutId id="2147483671" r:id="rId12"/>
     <p:sldLayoutId id="2147483672" r:id="rId13"/>
     <p:sldLayoutId id="2147483673" r:id="rId14"/>
+  </p:sldLayoutIdLst>
+</p:sldMaster>
+</file>
+
+<file path=ppt/slideMasters/slideMaster3.xml><?xml version="1.0" encoding="utf-8"?>
+<p:sldMaster xmlns:a="http://schemas.openxmlformats.org/drawingml/2006/main" xmlns:p="http://schemas.openxmlformats.org/presentationml/2006/main" xmlns:r="http://schemas.openxmlformats.org/officeDocument/2006/relationships" xmlns:p14="http://schemas.microsoft.com/office/powerpoint/2010/main" xmlns:p15="http://schemas.microsoft.com/office/powerpoint/2012/main" xmlns:mc="http://schemas.openxmlformats.org/markup-compatibility/2006">
+  <p:cSld>
+    <p:spTree>
+      <p:nvGrpSpPr>
+        <p:cNvPr id="1" name=""/>
+        <p:cNvGrpSpPr/>
+        <p:nvPr/>
+      </p:nvGrpSpPr>
+      <p:grpSpPr>
+        <a:xfrm>
+          <a:off x="0" y="0"/>
+          <a:ext cx="0" cy="0"/>
+          <a:chOff x="0" y="0"/>
+          <a:chExt cx="0" cy="0"/>
+        </a:xfrm>
+      </p:grpSpPr>
+      <p:pic>
+        <p:nvPicPr>
+          <p:cNvPr id="79" name="" descr=""/>
+          <p:cNvPicPr/>
+          <p:nvPr/>
+        </p:nvPicPr>
+        <p:blipFill>
+          <a:blip r:embed="rId2"/>
+          <a:stretch/>
+        </p:blipFill>
+        <p:spPr>
+          <a:xfrm>
+            <a:off x="0" y="6108480"/>
+            <a:ext cx="10075680" cy="1450080"/>
+          </a:xfrm>
+          <a:prstGeom prst="rect">
+            <a:avLst/>
+          </a:prstGeom>
+          <a:ln>
+            <a:noFill/>
+          </a:ln>
+        </p:spPr>
+      </p:pic>
+      <p:sp>
+        <p:nvSpPr>
+          <p:cNvPr id="80" name="PlaceHolder 1"/>
+          <p:cNvSpPr>
+            <a:spLocks noGrp="1"/>
+          </p:cNvSpPr>
+          <p:nvPr>
+            <p:ph type="title"/>
+          </p:nvPr>
+        </p:nvSpPr>
+        <p:spPr>
+          <a:xfrm>
+            <a:off x="504000" y="301320"/>
+            <a:ext cx="9070560" cy="1261080"/>
+          </a:xfrm>
+          <a:prstGeom prst="rect">
+            <a:avLst/>
+          </a:prstGeom>
+        </p:spPr>
+        <p:txBody>
+          <a:bodyPr lIns="0" rIns="0" tIns="0" bIns="0" anchor="ctr">
+            <a:noAutofit/>
+          </a:bodyPr>
+          <a:p>
+            <a:r>
+              <a:rPr b="0" lang="zh-CN" sz="1800" spc="-1" strike="noStrike">
+                <a:latin typeface="Arial"/>
+              </a:rPr>
+              <a:t>点击鼠标编辑标题文字格式</a:t>
+            </a:r>
+            <a:endParaRPr b="0" lang="en-US" sz="1800" spc="-1" strike="noStrike">
+              <a:latin typeface="Arial"/>
+            </a:endParaRPr>
+          </a:p>
+        </p:txBody>
+      </p:sp>
+      <p:sp>
+        <p:nvSpPr>
+          <p:cNvPr id="81" name="PlaceHolder 2"/>
+          <p:cNvSpPr>
+            <a:spLocks noGrp="1"/>
+          </p:cNvSpPr>
+          <p:nvPr>
+            <p:ph type="body"/>
+          </p:nvPr>
+        </p:nvSpPr>
+        <p:spPr>
+          <a:xfrm>
+            <a:off x="504000" y="1768680"/>
+            <a:ext cx="9072000" cy="4384080"/>
+          </a:xfrm>
+          <a:prstGeom prst="rect">
+            <a:avLst/>
+          </a:prstGeom>
+        </p:spPr>
+        <p:txBody>
+          <a:bodyPr lIns="0" rIns="0" tIns="0" bIns="0">
+            <a:normAutofit/>
+          </a:bodyPr>
+          <a:p>
+            <a:pPr marL="432000" indent="-324000">
+              <a:spcBef>
+                <a:spcPts val="1417"/>
+              </a:spcBef>
+              <a:buClr>
+                <a:srgbClr val="000000"/>
+              </a:buClr>
+              <a:buSzPct val="45000"/>
+              <a:buFont typeface="Wingdings" charset="2"/>
+              <a:buChar char=""/>
+            </a:pPr>
+            <a:r>
+              <a:rPr b="0" lang="zh-CN" sz="3200" spc="-1" strike="noStrike">
+                <a:latin typeface="Arial"/>
+              </a:rPr>
+              <a:t>点击鼠标编辑大纲文字格式</a:t>
+            </a:r>
+            <a:endParaRPr b="0" lang="en-US" sz="3200" spc="-1" strike="noStrike">
+              <a:latin typeface="Arial"/>
+            </a:endParaRPr>
+          </a:p>
+          <a:p>
+            <a:pPr lvl="1" marL="864000" indent="-324000">
+              <a:spcBef>
+                <a:spcPts val="1134"/>
+              </a:spcBef>
+              <a:buClr>
+                <a:srgbClr val="000000"/>
+              </a:buClr>
+              <a:buSzPct val="75000"/>
+              <a:buFont typeface="Symbol" charset="2"/>
+              <a:buChar char=""/>
+            </a:pPr>
+            <a:r>
+              <a:rPr b="0" lang="zh-CN" sz="2800" spc="-1" strike="noStrike">
+                <a:latin typeface="Arial"/>
+              </a:rPr>
+              <a:t>第二个大纲级</a:t>
+            </a:r>
+            <a:endParaRPr b="0" lang="en-US" sz="2800" spc="-1" strike="noStrike">
+              <a:latin typeface="Arial"/>
+            </a:endParaRPr>
+          </a:p>
+          <a:p>
+            <a:pPr lvl="2" marL="1296000" indent="-288000">
+              <a:spcBef>
+                <a:spcPts val="850"/>
+              </a:spcBef>
+              <a:buClr>
+                <a:srgbClr val="000000"/>
+              </a:buClr>
+              <a:buSzPct val="45000"/>
+              <a:buFont typeface="Wingdings" charset="2"/>
+              <a:buChar char=""/>
+            </a:pPr>
+            <a:r>
+              <a:rPr b="0" lang="zh-CN" sz="2400" spc="-1" strike="noStrike">
+                <a:latin typeface="Arial"/>
+              </a:rPr>
+              <a:t>第三大纲级别</a:t>
+            </a:r>
+            <a:endParaRPr b="0" lang="en-US" sz="2400" spc="-1" strike="noStrike">
+              <a:latin typeface="Arial"/>
+            </a:endParaRPr>
+          </a:p>
+          <a:p>
+            <a:pPr lvl="3" marL="1728000" indent="-216000">
+              <a:spcBef>
+                <a:spcPts val="567"/>
+              </a:spcBef>
+              <a:buClr>
+                <a:srgbClr val="000000"/>
+              </a:buClr>
+              <a:buSzPct val="75000"/>
+              <a:buFont typeface="Symbol" charset="2"/>
+              <a:buChar char=""/>
+            </a:pPr>
+            <a:r>
+              <a:rPr b="0" lang="zh-CN" sz="2000" spc="-1" strike="noStrike">
+                <a:latin typeface="Arial"/>
+              </a:rPr>
+              <a:t>第四大纲级别</a:t>
+            </a:r>
+            <a:endParaRPr b="0" lang="en-US" sz="2000" spc="-1" strike="noStrike">
+              <a:latin typeface="Arial"/>
+            </a:endParaRPr>
+          </a:p>
+          <a:p>
+            <a:pPr lvl="4" marL="2160000" indent="-216000">
+              <a:spcBef>
+                <a:spcPts val="283"/>
+              </a:spcBef>
+              <a:buClr>
+                <a:srgbClr val="000000"/>
+              </a:buClr>
+              <a:buSzPct val="45000"/>
+              <a:buFont typeface="Wingdings" charset="2"/>
+              <a:buChar char=""/>
+            </a:pPr>
+            <a:r>
+              <a:rPr b="0" lang="zh-CN" sz="2000" spc="-1" strike="noStrike">
+                <a:latin typeface="Arial"/>
+              </a:rPr>
+              <a:t>第五大纲级别</a:t>
+            </a:r>
+            <a:endParaRPr b="0" lang="en-US" sz="2000" spc="-1" strike="noStrike">
+              <a:latin typeface="Arial"/>
+            </a:endParaRPr>
+          </a:p>
+          <a:p>
+            <a:pPr lvl="5" marL="2592000" indent="-216000">
+              <a:spcBef>
+                <a:spcPts val="283"/>
+              </a:spcBef>
+              <a:buClr>
+                <a:srgbClr val="000000"/>
+              </a:buClr>
+              <a:buSzPct val="45000"/>
+              <a:buFont typeface="Wingdings" charset="2"/>
+              <a:buChar char=""/>
+            </a:pPr>
+            <a:r>
+              <a:rPr b="0" lang="zh-CN" sz="2000" spc="-1" strike="noStrike">
+                <a:latin typeface="Arial"/>
+              </a:rPr>
+              <a:t>第六大纲级别</a:t>
+            </a:r>
+            <a:endParaRPr b="0" lang="en-US" sz="2000" spc="-1" strike="noStrike">
+              <a:latin typeface="Arial"/>
+            </a:endParaRPr>
+          </a:p>
+          <a:p>
+            <a:pPr lvl="6" marL="3024000" indent="-216000">
+              <a:spcBef>
+                <a:spcPts val="283"/>
+              </a:spcBef>
+              <a:buClr>
+                <a:srgbClr val="000000"/>
+              </a:buClr>
+              <a:buSzPct val="45000"/>
+              <a:buFont typeface="Wingdings" charset="2"/>
+              <a:buChar char=""/>
+            </a:pPr>
+            <a:r>
+              <a:rPr b="0" lang="zh-CN" sz="2000" spc="-1" strike="noStrike">
+                <a:latin typeface="Arial"/>
+              </a:rPr>
+              <a:t>第七大纲级别</a:t>
+            </a:r>
+            <a:endParaRPr b="0" lang="en-US" sz="2000" spc="-1" strike="noStrike">
+              <a:latin typeface="Arial"/>
+            </a:endParaRPr>
+          </a:p>
+        </p:txBody>
+      </p:sp>
+    </p:spTree>
+  </p:cSld>
+  <p:clrMap bg1="lt1" bg2="lt2" tx1="dk1" tx2="dk2" accent1="accent1" accent2="accent2" accent3="accent3" accent4="accent4" accent5="accent5" accent6="accent6" hlink="hlink" folHlink="folHlink"/>
+  <p:sldLayoutIdLst>
+    <p:sldLayoutId id="2147483675" r:id="rId3"/>
+    <p:sldLayoutId id="2147483676" r:id="rId4"/>
+    <p:sldLayoutId id="2147483677" r:id="rId5"/>
+    <p:sldLayoutId id="2147483678" r:id="rId6"/>
+    <p:sldLayoutId id="2147483679" r:id="rId7"/>
+    <p:sldLayoutId id="2147483680" r:id="rId8"/>
+    <p:sldLayoutId id="2147483681" r:id="rId9"/>
+    <p:sldLayoutId id="2147483682" r:id="rId10"/>
+    <p:sldLayoutId id="2147483683" r:id="rId11"/>
+    <p:sldLayoutId id="2147483684" r:id="rId12"/>
+    <p:sldLayoutId id="2147483685" r:id="rId13"/>
+    <p:sldLayoutId id="2147483686" r:id="rId14"/>
+  </p:sldLayoutIdLst>
+</p:sldMaster>
+</file>
+
+<file path=ppt/slideMasters/slideMaster4.xml><?xml version="1.0" encoding="utf-8"?>
+<p:sldMaster xmlns:a="http://schemas.openxmlformats.org/drawingml/2006/main" xmlns:p="http://schemas.openxmlformats.org/presentationml/2006/main" xmlns:r="http://schemas.openxmlformats.org/officeDocument/2006/relationships" xmlns:p14="http://schemas.microsoft.com/office/powerpoint/2010/main" xmlns:p15="http://schemas.microsoft.com/office/powerpoint/2012/main" xmlns:mc="http://schemas.openxmlformats.org/markup-compatibility/2006">
+  <p:cSld>
+    <p:spTree>
+      <p:nvGrpSpPr>
+        <p:cNvPr id="1" name=""/>
+        <p:cNvGrpSpPr/>
+        <p:nvPr/>
+      </p:nvGrpSpPr>
+      <p:grpSpPr>
+        <a:xfrm>
+          <a:off x="0" y="0"/>
+          <a:ext cx="0" cy="0"/>
+          <a:chOff x="0" y="0"/>
+          <a:chExt cx="0" cy="0"/>
+        </a:xfrm>
+      </p:grpSpPr>
+      <p:pic>
+        <p:nvPicPr>
+          <p:cNvPr id="118" name="" descr=""/>
+          <p:cNvPicPr/>
+          <p:nvPr/>
+        </p:nvPicPr>
+        <p:blipFill>
+          <a:blip r:embed="rId2"/>
+          <a:stretch/>
+        </p:blipFill>
+        <p:spPr>
+          <a:xfrm>
+            <a:off x="0" y="6108480"/>
+            <a:ext cx="10075680" cy="1450080"/>
+          </a:xfrm>
+          <a:prstGeom prst="rect">
+            <a:avLst/>
+          </a:prstGeom>
+          <a:ln>
+            <a:noFill/>
+          </a:ln>
+        </p:spPr>
+      </p:pic>
+      <p:sp>
+        <p:nvSpPr>
+          <p:cNvPr id="119" name="PlaceHolder 1"/>
+          <p:cNvSpPr>
+            <a:spLocks noGrp="1"/>
+          </p:cNvSpPr>
+          <p:nvPr>
+            <p:ph type="title"/>
+          </p:nvPr>
+        </p:nvSpPr>
+        <p:spPr>
+          <a:xfrm>
+            <a:off x="504000" y="301320"/>
+            <a:ext cx="9070560" cy="1261080"/>
+          </a:xfrm>
+          <a:prstGeom prst="rect">
+            <a:avLst/>
+          </a:prstGeom>
+        </p:spPr>
+        <p:txBody>
+          <a:bodyPr lIns="0" rIns="0" tIns="0" bIns="0" anchor="ctr">
+            <a:noAutofit/>
+          </a:bodyPr>
+          <a:p>
+            <a:r>
+              <a:rPr b="0" lang="zh-CN" sz="1800" spc="-1" strike="noStrike">
+                <a:latin typeface="Arial"/>
+              </a:rPr>
+              <a:t>点击鼠标编辑标题文字格式</a:t>
+            </a:r>
+            <a:endParaRPr b="0" lang="en-US" sz="1800" spc="-1" strike="noStrike">
+              <a:latin typeface="Arial"/>
+            </a:endParaRPr>
+          </a:p>
+        </p:txBody>
+      </p:sp>
+      <p:sp>
+        <p:nvSpPr>
+          <p:cNvPr id="120" name="PlaceHolder 2"/>
+          <p:cNvSpPr>
+            <a:spLocks noGrp="1"/>
+          </p:cNvSpPr>
+          <p:nvPr>
+            <p:ph type="body"/>
+          </p:nvPr>
+        </p:nvSpPr>
+        <p:spPr>
+          <a:xfrm>
+            <a:off x="504000" y="1769040"/>
+            <a:ext cx="9070560" cy="4383360"/>
+          </a:xfrm>
+          <a:prstGeom prst="rect">
+            <a:avLst/>
+          </a:prstGeom>
+        </p:spPr>
+        <p:txBody>
+          <a:bodyPr lIns="0" rIns="0" tIns="0" bIns="0">
+            <a:normAutofit/>
+          </a:bodyPr>
+          <a:p>
+            <a:pPr marL="432000" indent="-324000">
+              <a:spcBef>
+                <a:spcPts val="1417"/>
+              </a:spcBef>
+              <a:buClr>
+                <a:srgbClr val="000000"/>
+              </a:buClr>
+              <a:buSzPct val="45000"/>
+              <a:buFont typeface="Wingdings" charset="2"/>
+              <a:buChar char=""/>
+            </a:pPr>
+            <a:r>
+              <a:rPr b="0" lang="zh-CN" sz="1800" spc="-1" strike="noStrike">
+                <a:latin typeface="Arial"/>
+              </a:rPr>
+              <a:t>点击鼠标编辑大纲文字格式</a:t>
+            </a:r>
+            <a:endParaRPr b="0" lang="en-US" sz="1800" spc="-1" strike="noStrike">
+              <a:latin typeface="Arial"/>
+            </a:endParaRPr>
+          </a:p>
+          <a:p>
+            <a:pPr lvl="1" marL="864000" indent="-324000">
+              <a:spcBef>
+                <a:spcPts val="1134"/>
+              </a:spcBef>
+              <a:buClr>
+                <a:srgbClr val="000000"/>
+              </a:buClr>
+              <a:buSzPct val="75000"/>
+              <a:buFont typeface="Symbol" charset="2"/>
+              <a:buChar char=""/>
+            </a:pPr>
+            <a:r>
+              <a:rPr b="0" lang="zh-CN" sz="1800" spc="-1" strike="noStrike">
+                <a:latin typeface="Arial"/>
+              </a:rPr>
+              <a:t>第二个大纲级</a:t>
+            </a:r>
+            <a:endParaRPr b="0" lang="en-US" sz="1800" spc="-1" strike="noStrike">
+              <a:latin typeface="Arial"/>
+            </a:endParaRPr>
+          </a:p>
+          <a:p>
+            <a:pPr lvl="2" marL="1296000" indent="-288000">
+              <a:spcBef>
+                <a:spcPts val="850"/>
+              </a:spcBef>
+              <a:buClr>
+                <a:srgbClr val="000000"/>
+              </a:buClr>
+              <a:buSzPct val="45000"/>
+              <a:buFont typeface="Wingdings" charset="2"/>
+              <a:buChar char=""/>
+            </a:pPr>
+            <a:r>
+              <a:rPr b="0" lang="zh-CN" sz="1800" spc="-1" strike="noStrike">
+                <a:latin typeface="Arial"/>
+              </a:rPr>
+              <a:t>第三大纲级别</a:t>
+            </a:r>
+            <a:endParaRPr b="0" lang="en-US" sz="1800" spc="-1" strike="noStrike">
+              <a:latin typeface="Arial"/>
+            </a:endParaRPr>
+          </a:p>
+          <a:p>
+            <a:pPr lvl="3" marL="1728000" indent="-216000">
+              <a:spcBef>
+                <a:spcPts val="567"/>
+              </a:spcBef>
+              <a:buClr>
+                <a:srgbClr val="000000"/>
+              </a:buClr>
+              <a:buSzPct val="75000"/>
+              <a:buFont typeface="Symbol" charset="2"/>
+              <a:buChar char=""/>
+            </a:pPr>
+            <a:r>
+              <a:rPr b="0" lang="zh-CN" sz="1800" spc="-1" strike="noStrike">
+                <a:latin typeface="Arial"/>
+              </a:rPr>
+              <a:t>第四大纲级别</a:t>
+            </a:r>
+            <a:endParaRPr b="0" lang="en-US" sz="1800" spc="-1" strike="noStrike">
+              <a:latin typeface="Arial"/>
+            </a:endParaRPr>
+          </a:p>
+          <a:p>
+            <a:pPr lvl="4" marL="2160000" indent="-216000">
+              <a:spcBef>
+                <a:spcPts val="283"/>
+              </a:spcBef>
+              <a:buClr>
+                <a:srgbClr val="000000"/>
+              </a:buClr>
+              <a:buSzPct val="45000"/>
+              <a:buFont typeface="Wingdings" charset="2"/>
+              <a:buChar char=""/>
+            </a:pPr>
+            <a:r>
+              <a:rPr b="0" lang="zh-CN" sz="1800" spc="-1" strike="noStrike">
+                <a:latin typeface="Arial"/>
+              </a:rPr>
+              <a:t>第五大纲级别</a:t>
+            </a:r>
+            <a:endParaRPr b="0" lang="en-US" sz="1800" spc="-1" strike="noStrike">
+              <a:latin typeface="Arial"/>
+            </a:endParaRPr>
+          </a:p>
+          <a:p>
+            <a:pPr lvl="5" marL="2592000" indent="-216000">
+              <a:spcBef>
+                <a:spcPts val="283"/>
+              </a:spcBef>
+              <a:buClr>
+                <a:srgbClr val="000000"/>
+              </a:buClr>
+              <a:buSzPct val="45000"/>
+              <a:buFont typeface="Wingdings" charset="2"/>
+              <a:buChar char=""/>
+            </a:pPr>
+            <a:r>
+              <a:rPr b="0" lang="zh-CN" sz="1800" spc="-1" strike="noStrike">
+                <a:latin typeface="Arial"/>
+              </a:rPr>
+              <a:t>第六大纲级别</a:t>
+            </a:r>
+            <a:endParaRPr b="0" lang="en-US" sz="1800" spc="-1" strike="noStrike">
+              <a:latin typeface="Arial"/>
+            </a:endParaRPr>
+          </a:p>
+          <a:p>
+            <a:pPr lvl="6" marL="3024000" indent="-216000">
+              <a:spcBef>
+                <a:spcPts val="283"/>
+              </a:spcBef>
+              <a:buClr>
+                <a:srgbClr val="000000"/>
+              </a:buClr>
+              <a:buSzPct val="45000"/>
+              <a:buFont typeface="Wingdings" charset="2"/>
+              <a:buChar char=""/>
+            </a:pPr>
+            <a:r>
+              <a:rPr b="0" lang="zh-CN" sz="1800" spc="-1" strike="noStrike">
+                <a:latin typeface="Arial"/>
+              </a:rPr>
+              <a:t>第七大纲级别</a:t>
+            </a:r>
+            <a:endParaRPr b="0" lang="en-US" sz="1800" spc="-1" strike="noStrike">
+              <a:latin typeface="Arial"/>
+            </a:endParaRPr>
+          </a:p>
+        </p:txBody>
+      </p:sp>
+    </p:spTree>
+  </p:cSld>
+  <p:clrMap bg1="lt1" bg2="lt2" tx1="dk1" tx2="dk2" accent1="accent1" accent2="accent2" accent3="accent3" accent4="accent4" accent5="accent5" accent6="accent6" hlink="hlink" folHlink="folHlink"/>
+  <p:sldLayoutIdLst>
+    <p:sldLayoutId id="2147483688" r:id="rId3"/>
+    <p:sldLayoutId id="2147483689" r:id="rId4"/>
+    <p:sldLayoutId id="2147483690" r:id="rId5"/>
+    <p:sldLayoutId id="2147483691" r:id="rId6"/>
+    <p:sldLayoutId id="2147483692" r:id="rId7"/>
+    <p:sldLayoutId id="2147483693" r:id="rId8"/>
+    <p:sldLayoutId id="2147483694" r:id="rId9"/>
+    <p:sldLayoutId id="2147483695" r:id="rId10"/>
+    <p:sldLayoutId id="2147483696" r:id="rId11"/>
+    <p:sldLayoutId id="2147483697" r:id="rId12"/>
+    <p:sldLayoutId id="2147483698" r:id="rId13"/>
+    <p:sldLayoutId id="2147483699" r:id="rId14"/>
   </p:sldLayoutIdLst>
 </p:sldMaster>
 </file>
@@ -3323,14 +6595,14 @@
       </p:grpSpPr>
       <p:sp>
         <p:nvSpPr>
-          <p:cNvPr id="79" name="CustomShape 1"/>
+          <p:cNvPr id="157" name="CustomShape 1"/>
           <p:cNvSpPr/>
           <p:nvPr/>
         </p:nvSpPr>
         <p:spPr>
           <a:xfrm>
             <a:off x="504360" y="2553840"/>
-            <a:ext cx="9071280" cy="1621800"/>
+            <a:ext cx="9070560" cy="1621080"/>
           </a:xfrm>
           <a:prstGeom prst="rect">
             <a:avLst/>
@@ -3349,14 +6621,14 @@
       </p:sp>
       <p:sp>
         <p:nvSpPr>
-          <p:cNvPr id="80" name="CustomShape 2"/>
+          <p:cNvPr id="158" name="CustomShape 2"/>
           <p:cNvSpPr/>
           <p:nvPr/>
         </p:nvSpPr>
         <p:spPr>
           <a:xfrm>
             <a:off x="504000" y="4536000"/>
-            <a:ext cx="9071280" cy="1151640"/>
+            <a:ext cx="9070560" cy="1150920"/>
           </a:xfrm>
           <a:prstGeom prst="rect">
             <a:avLst/>
@@ -3375,14 +6647,14 @@
       </p:sp>
       <p:sp>
         <p:nvSpPr>
-          <p:cNvPr id="81" name="TextShape 3"/>
-          <p:cNvSpPr txBox="1"/>
+          <p:cNvPr id="159" name="CustomShape 3"/>
+          <p:cNvSpPr/>
           <p:nvPr/>
         </p:nvSpPr>
         <p:spPr>
           <a:xfrm>
             <a:off x="504000" y="301320"/>
-            <a:ext cx="9071280" cy="1261800"/>
+            <a:ext cx="9070560" cy="1261080"/>
           </a:xfrm>
           <a:prstGeom prst="rect">
             <a:avLst/>
@@ -3392,21 +6664,39 @@
             <a:noFill/>
           </a:ln>
         </p:spPr>
+        <p:style>
+          <a:lnRef idx="0"/>
+          <a:fillRef idx="0"/>
+          <a:effectRef idx="0"/>
+          <a:fontRef idx="minor"/>
+        </p:style>
         <p:txBody>
           <a:bodyPr lIns="0" rIns="0" tIns="0" bIns="0" anchor="ctr">
             <a:noAutofit/>
           </a:bodyPr>
           <a:p>
-            <a:pPr algn="ctr"/>
+            <a:pPr algn="ctr">
+              <a:lnSpc>
+                <a:spcPct val="100000"/>
+              </a:lnSpc>
+            </a:pPr>
             <a:r>
               <a:rPr b="0" lang="en-US" sz="4400" spc="-1" strike="noStrike">
-                <a:latin typeface="Arial"/>
+                <a:solidFill>
+                  <a:srgbClr val="000000"/>
+                </a:solidFill>
+                <a:latin typeface="Arial"/>
+                <a:ea typeface="DejaVu Sans"/>
               </a:rPr>
               <a:t>Filecoin</a:t>
             </a:r>
             <a:r>
               <a:rPr b="0" lang="zh-CN" sz="4400" spc="-1" strike="noStrike">
-                <a:latin typeface="Arial"/>
+                <a:solidFill>
+                  <a:srgbClr val="000000"/>
+                </a:solidFill>
+                <a:latin typeface="Arial"/>
+                <a:ea typeface="DejaVu Sans"/>
               </a:rPr>
               <a:t>研究分享</a:t>
             </a:r>
@@ -3418,14 +6708,14 @@
       </p:sp>
       <p:sp>
         <p:nvSpPr>
-          <p:cNvPr id="82" name="TextShape 4"/>
-          <p:cNvSpPr txBox="1"/>
+          <p:cNvPr id="160" name="CustomShape 4"/>
+          <p:cNvSpPr/>
           <p:nvPr/>
         </p:nvSpPr>
         <p:spPr>
           <a:xfrm>
             <a:off x="504000" y="1768680"/>
-            <a:ext cx="9072000" cy="4384080"/>
+            <a:ext cx="9071280" cy="4383360"/>
           </a:xfrm>
           <a:prstGeom prst="rect">
             <a:avLst/>
@@ -3435,12 +6725,21 @@
             <a:noFill/>
           </a:ln>
         </p:spPr>
+        <p:style>
+          <a:lnRef idx="0"/>
+          <a:fillRef idx="0"/>
+          <a:effectRef idx="0"/>
+          <a:fontRef idx="minor"/>
+        </p:style>
         <p:txBody>
           <a:bodyPr lIns="0" rIns="0" tIns="0" bIns="0">
-            <a:normAutofit fontScale="97000"/>
-          </a:bodyPr>
-          <a:p>
-            <a:pPr marL="432000" indent="-324000">
+            <a:normAutofit fontScale="80000"/>
+          </a:bodyPr>
+          <a:p>
+            <a:pPr marL="432000" indent="-323280">
+              <a:lnSpc>
+                <a:spcPct val="100000"/>
+              </a:lnSpc>
               <a:spcBef>
                 <a:spcPts val="1417"/>
               </a:spcBef>
@@ -3453,13 +6752,21 @@
             </a:pPr>
             <a:r>
               <a:rPr b="0" lang="en-US" sz="3200" spc="-1" strike="noStrike">
-                <a:latin typeface="Arial"/>
+                <a:solidFill>
+                  <a:srgbClr val="000000"/>
+                </a:solidFill>
+                <a:latin typeface="Arial"/>
+                <a:ea typeface="DejaVu Sans"/>
               </a:rPr>
               <a:t>Filecoin</a:t>
             </a:r>
             <a:r>
               <a:rPr b="0" lang="zh-CN" sz="3200" spc="-1" strike="noStrike">
-                <a:latin typeface="Arial"/>
+                <a:solidFill>
+                  <a:srgbClr val="000000"/>
+                </a:solidFill>
+                <a:latin typeface="Arial"/>
+                <a:ea typeface="DejaVu Sans"/>
               </a:rPr>
               <a:t>基本概念</a:t>
             </a:r>
@@ -3468,7 +6775,10 @@
             </a:endParaRPr>
           </a:p>
           <a:p>
-            <a:pPr marL="432000" indent="-324000">
+            <a:pPr marL="432000" indent="-323280">
+              <a:lnSpc>
+                <a:spcPct val="100000"/>
+              </a:lnSpc>
               <a:spcBef>
                 <a:spcPts val="1417"/>
               </a:spcBef>
@@ -3481,13 +6791,21 @@
             </a:pPr>
             <a:r>
               <a:rPr b="0" lang="en-US" sz="3200" spc="-1" strike="noStrike">
-                <a:latin typeface="Arial"/>
+                <a:solidFill>
+                  <a:srgbClr val="000000"/>
+                </a:solidFill>
+                <a:latin typeface="Arial"/>
+                <a:ea typeface="DejaVu Sans"/>
               </a:rPr>
               <a:t>Filecoin</a:t>
             </a:r>
             <a:r>
               <a:rPr b="0" lang="zh-CN" sz="3200" spc="-1" strike="noStrike">
-                <a:latin typeface="Arial"/>
+                <a:solidFill>
+                  <a:srgbClr val="000000"/>
+                </a:solidFill>
+                <a:latin typeface="Arial"/>
+                <a:ea typeface="DejaVu Sans"/>
               </a:rPr>
               <a:t>程序组成</a:t>
             </a:r>
@@ -3496,7 +6814,10 @@
             </a:endParaRPr>
           </a:p>
           <a:p>
-            <a:pPr marL="432000" indent="-324000">
+            <a:pPr marL="432000" indent="-323280">
+              <a:lnSpc>
+                <a:spcPct val="100000"/>
+              </a:lnSpc>
               <a:spcBef>
                 <a:spcPts val="1417"/>
               </a:spcBef>
@@ -3509,7 +6830,11 @@
             </a:pPr>
             <a:r>
               <a:rPr b="0" lang="zh-CN" sz="3200" spc="-1" strike="noStrike">
-                <a:latin typeface="Arial"/>
+                <a:solidFill>
+                  <a:srgbClr val="000000"/>
+                </a:solidFill>
+                <a:latin typeface="Arial"/>
+                <a:ea typeface="DejaVu Sans"/>
               </a:rPr>
               <a:t>集群类型和设计</a:t>
             </a:r>
@@ -3518,7 +6843,10 @@
             </a:endParaRPr>
           </a:p>
           <a:p>
-            <a:pPr marL="432000" indent="-324000">
+            <a:pPr marL="432000" indent="-323280">
+              <a:lnSpc>
+                <a:spcPct val="100000"/>
+              </a:lnSpc>
               <a:spcBef>
                 <a:spcPts val="1417"/>
               </a:spcBef>
@@ -3531,7 +6859,11 @@
             </a:pPr>
             <a:r>
               <a:rPr b="0" lang="zh-CN" sz="3200" spc="-1" strike="noStrike">
-                <a:latin typeface="Arial"/>
+                <a:solidFill>
+                  <a:srgbClr val="000000"/>
+                </a:solidFill>
+                <a:latin typeface="Arial"/>
+                <a:ea typeface="DejaVu Sans"/>
               </a:rPr>
               <a:t>存储方案问题</a:t>
             </a:r>
@@ -3540,7 +6872,10 @@
             </a:endParaRPr>
           </a:p>
           <a:p>
-            <a:pPr marL="432000" indent="-324000">
+            <a:pPr marL="432000" indent="-323280">
+              <a:lnSpc>
+                <a:spcPct val="100000"/>
+              </a:lnSpc>
               <a:spcBef>
                 <a:spcPts val="1417"/>
               </a:spcBef>
@@ -3553,7 +6888,11 @@
             </a:pPr>
             <a:r>
               <a:rPr b="0" lang="zh-CN" sz="3200" spc="-1" strike="noStrike">
-                <a:latin typeface="Arial"/>
+                <a:solidFill>
+                  <a:srgbClr val="000000"/>
+                </a:solidFill>
+                <a:latin typeface="Arial"/>
+                <a:ea typeface="DejaVu Sans"/>
               </a:rPr>
               <a:t>技术优化要点</a:t>
             </a:r>
@@ -3562,7 +6901,10 @@
             </a:endParaRPr>
           </a:p>
           <a:p>
-            <a:pPr marL="432000" indent="-324000">
+            <a:pPr marL="432000" indent="-323280">
+              <a:lnSpc>
+                <a:spcPct val="100000"/>
+              </a:lnSpc>
               <a:spcBef>
                 <a:spcPts val="1417"/>
               </a:spcBef>
@@ -3575,10 +6917,1142 @@
             </a:pPr>
             <a:r>
               <a:rPr b="0" lang="zh-CN" sz="3200" spc="-1" strike="noStrike">
-                <a:latin typeface="Arial"/>
+                <a:solidFill>
+                  <a:srgbClr val="000000"/>
+                </a:solidFill>
+                <a:latin typeface="Arial"/>
+                <a:ea typeface="DejaVu Sans"/>
               </a:rPr>
               <a:t>集群安全性</a:t>
             </a:r>
+            <a:endParaRPr b="0" lang="en-US" sz="3200" spc="-1" strike="noStrike">
+              <a:latin typeface="Arial"/>
+            </a:endParaRPr>
+          </a:p>
+          <a:p>
+            <a:pPr marL="432000" indent="-323280">
+              <a:lnSpc>
+                <a:spcPct val="100000"/>
+              </a:lnSpc>
+              <a:spcBef>
+                <a:spcPts val="1417"/>
+              </a:spcBef>
+              <a:buClr>
+                <a:srgbClr val="000000"/>
+              </a:buClr>
+              <a:buSzPct val="45000"/>
+              <a:buFont typeface="Wingdings" charset="2"/>
+              <a:buChar char=""/>
+            </a:pPr>
+            <a:r>
+              <a:rPr b="0" lang="zh-CN" sz="3200" spc="-1" strike="noStrike">
+                <a:solidFill>
+                  <a:srgbClr val="000000"/>
+                </a:solidFill>
+                <a:latin typeface="Arial"/>
+                <a:ea typeface="DejaVu Sans"/>
+              </a:rPr>
+              <a:t>分布式</a:t>
+            </a:r>
+            <a:r>
+              <a:rPr b="0" lang="en-US" sz="3200" spc="-1" strike="noStrike">
+                <a:solidFill>
+                  <a:srgbClr val="000000"/>
+                </a:solidFill>
+                <a:latin typeface="Arial"/>
+                <a:ea typeface="DejaVu Sans"/>
+              </a:rPr>
+              <a:t>miner</a:t>
+            </a:r>
+            <a:endParaRPr b="0" lang="en-US" sz="3200" spc="-1" strike="noStrike">
+              <a:latin typeface="Arial"/>
+            </a:endParaRPr>
+          </a:p>
+          <a:p>
+            <a:pPr marL="432000" indent="-323280">
+              <a:lnSpc>
+                <a:spcPct val="100000"/>
+              </a:lnSpc>
+              <a:spcBef>
+                <a:spcPts val="1417"/>
+              </a:spcBef>
+              <a:buClr>
+                <a:srgbClr val="000000"/>
+              </a:buClr>
+              <a:buSzPct val="45000"/>
+              <a:buFont typeface="Wingdings" charset="2"/>
+              <a:buChar char=""/>
+            </a:pPr>
+            <a:r>
+              <a:rPr b="0" lang="en-US" sz="3200" spc="-1" strike="noStrike">
+                <a:solidFill>
+                  <a:srgbClr val="000000"/>
+                </a:solidFill>
+                <a:latin typeface="Arial"/>
+                <a:ea typeface="DejaVu Sans"/>
+              </a:rPr>
+              <a:t>Todos</a:t>
+            </a:r>
+            <a:endParaRPr b="0" lang="en-US" sz="3200" spc="-1" strike="noStrike">
+              <a:latin typeface="Arial"/>
+            </a:endParaRPr>
+          </a:p>
+        </p:txBody>
+      </p:sp>
+    </p:spTree>
+  </p:cSld>
+  <mc:AlternateContent>
+    <mc:Choice Requires="p14">
+      <p:transition spd="slow" p14:dur="2000"/>
+    </mc:Choice>
+    <mc:Fallback>
+      <p:transition spd="slow"/>
+    </mc:Fallback>
+  </mc:AlternateContent>
+</p:sld>
+</file>
+
+<file path=ppt/slides/slide10.xml><?xml version="1.0" encoding="utf-8"?>
+<p:sld xmlns:a="http://schemas.openxmlformats.org/drawingml/2006/main" xmlns:p="http://schemas.openxmlformats.org/presentationml/2006/main" xmlns:r="http://schemas.openxmlformats.org/officeDocument/2006/relationships" xmlns:p14="http://schemas.microsoft.com/office/powerpoint/2010/main" xmlns:p15="http://schemas.microsoft.com/office/powerpoint/2012/main" xmlns:mc="http://schemas.openxmlformats.org/markup-compatibility/2006">
+  <p:cSld>
+    <p:spTree>
+      <p:nvGrpSpPr>
+        <p:cNvPr id="1" name=""/>
+        <p:cNvGrpSpPr/>
+        <p:nvPr/>
+      </p:nvGrpSpPr>
+      <p:grpSpPr>
+        <a:xfrm>
+          <a:off x="0" y="0"/>
+          <a:ext cx="0" cy="0"/>
+          <a:chOff x="0" y="0"/>
+          <a:chExt cx="0" cy="0"/>
+        </a:xfrm>
+      </p:grpSpPr>
+      <p:sp>
+        <p:nvSpPr>
+          <p:cNvPr id="175" name="CustomShape 1"/>
+          <p:cNvSpPr/>
+          <p:nvPr/>
+        </p:nvSpPr>
+        <p:spPr>
+          <a:xfrm>
+            <a:off x="504000" y="301320"/>
+            <a:ext cx="9070560" cy="1261080"/>
+          </a:xfrm>
+          <a:prstGeom prst="rect">
+            <a:avLst/>
+          </a:prstGeom>
+          <a:noFill/>
+          <a:ln>
+            <a:noFill/>
+          </a:ln>
+        </p:spPr>
+        <p:style>
+          <a:lnRef idx="0"/>
+          <a:fillRef idx="0"/>
+          <a:effectRef idx="0"/>
+          <a:fontRef idx="minor"/>
+        </p:style>
+        <p:txBody>
+          <a:bodyPr lIns="0" rIns="0" tIns="0" bIns="0" anchor="ctr">
+            <a:noAutofit/>
+          </a:bodyPr>
+          <a:p>
+            <a:pPr algn="ctr">
+              <a:lnSpc>
+                <a:spcPct val="100000"/>
+              </a:lnSpc>
+            </a:pPr>
+            <a:r>
+              <a:rPr b="0" lang="zh-CN" sz="4400" spc="-1" strike="noStrike">
+                <a:solidFill>
+                  <a:srgbClr val="000000"/>
+                </a:solidFill>
+                <a:latin typeface="Arial"/>
+                <a:ea typeface="DejaVu Sans"/>
+              </a:rPr>
+              <a:t>集群安全性</a:t>
+            </a:r>
+            <a:endParaRPr b="0" lang="en-US" sz="4400" spc="-1" strike="noStrike">
+              <a:latin typeface="Arial"/>
+            </a:endParaRPr>
+          </a:p>
+        </p:txBody>
+      </p:sp>
+      <p:sp>
+        <p:nvSpPr>
+          <p:cNvPr id="176" name="CustomShape 2"/>
+          <p:cNvSpPr/>
+          <p:nvPr/>
+        </p:nvSpPr>
+        <p:spPr>
+          <a:xfrm>
+            <a:off x="504000" y="1769040"/>
+            <a:ext cx="9070560" cy="4383360"/>
+          </a:xfrm>
+          <a:prstGeom prst="rect">
+            <a:avLst/>
+          </a:prstGeom>
+          <a:noFill/>
+          <a:ln>
+            <a:noFill/>
+          </a:ln>
+        </p:spPr>
+        <p:style>
+          <a:lnRef idx="0"/>
+          <a:fillRef idx="0"/>
+          <a:effectRef idx="0"/>
+          <a:fontRef idx="minor"/>
+        </p:style>
+        <p:txBody>
+          <a:bodyPr lIns="0" rIns="0" tIns="0" bIns="0">
+            <a:normAutofit fontScale="97000"/>
+          </a:bodyPr>
+          <a:p>
+            <a:pPr marL="432000" indent="-323280">
+              <a:lnSpc>
+                <a:spcPct val="100000"/>
+              </a:lnSpc>
+              <a:spcBef>
+                <a:spcPts val="1417"/>
+              </a:spcBef>
+              <a:buClr>
+                <a:srgbClr val="000000"/>
+              </a:buClr>
+              <a:buSzPct val="45000"/>
+              <a:buFont typeface="Wingdings" charset="2"/>
+              <a:buChar char=""/>
+            </a:pPr>
+            <a:r>
+              <a:rPr b="0" lang="zh-CN" sz="3200" spc="-1" strike="noStrike">
+                <a:solidFill>
+                  <a:srgbClr val="000000"/>
+                </a:solidFill>
+                <a:latin typeface="Arial"/>
+                <a:ea typeface="DejaVu Sans"/>
+              </a:rPr>
+              <a:t>集群安全性体现在两方面：</a:t>
+            </a:r>
+            <a:endParaRPr b="0" lang="en-US" sz="3200" spc="-1" strike="noStrike">
+              <a:latin typeface="Arial"/>
+            </a:endParaRPr>
+          </a:p>
+          <a:p>
+            <a:pPr marL="432000" indent="-323280">
+              <a:lnSpc>
+                <a:spcPct val="100000"/>
+              </a:lnSpc>
+              <a:spcBef>
+                <a:spcPts val="1417"/>
+              </a:spcBef>
+              <a:buClr>
+                <a:srgbClr val="000000"/>
+              </a:buClr>
+              <a:buSzPct val="45000"/>
+              <a:buFont typeface="Wingdings" charset="2"/>
+              <a:buChar char=""/>
+            </a:pPr>
+            <a:r>
+              <a:rPr b="0" lang="zh-CN" sz="3200" spc="-1" strike="noStrike">
+                <a:solidFill>
+                  <a:srgbClr val="000000"/>
+                </a:solidFill>
+                <a:latin typeface="Arial"/>
+                <a:ea typeface="DejaVu Sans"/>
+              </a:rPr>
+              <a:t>一、集群高可用</a:t>
+            </a:r>
+            <a:endParaRPr b="0" lang="en-US" sz="3200" spc="-1" strike="noStrike">
+              <a:latin typeface="Arial"/>
+            </a:endParaRPr>
+          </a:p>
+          <a:p>
+            <a:pPr marL="432000" indent="-323280">
+              <a:lnSpc>
+                <a:spcPct val="100000"/>
+              </a:lnSpc>
+              <a:spcBef>
+                <a:spcPts val="1417"/>
+              </a:spcBef>
+              <a:buClr>
+                <a:srgbClr val="000000"/>
+              </a:buClr>
+              <a:buSzPct val="45000"/>
+              <a:buFont typeface="Wingdings" charset="2"/>
+              <a:buChar char=""/>
+            </a:pPr>
+            <a:r>
+              <a:rPr b="0" lang="en-US" sz="3200" spc="-1" strike="noStrike">
+                <a:solidFill>
+                  <a:srgbClr val="000000"/>
+                </a:solidFill>
+                <a:latin typeface="Arial"/>
+                <a:ea typeface="DejaVu Sans"/>
+              </a:rPr>
+              <a:t>lotus</a:t>
+            </a:r>
+            <a:r>
+              <a:rPr b="0" lang="zh-CN" sz="3200" spc="-1" strike="noStrike">
+                <a:solidFill>
+                  <a:srgbClr val="000000"/>
+                </a:solidFill>
+                <a:latin typeface="Arial"/>
+                <a:ea typeface="DejaVu Sans"/>
+              </a:rPr>
+              <a:t>节点高可用</a:t>
+            </a:r>
+            <a:endParaRPr b="0" lang="en-US" sz="3200" spc="-1" strike="noStrike">
+              <a:latin typeface="Arial"/>
+            </a:endParaRPr>
+          </a:p>
+          <a:p>
+            <a:pPr marL="432000" indent="-323280">
+              <a:lnSpc>
+                <a:spcPct val="100000"/>
+              </a:lnSpc>
+              <a:spcBef>
+                <a:spcPts val="1417"/>
+              </a:spcBef>
+              <a:buClr>
+                <a:srgbClr val="000000"/>
+              </a:buClr>
+              <a:buSzPct val="45000"/>
+              <a:buFont typeface="Wingdings" charset="2"/>
+              <a:buChar char=""/>
+            </a:pPr>
+            <a:r>
+              <a:rPr b="0" lang="en-US" sz="3200" spc="-1" strike="noStrike">
+                <a:solidFill>
+                  <a:srgbClr val="000000"/>
+                </a:solidFill>
+                <a:latin typeface="Arial"/>
+                <a:ea typeface="DejaVu Sans"/>
+              </a:rPr>
+              <a:t>miner</a:t>
+            </a:r>
+            <a:r>
+              <a:rPr b="0" lang="zh-CN" sz="3200" spc="-1" strike="noStrike">
+                <a:solidFill>
+                  <a:srgbClr val="000000"/>
+                </a:solidFill>
+                <a:latin typeface="Arial"/>
+                <a:ea typeface="DejaVu Sans"/>
+              </a:rPr>
+              <a:t>节点高可用</a:t>
+            </a:r>
+            <a:endParaRPr b="0" lang="en-US" sz="3200" spc="-1" strike="noStrike">
+              <a:latin typeface="Arial"/>
+            </a:endParaRPr>
+          </a:p>
+          <a:p>
+            <a:pPr marL="432000" indent="-323280">
+              <a:lnSpc>
+                <a:spcPct val="100000"/>
+              </a:lnSpc>
+              <a:spcBef>
+                <a:spcPts val="1417"/>
+              </a:spcBef>
+              <a:buClr>
+                <a:srgbClr val="000000"/>
+              </a:buClr>
+              <a:buSzPct val="45000"/>
+              <a:buFont typeface="Wingdings" charset="2"/>
+              <a:buChar char=""/>
+            </a:pPr>
+            <a:r>
+              <a:rPr b="0" lang="zh-CN" sz="3200" spc="-1" strike="noStrike">
+                <a:solidFill>
+                  <a:srgbClr val="000000"/>
+                </a:solidFill>
+                <a:latin typeface="Arial"/>
+                <a:ea typeface="DejaVu Sans"/>
+              </a:rPr>
+              <a:t>二、资金安全性</a:t>
+            </a:r>
+            <a:endParaRPr b="0" lang="en-US" sz="3200" spc="-1" strike="noStrike">
+              <a:latin typeface="Arial"/>
+            </a:endParaRPr>
+          </a:p>
+          <a:p>
+            <a:pPr marL="432000" indent="-323280">
+              <a:lnSpc>
+                <a:spcPct val="100000"/>
+              </a:lnSpc>
+              <a:spcBef>
+                <a:spcPts val="1417"/>
+              </a:spcBef>
+              <a:buClr>
+                <a:srgbClr val="000000"/>
+              </a:buClr>
+              <a:buSzPct val="45000"/>
+              <a:buFont typeface="Wingdings" charset="2"/>
+              <a:buChar char=""/>
+            </a:pPr>
+            <a:r>
+              <a:rPr b="0" lang="en-US" sz="3200" spc="-1" strike="noStrike">
+                <a:solidFill>
+                  <a:srgbClr val="000000"/>
+                </a:solidFill>
+                <a:latin typeface="Arial"/>
+                <a:ea typeface="DejaVu Sans"/>
+              </a:rPr>
+              <a:t>owner</a:t>
+            </a:r>
+            <a:r>
+              <a:rPr b="0" lang="zh-CN" sz="3200" spc="-1" strike="noStrike">
+                <a:solidFill>
+                  <a:srgbClr val="000000"/>
+                </a:solidFill>
+                <a:latin typeface="Arial"/>
+                <a:ea typeface="DejaVu Sans"/>
+              </a:rPr>
+              <a:t>钱包离线</a:t>
+            </a:r>
+            <a:endParaRPr b="0" lang="en-US" sz="3200" spc="-1" strike="noStrike">
+              <a:latin typeface="Arial"/>
+            </a:endParaRPr>
+          </a:p>
+          <a:p>
+            <a:pPr marL="432000" indent="-323280">
+              <a:lnSpc>
+                <a:spcPct val="100000"/>
+              </a:lnSpc>
+              <a:spcBef>
+                <a:spcPts val="1417"/>
+              </a:spcBef>
+              <a:buClr>
+                <a:srgbClr val="000000"/>
+              </a:buClr>
+              <a:buSzPct val="45000"/>
+              <a:buFont typeface="Wingdings" charset="2"/>
+              <a:buChar char=""/>
+            </a:pPr>
+            <a:r>
+              <a:rPr b="0" lang="en-US" sz="3200" spc="-1" strike="noStrike">
+                <a:solidFill>
+                  <a:srgbClr val="000000"/>
+                </a:solidFill>
+                <a:latin typeface="Arial"/>
+                <a:ea typeface="DejaVu Sans"/>
+              </a:rPr>
+              <a:t>woker</a:t>
+            </a:r>
+            <a:r>
+              <a:rPr b="0" lang="zh-CN" sz="3200" spc="-1" strike="noStrike">
+                <a:solidFill>
+                  <a:srgbClr val="000000"/>
+                </a:solidFill>
+                <a:latin typeface="Arial"/>
+                <a:ea typeface="DejaVu Sans"/>
+              </a:rPr>
+              <a:t>钱包不暴露公网</a:t>
+            </a:r>
+            <a:endParaRPr b="0" lang="en-US" sz="3200" spc="-1" strike="noStrike">
+              <a:latin typeface="Arial"/>
+            </a:endParaRPr>
+          </a:p>
+        </p:txBody>
+      </p:sp>
+      <p:sp>
+        <p:nvSpPr>
+          <p:cNvPr id="177" name="CustomShape 3"/>
+          <p:cNvSpPr/>
+          <p:nvPr/>
+        </p:nvSpPr>
+        <p:spPr>
+          <a:xfrm>
+            <a:off x="504000" y="301320"/>
+            <a:ext cx="9070560" cy="1261080"/>
+          </a:xfrm>
+          <a:prstGeom prst="rect">
+            <a:avLst/>
+          </a:prstGeom>
+          <a:noFill/>
+          <a:ln>
+            <a:noFill/>
+          </a:ln>
+        </p:spPr>
+        <p:style>
+          <a:lnRef idx="0"/>
+          <a:fillRef idx="0"/>
+          <a:effectRef idx="0"/>
+          <a:fontRef idx="minor"/>
+        </p:style>
+      </p:sp>
+      <p:sp>
+        <p:nvSpPr>
+          <p:cNvPr id="178" name="CustomShape 4"/>
+          <p:cNvSpPr/>
+          <p:nvPr/>
+        </p:nvSpPr>
+        <p:spPr>
+          <a:xfrm>
+            <a:off x="504000" y="1769040"/>
+            <a:ext cx="9070560" cy="4383360"/>
+          </a:xfrm>
+          <a:prstGeom prst="rect">
+            <a:avLst/>
+          </a:prstGeom>
+          <a:noFill/>
+          <a:ln>
+            <a:noFill/>
+          </a:ln>
+        </p:spPr>
+        <p:style>
+          <a:lnRef idx="0"/>
+          <a:fillRef idx="0"/>
+          <a:effectRef idx="0"/>
+          <a:fontRef idx="minor"/>
+        </p:style>
+      </p:sp>
+    </p:spTree>
+  </p:cSld>
+  <mc:AlternateContent>
+    <mc:Choice Requires="p14">
+      <p:transition spd="slow" p14:dur="2000"/>
+    </mc:Choice>
+    <mc:Fallback>
+      <p:transition spd="slow"/>
+    </mc:Fallback>
+  </mc:AlternateContent>
+</p:sld>
+</file>
+
+<file path=ppt/slides/slide11.xml><?xml version="1.0" encoding="utf-8"?>
+<p:sld xmlns:a="http://schemas.openxmlformats.org/drawingml/2006/main" xmlns:p="http://schemas.openxmlformats.org/presentationml/2006/main" xmlns:r="http://schemas.openxmlformats.org/officeDocument/2006/relationships" xmlns:p14="http://schemas.microsoft.com/office/powerpoint/2010/main" xmlns:p15="http://schemas.microsoft.com/office/powerpoint/2012/main" xmlns:mc="http://schemas.openxmlformats.org/markup-compatibility/2006">
+  <p:cSld>
+    <p:spTree>
+      <p:nvGrpSpPr>
+        <p:cNvPr id="1" name=""/>
+        <p:cNvGrpSpPr/>
+        <p:nvPr/>
+      </p:nvGrpSpPr>
+      <p:grpSpPr>
+        <a:xfrm>
+          <a:off x="0" y="0"/>
+          <a:ext cx="0" cy="0"/>
+          <a:chOff x="0" y="0"/>
+          <a:chExt cx="0" cy="0"/>
+        </a:xfrm>
+      </p:grpSpPr>
+      <p:sp>
+        <p:nvSpPr>
+          <p:cNvPr id="179" name="CustomShape 1"/>
+          <p:cNvSpPr/>
+          <p:nvPr/>
+        </p:nvSpPr>
+        <p:spPr>
+          <a:xfrm>
+            <a:off x="504000" y="301320"/>
+            <a:ext cx="9070560" cy="1261080"/>
+          </a:xfrm>
+          <a:prstGeom prst="rect">
+            <a:avLst/>
+          </a:prstGeom>
+          <a:noFill/>
+          <a:ln>
+            <a:noFill/>
+          </a:ln>
+        </p:spPr>
+        <p:style>
+          <a:lnRef idx="0"/>
+          <a:fillRef idx="0"/>
+          <a:effectRef idx="0"/>
+          <a:fontRef idx="minor"/>
+        </p:style>
+        <p:txBody>
+          <a:bodyPr lIns="0" rIns="0" tIns="0" bIns="0" anchor="ctr">
+            <a:noAutofit/>
+          </a:bodyPr>
+          <a:p>
+            <a:pPr algn="ctr">
+              <a:lnSpc>
+                <a:spcPct val="100000"/>
+              </a:lnSpc>
+            </a:pPr>
+            <a:r>
+              <a:rPr b="0" lang="zh-CN" sz="4400" spc="-1" strike="noStrike">
+                <a:latin typeface="Arial"/>
+              </a:rPr>
+              <a:t>分布式</a:t>
+            </a:r>
+            <a:r>
+              <a:rPr b="0" lang="en-US" sz="4400" spc="-1" strike="noStrike">
+                <a:latin typeface="Arial"/>
+              </a:rPr>
+              <a:t>Miner</a:t>
+            </a:r>
+            <a:endParaRPr b="0" lang="en-US" sz="4400" spc="-1" strike="noStrike">
+              <a:latin typeface="Arial"/>
+            </a:endParaRPr>
+          </a:p>
+        </p:txBody>
+      </p:sp>
+      <p:sp>
+        <p:nvSpPr>
+          <p:cNvPr id="180" name="CustomShape 2"/>
+          <p:cNvSpPr/>
+          <p:nvPr/>
+        </p:nvSpPr>
+        <p:spPr>
+          <a:xfrm>
+            <a:off x="504000" y="1769040"/>
+            <a:ext cx="9070560" cy="4383360"/>
+          </a:xfrm>
+          <a:prstGeom prst="rect">
+            <a:avLst/>
+          </a:prstGeom>
+          <a:noFill/>
+          <a:ln>
+            <a:noFill/>
+          </a:ln>
+        </p:spPr>
+        <p:style>
+          <a:lnRef idx="0"/>
+          <a:fillRef idx="0"/>
+          <a:effectRef idx="0"/>
+          <a:fontRef idx="minor"/>
+        </p:style>
+      </p:sp>
+      <p:pic>
+        <p:nvPicPr>
+          <p:cNvPr id="181" name="" descr=""/>
+          <p:cNvPicPr/>
+          <p:nvPr/>
+        </p:nvPicPr>
+        <p:blipFill>
+          <a:blip r:embed="rId1"/>
+          <a:stretch/>
+        </p:blipFill>
+        <p:spPr>
+          <a:xfrm>
+            <a:off x="36720" y="1487880"/>
+            <a:ext cx="10080000" cy="5039640"/>
+          </a:xfrm>
+          <a:prstGeom prst="rect">
+            <a:avLst/>
+          </a:prstGeom>
+          <a:ln>
+            <a:noFill/>
+          </a:ln>
+        </p:spPr>
+      </p:pic>
+    </p:spTree>
+  </p:cSld>
+  <mc:AlternateContent>
+    <mc:Choice Requires="p14">
+      <p:transition spd="slow" p14:dur="2000"/>
+    </mc:Choice>
+    <mc:Fallback>
+      <p:transition spd="slow"/>
+    </mc:Fallback>
+  </mc:AlternateContent>
+</p:sld>
+</file>
+
+<file path=ppt/slides/slide12.xml><?xml version="1.0" encoding="utf-8"?>
+<p:sld xmlns:a="http://schemas.openxmlformats.org/drawingml/2006/main" xmlns:p="http://schemas.openxmlformats.org/presentationml/2006/main" xmlns:r="http://schemas.openxmlformats.org/officeDocument/2006/relationships" xmlns:p14="http://schemas.microsoft.com/office/powerpoint/2010/main" xmlns:p15="http://schemas.microsoft.com/office/powerpoint/2012/main" xmlns:mc="http://schemas.openxmlformats.org/markup-compatibility/2006">
+  <p:cSld>
+    <p:spTree>
+      <p:nvGrpSpPr>
+        <p:cNvPr id="1" name=""/>
+        <p:cNvGrpSpPr/>
+        <p:nvPr/>
+      </p:nvGrpSpPr>
+      <p:grpSpPr>
+        <a:xfrm>
+          <a:off x="0" y="0"/>
+          <a:ext cx="0" cy="0"/>
+          <a:chOff x="0" y="0"/>
+          <a:chExt cx="0" cy="0"/>
+        </a:xfrm>
+      </p:grpSpPr>
+      <p:pic>
+        <p:nvPicPr>
+          <p:cNvPr id="182" name="" descr=""/>
+          <p:cNvPicPr/>
+          <p:nvPr/>
+        </p:nvPicPr>
+        <p:blipFill>
+          <a:blip r:embed="rId1"/>
+          <a:stretch/>
+        </p:blipFill>
+        <p:spPr>
+          <a:xfrm>
+            <a:off x="36720" y="1546920"/>
+            <a:ext cx="10080000" cy="4921560"/>
+          </a:xfrm>
+          <a:prstGeom prst="rect">
+            <a:avLst/>
+          </a:prstGeom>
+          <a:ln>
+            <a:noFill/>
+          </a:ln>
+        </p:spPr>
+      </p:pic>
+    </p:spTree>
+  </p:cSld>
+  <mc:AlternateContent>
+    <mc:Choice Requires="p14">
+      <p:transition spd="slow" p14:dur="2000"/>
+    </mc:Choice>
+    <mc:Fallback>
+      <p:transition spd="slow"/>
+    </mc:Fallback>
+  </mc:AlternateContent>
+</p:sld>
+</file>
+
+<file path=ppt/slides/slide13.xml><?xml version="1.0" encoding="utf-8"?>
+<p:sld xmlns:a="http://schemas.openxmlformats.org/drawingml/2006/main" xmlns:p="http://schemas.openxmlformats.org/presentationml/2006/main" xmlns:r="http://schemas.openxmlformats.org/officeDocument/2006/relationships" xmlns:p14="http://schemas.microsoft.com/office/powerpoint/2010/main" xmlns:p15="http://schemas.microsoft.com/office/powerpoint/2012/main" xmlns:mc="http://schemas.openxmlformats.org/markup-compatibility/2006">
+  <p:cSld>
+    <p:spTree>
+      <p:nvGrpSpPr>
+        <p:cNvPr id="1" name=""/>
+        <p:cNvGrpSpPr/>
+        <p:nvPr/>
+      </p:nvGrpSpPr>
+      <p:grpSpPr>
+        <a:xfrm>
+          <a:off x="0" y="0"/>
+          <a:ext cx="0" cy="0"/>
+          <a:chOff x="0" y="0"/>
+          <a:chExt cx="0" cy="0"/>
+        </a:xfrm>
+      </p:grpSpPr>
+      <p:sp>
+        <p:nvSpPr>
+          <p:cNvPr id="183" name="CustomShape 1"/>
+          <p:cNvSpPr/>
+          <p:nvPr/>
+        </p:nvSpPr>
+        <p:spPr>
+          <a:xfrm>
+            <a:off x="504000" y="301320"/>
+            <a:ext cx="9070560" cy="1261080"/>
+          </a:xfrm>
+          <a:prstGeom prst="rect">
+            <a:avLst/>
+          </a:prstGeom>
+          <a:noFill/>
+          <a:ln>
+            <a:noFill/>
+          </a:ln>
+        </p:spPr>
+        <p:style>
+          <a:lnRef idx="0"/>
+          <a:fillRef idx="0"/>
+          <a:effectRef idx="0"/>
+          <a:fontRef idx="minor"/>
+        </p:style>
+        <p:txBody>
+          <a:bodyPr lIns="0" rIns="0" tIns="0" bIns="0" anchor="ctr">
+            <a:noAutofit/>
+          </a:bodyPr>
+          <a:p>
+            <a:pPr algn="ctr">
+              <a:lnSpc>
+                <a:spcPct val="100000"/>
+              </a:lnSpc>
+            </a:pPr>
+            <a:r>
+              <a:rPr b="0" lang="en-US" sz="4400" spc="-1" strike="noStrike">
+                <a:latin typeface="Arial"/>
+              </a:rPr>
+              <a:t>Todos</a:t>
+            </a:r>
+            <a:endParaRPr b="0" lang="en-US" sz="4400" spc="-1" strike="noStrike">
+              <a:latin typeface="Arial"/>
+            </a:endParaRPr>
+          </a:p>
+        </p:txBody>
+      </p:sp>
+      <p:sp>
+        <p:nvSpPr>
+          <p:cNvPr id="184" name="CustomShape 2"/>
+          <p:cNvSpPr/>
+          <p:nvPr/>
+        </p:nvSpPr>
+        <p:spPr>
+          <a:xfrm>
+            <a:off x="504000" y="1769040"/>
+            <a:ext cx="9070560" cy="4383360"/>
+          </a:xfrm>
+          <a:prstGeom prst="rect">
+            <a:avLst/>
+          </a:prstGeom>
+          <a:noFill/>
+          <a:ln>
+            <a:noFill/>
+          </a:ln>
+        </p:spPr>
+        <p:style>
+          <a:lnRef idx="0"/>
+          <a:fillRef idx="0"/>
+          <a:effectRef idx="0"/>
+          <a:fontRef idx="minor"/>
+        </p:style>
+        <p:txBody>
+          <a:bodyPr lIns="0" rIns="0" tIns="0" bIns="0">
+            <a:normAutofit fontScale="31000"/>
+          </a:bodyPr>
+          <a:p>
+            <a:pPr marL="432000" indent="-323640">
+              <a:lnSpc>
+                <a:spcPct val="100000"/>
+              </a:lnSpc>
+              <a:spcBef>
+                <a:spcPts val="1417"/>
+              </a:spcBef>
+              <a:buClr>
+                <a:srgbClr val="000000"/>
+              </a:buClr>
+              <a:buSzPct val="45000"/>
+              <a:buFont typeface="Wingdings" charset="2"/>
+              <a:buChar char=""/>
+            </a:pPr>
+            <a:r>
+              <a:rPr b="0" lang="zh-CN" sz="3200" spc="-1" strike="noStrike">
+                <a:latin typeface="Arial"/>
+              </a:rPr>
+              <a:t>自主搭建集群</a:t>
+            </a:r>
+            <a:endParaRPr b="0" lang="en-US" sz="3200" spc="-1" strike="noStrike">
+              <a:latin typeface="Arial"/>
+            </a:endParaRPr>
+          </a:p>
+          <a:p>
+            <a:pPr marL="432000" indent="-323640">
+              <a:lnSpc>
+                <a:spcPct val="100000"/>
+              </a:lnSpc>
+              <a:spcBef>
+                <a:spcPts val="1417"/>
+              </a:spcBef>
+              <a:buClr>
+                <a:srgbClr val="000000"/>
+              </a:buClr>
+              <a:buSzPct val="45000"/>
+              <a:buFont typeface="Wingdings" charset="2"/>
+              <a:buChar char=""/>
+            </a:pPr>
+            <a:r>
+              <a:rPr b="0" lang="zh-CN" sz="3200" spc="-1" strike="noStrike">
+                <a:latin typeface="Arial"/>
+              </a:rPr>
+              <a:t>密封：扇区修复，系统调优，算法优化，</a:t>
+            </a:r>
+            <a:r>
+              <a:rPr b="0" lang="en-US" sz="3200" spc="-1" strike="noStrike">
+                <a:latin typeface="Arial"/>
+              </a:rPr>
+              <a:t>C2</a:t>
+            </a:r>
+            <a:r>
+              <a:rPr b="0" lang="zh-CN" sz="3200" spc="-1" strike="noStrike">
+                <a:latin typeface="Arial"/>
+              </a:rPr>
+              <a:t>多卡机，</a:t>
+            </a:r>
+            <a:r>
+              <a:rPr b="0" lang="en-US" sz="3200" spc="-1" strike="noStrike">
+                <a:latin typeface="Arial"/>
+              </a:rPr>
+              <a:t>miner</a:t>
+            </a:r>
+            <a:r>
+              <a:rPr b="0" lang="zh-CN" sz="3200" spc="-1" strike="noStrike">
+                <a:latin typeface="Arial"/>
+              </a:rPr>
+              <a:t>多卡机，分布式</a:t>
+            </a:r>
+            <a:r>
+              <a:rPr b="0" lang="en-US" sz="3200" spc="-1" strike="noStrike">
+                <a:latin typeface="Arial"/>
+              </a:rPr>
+              <a:t>miner</a:t>
+            </a:r>
+            <a:r>
+              <a:rPr b="0" lang="zh-CN" sz="3200" spc="-1" strike="noStrike">
+                <a:latin typeface="Arial"/>
+              </a:rPr>
+              <a:t>，高可用</a:t>
+            </a:r>
+            <a:r>
+              <a:rPr b="0" lang="en-US" sz="3200" spc="-1" strike="noStrike">
+                <a:latin typeface="Arial"/>
+              </a:rPr>
+              <a:t>,</a:t>
+            </a:r>
+            <a:r>
+              <a:rPr b="0" lang="zh-CN" sz="3200" spc="-1" strike="noStrike">
+                <a:latin typeface="Arial"/>
+              </a:rPr>
+              <a:t>调度器</a:t>
+            </a:r>
+            <a:endParaRPr b="0" lang="en-US" sz="3200" spc="-1" strike="noStrike">
+              <a:latin typeface="Arial"/>
+            </a:endParaRPr>
+          </a:p>
+          <a:p>
+            <a:pPr marL="432000" indent="-323640">
+              <a:lnSpc>
+                <a:spcPct val="100000"/>
+              </a:lnSpc>
+              <a:spcBef>
+                <a:spcPts val="1417"/>
+              </a:spcBef>
+              <a:buClr>
+                <a:srgbClr val="000000"/>
+              </a:buClr>
+              <a:buSzPct val="45000"/>
+              <a:buFont typeface="Wingdings" charset="2"/>
+              <a:buChar char=""/>
+            </a:pPr>
+            <a:r>
+              <a:rPr b="0" lang="zh-CN" sz="3200" spc="-1" strike="noStrike">
+                <a:latin typeface="Arial"/>
+              </a:rPr>
+              <a:t>幸运值：网络，存储，暴快</a:t>
+            </a:r>
+            <a:endParaRPr b="0" lang="en-US" sz="3200" spc="-1" strike="noStrike">
+              <a:latin typeface="Arial"/>
+            </a:endParaRPr>
+          </a:p>
+          <a:p>
+            <a:pPr marL="432000" indent="-323640">
+              <a:lnSpc>
+                <a:spcPct val="100000"/>
+              </a:lnSpc>
+              <a:spcBef>
+                <a:spcPts val="1417"/>
+              </a:spcBef>
+              <a:buClr>
+                <a:srgbClr val="000000"/>
+              </a:buClr>
+              <a:buSzPct val="45000"/>
+              <a:buFont typeface="Wingdings" charset="2"/>
+              <a:buChar char=""/>
+            </a:pPr>
+            <a:r>
+              <a:rPr b="0" lang="zh-CN" sz="3200" spc="-1" strike="noStrike">
+                <a:latin typeface="Arial"/>
+              </a:rPr>
+              <a:t>目标：实现</a:t>
+            </a:r>
+            <a:r>
+              <a:rPr b="0" lang="en-US" sz="3200" spc="-1" strike="noStrike">
+                <a:latin typeface="Arial"/>
+              </a:rPr>
+              <a:t>10P</a:t>
+            </a:r>
+            <a:r>
+              <a:rPr b="0" lang="zh-CN" sz="3200" spc="-1" strike="noStrike">
+                <a:latin typeface="Arial"/>
+              </a:rPr>
+              <a:t>以下小集群方案</a:t>
+            </a:r>
+            <a:endParaRPr b="0" lang="en-US" sz="3200" spc="-1" strike="noStrike">
+              <a:latin typeface="Arial"/>
+            </a:endParaRPr>
+          </a:p>
+          <a:p>
+            <a:pPr>
+              <a:lnSpc>
+                <a:spcPct val="100000"/>
+              </a:lnSpc>
+              <a:spcBef>
+                <a:spcPts val="1417"/>
+              </a:spcBef>
+            </a:pPr>
+            <a:endParaRPr b="0" lang="en-US" sz="3200" spc="-1" strike="noStrike">
+              <a:latin typeface="Arial"/>
+            </a:endParaRPr>
+          </a:p>
+          <a:p>
+            <a:pPr marL="432000" indent="-323640">
+              <a:lnSpc>
+                <a:spcPct val="100000"/>
+              </a:lnSpc>
+              <a:spcBef>
+                <a:spcPts val="1417"/>
+              </a:spcBef>
+              <a:buClr>
+                <a:srgbClr val="000000"/>
+              </a:buClr>
+              <a:buSzPct val="45000"/>
+              <a:buFont typeface="Wingdings" charset="2"/>
+              <a:buChar char=""/>
+            </a:pPr>
+            <a:r>
+              <a:rPr b="0" lang="zh-CN" sz="3200" spc="-1" strike="noStrike">
+                <a:latin typeface="Arial"/>
+              </a:rPr>
+              <a:t>合作方集群学习</a:t>
+            </a:r>
+            <a:endParaRPr b="0" lang="en-US" sz="3200" spc="-1" strike="noStrike">
+              <a:latin typeface="Arial"/>
+            </a:endParaRPr>
+          </a:p>
+          <a:p>
+            <a:pPr marL="432000" indent="-323640">
+              <a:lnSpc>
+                <a:spcPct val="100000"/>
+              </a:lnSpc>
+              <a:spcBef>
+                <a:spcPts val="1417"/>
+              </a:spcBef>
+              <a:buClr>
+                <a:srgbClr val="000000"/>
+              </a:buClr>
+              <a:buSzPct val="45000"/>
+              <a:buFont typeface="Wingdings" charset="2"/>
+              <a:buChar char=""/>
+            </a:pPr>
+            <a:r>
+              <a:rPr b="0" lang="zh-CN" sz="3200" spc="-1" strike="noStrike">
+                <a:latin typeface="Arial"/>
+              </a:rPr>
+              <a:t>学习现有真实集群的技术方案</a:t>
+            </a:r>
+            <a:r>
+              <a:rPr b="0" lang="en-US" sz="3200" spc="-1" strike="noStrike">
+                <a:latin typeface="Arial"/>
+              </a:rPr>
+              <a:t>;</a:t>
+            </a:r>
+            <a:endParaRPr b="0" lang="en-US" sz="3200" spc="-1" strike="noStrike">
+              <a:latin typeface="Arial"/>
+            </a:endParaRPr>
+          </a:p>
+          <a:p>
+            <a:pPr marL="432000" indent="-323640">
+              <a:lnSpc>
+                <a:spcPct val="100000"/>
+              </a:lnSpc>
+              <a:spcBef>
+                <a:spcPts val="1417"/>
+              </a:spcBef>
+              <a:buClr>
+                <a:srgbClr val="000000"/>
+              </a:buClr>
+              <a:buSzPct val="45000"/>
+              <a:buFont typeface="Wingdings" charset="2"/>
+              <a:buChar char=""/>
+            </a:pPr>
+            <a:r>
+              <a:rPr b="0" lang="zh-CN" sz="3200" spc="-1" strike="noStrike">
+                <a:latin typeface="Arial"/>
+              </a:rPr>
+              <a:t>接手合作方集群</a:t>
+            </a:r>
+            <a:r>
+              <a:rPr b="0" lang="en-US" sz="3200" spc="-1" strike="noStrike">
+                <a:latin typeface="Arial"/>
+              </a:rPr>
+              <a:t>;</a:t>
+            </a:r>
+            <a:endParaRPr b="0" lang="en-US" sz="3200" spc="-1" strike="noStrike">
+              <a:latin typeface="Arial"/>
+            </a:endParaRPr>
+          </a:p>
+          <a:p>
+            <a:pPr>
+              <a:lnSpc>
+                <a:spcPct val="100000"/>
+              </a:lnSpc>
+              <a:spcBef>
+                <a:spcPts val="1417"/>
+              </a:spcBef>
+            </a:pPr>
+            <a:endParaRPr b="0" lang="en-US" sz="3200" spc="-1" strike="noStrike">
+              <a:latin typeface="Arial"/>
+            </a:endParaRPr>
+          </a:p>
+          <a:p>
+            <a:pPr marL="432000" indent="-323640">
+              <a:lnSpc>
+                <a:spcPct val="100000"/>
+              </a:lnSpc>
+              <a:spcBef>
+                <a:spcPts val="1417"/>
+              </a:spcBef>
+              <a:buClr>
+                <a:srgbClr val="000000"/>
+              </a:buClr>
+              <a:buSzPct val="45000"/>
+              <a:buFont typeface="Wingdings" charset="2"/>
+              <a:buChar char=""/>
+            </a:pPr>
+            <a:r>
+              <a:rPr b="0" lang="zh-CN" sz="3200" spc="-1" strike="noStrike">
+                <a:latin typeface="Arial"/>
+              </a:rPr>
+              <a:t>中型集群问题</a:t>
+            </a:r>
+            <a:endParaRPr b="0" lang="en-US" sz="3200" spc="-1" strike="noStrike">
+              <a:latin typeface="Arial"/>
+            </a:endParaRPr>
+          </a:p>
+          <a:p>
+            <a:pPr marL="432000" indent="-323640">
+              <a:lnSpc>
+                <a:spcPct val="100000"/>
+              </a:lnSpc>
+              <a:spcBef>
+                <a:spcPts val="1417"/>
+              </a:spcBef>
+              <a:buClr>
+                <a:srgbClr val="000000"/>
+              </a:buClr>
+              <a:buSzPct val="45000"/>
+              <a:buFont typeface="Wingdings" charset="2"/>
+              <a:buChar char=""/>
+            </a:pPr>
+            <a:r>
+              <a:rPr b="0" lang="zh-CN" sz="3200" spc="-1" strike="noStrike">
+                <a:latin typeface="Arial"/>
+              </a:rPr>
+              <a:t>分布式</a:t>
+            </a:r>
+            <a:r>
+              <a:rPr b="0" lang="en-US" sz="3200" spc="-1" strike="noStrike">
+                <a:latin typeface="Arial"/>
+              </a:rPr>
+              <a:t>miner</a:t>
+            </a:r>
+            <a:r>
+              <a:rPr b="0" lang="zh-CN" sz="3200" spc="-1" strike="noStrike">
+                <a:latin typeface="Arial"/>
+              </a:rPr>
+              <a:t>，</a:t>
+            </a:r>
+            <a:r>
+              <a:rPr b="0" lang="en-US" sz="3200" spc="-1" strike="noStrike">
+                <a:latin typeface="Arial"/>
+              </a:rPr>
+              <a:t>worker</a:t>
+            </a:r>
+            <a:r>
+              <a:rPr b="0" lang="zh-CN" sz="3200" spc="-1" strike="noStrike">
+                <a:latin typeface="Arial"/>
+              </a:rPr>
+              <a:t>分组</a:t>
+            </a:r>
+            <a:endParaRPr b="0" lang="en-US" sz="3200" spc="-1" strike="noStrike">
+              <a:latin typeface="Arial"/>
+            </a:endParaRPr>
+          </a:p>
+          <a:p>
+            <a:pPr>
+              <a:lnSpc>
+                <a:spcPct val="100000"/>
+              </a:lnSpc>
+              <a:spcBef>
+                <a:spcPts val="1417"/>
+              </a:spcBef>
+            </a:pPr>
             <a:endParaRPr b="0" lang="en-US" sz="3200" spc="-1" strike="noStrike">
               <a:latin typeface="Arial"/>
             </a:endParaRPr>
@@ -3617,14 +8091,14 @@
       </p:grpSpPr>
       <p:sp>
         <p:nvSpPr>
-          <p:cNvPr id="83" name="TextShape 1"/>
-          <p:cNvSpPr txBox="1"/>
+          <p:cNvPr id="161" name="CustomShape 1"/>
+          <p:cNvSpPr/>
           <p:nvPr/>
         </p:nvSpPr>
         <p:spPr>
           <a:xfrm>
             <a:off x="504000" y="301320"/>
-            <a:ext cx="9071280" cy="1261800"/>
+            <a:ext cx="9070560" cy="1261080"/>
           </a:xfrm>
           <a:prstGeom prst="rect">
             <a:avLst/>
@@ -3634,21 +8108,39 @@
             <a:noFill/>
           </a:ln>
         </p:spPr>
+        <p:style>
+          <a:lnRef idx="0"/>
+          <a:fillRef idx="0"/>
+          <a:effectRef idx="0"/>
+          <a:fontRef idx="minor"/>
+        </p:style>
         <p:txBody>
           <a:bodyPr lIns="0" rIns="0" tIns="0" bIns="0" anchor="ctr">
             <a:noAutofit/>
           </a:bodyPr>
           <a:p>
-            <a:pPr algn="ctr"/>
+            <a:pPr algn="ctr">
+              <a:lnSpc>
+                <a:spcPct val="100000"/>
+              </a:lnSpc>
+            </a:pPr>
             <a:r>
               <a:rPr b="0" lang="en-US" sz="4400" spc="-1" strike="noStrike">
-                <a:latin typeface="Arial"/>
+                <a:solidFill>
+                  <a:srgbClr val="000000"/>
+                </a:solidFill>
+                <a:latin typeface="Arial"/>
+                <a:ea typeface="DejaVu Sans"/>
               </a:rPr>
               <a:t>Filecoin</a:t>
             </a:r>
             <a:r>
               <a:rPr b="0" lang="zh-CN" sz="4400" spc="-1" strike="noStrike">
-                <a:latin typeface="Arial"/>
+                <a:solidFill>
+                  <a:srgbClr val="000000"/>
+                </a:solidFill>
+                <a:latin typeface="Arial"/>
+                <a:ea typeface="DejaVu Sans"/>
               </a:rPr>
               <a:t>基本概念</a:t>
             </a:r>
@@ -3660,14 +8152,14 @@
       </p:sp>
       <p:sp>
         <p:nvSpPr>
-          <p:cNvPr id="84" name="TextShape 2"/>
-          <p:cNvSpPr txBox="1"/>
+          <p:cNvPr id="162" name="CustomShape 2"/>
+          <p:cNvSpPr/>
           <p:nvPr/>
         </p:nvSpPr>
         <p:spPr>
           <a:xfrm>
             <a:off x="504000" y="1769040"/>
-            <a:ext cx="9071280" cy="4384080"/>
+            <a:ext cx="9070560" cy="4383360"/>
           </a:xfrm>
           <a:prstGeom prst="rect">
             <a:avLst/>
@@ -3677,12 +8169,21 @@
             <a:noFill/>
           </a:ln>
         </p:spPr>
+        <p:style>
+          <a:lnRef idx="0"/>
+          <a:fillRef idx="0"/>
+          <a:effectRef idx="0"/>
+          <a:fontRef idx="minor"/>
+        </p:style>
         <p:txBody>
           <a:bodyPr lIns="0" rIns="0" tIns="0" bIns="0">
-            <a:normAutofit fontScale="44000"/>
-          </a:bodyPr>
-          <a:p>
-            <a:pPr marL="432000" indent="-324000">
+            <a:normAutofit fontScale="56000"/>
+          </a:bodyPr>
+          <a:p>
+            <a:pPr marL="432000" indent="-323280">
+              <a:lnSpc>
+                <a:spcPct val="100000"/>
+              </a:lnSpc>
               <a:spcBef>
                 <a:spcPts val="1417"/>
               </a:spcBef>
@@ -3695,13 +8196,21 @@
             </a:pPr>
             <a:r>
               <a:rPr b="0" lang="en-US" sz="3200" spc="-1" strike="noStrike">
-                <a:latin typeface="Arial"/>
+                <a:solidFill>
+                  <a:srgbClr val="000000"/>
+                </a:solidFill>
+                <a:latin typeface="Arial"/>
+                <a:ea typeface="DejaVu Sans"/>
               </a:rPr>
               <a:t>Filecoin</a:t>
             </a:r>
             <a:r>
               <a:rPr b="0" lang="zh-CN" sz="3200" spc="-1" strike="noStrike">
-                <a:latin typeface="Arial"/>
+                <a:solidFill>
+                  <a:srgbClr val="000000"/>
+                </a:solidFill>
+                <a:latin typeface="Arial"/>
+                <a:ea typeface="DejaVu Sans"/>
               </a:rPr>
               <a:t>之存储（存储，计算和通信）</a:t>
             </a:r>
@@ -3710,7 +8219,10 @@
             </a:endParaRPr>
           </a:p>
           <a:p>
-            <a:pPr marL="432000" indent="-324000">
+            <a:pPr marL="432000" indent="-323280">
+              <a:lnSpc>
+                <a:spcPct val="100000"/>
+              </a:lnSpc>
               <a:spcBef>
                 <a:spcPts val="1417"/>
               </a:spcBef>
@@ -3723,19 +8235,31 @@
             </a:pPr>
             <a:r>
               <a:rPr b="0" lang="en-US" sz="3200" spc="-1" strike="noStrike">
-                <a:latin typeface="Arial"/>
+                <a:solidFill>
+                  <a:srgbClr val="000000"/>
+                </a:solidFill>
+                <a:latin typeface="Arial"/>
+                <a:ea typeface="DejaVu Sans"/>
               </a:rPr>
               <a:t>Filecoin</a:t>
             </a:r>
             <a:r>
               <a:rPr b="0" lang="zh-CN" sz="3200" spc="-1" strike="noStrike">
-                <a:latin typeface="Arial"/>
+                <a:solidFill>
+                  <a:srgbClr val="000000"/>
+                </a:solidFill>
+                <a:latin typeface="Arial"/>
+                <a:ea typeface="DejaVu Sans"/>
               </a:rPr>
               <a:t>和</a:t>
             </a:r>
             <a:r>
               <a:rPr b="0" lang="en-US" sz="3200" spc="-1" strike="noStrike">
-                <a:latin typeface="Arial"/>
+                <a:solidFill>
+                  <a:srgbClr val="000000"/>
+                </a:solidFill>
+                <a:latin typeface="Arial"/>
+                <a:ea typeface="DejaVu Sans"/>
               </a:rPr>
               <a:t>IPFS</a:t>
             </a:r>
@@ -3744,7 +8268,10 @@
             </a:endParaRPr>
           </a:p>
           <a:p>
-            <a:pPr marL="432000" indent="-324000">
+            <a:pPr marL="432000" indent="-323280">
+              <a:lnSpc>
+                <a:spcPct val="100000"/>
+              </a:lnSpc>
               <a:spcBef>
                 <a:spcPts val="1417"/>
               </a:spcBef>
@@ -3757,7 +8284,11 @@
             </a:pPr>
             <a:r>
               <a:rPr b="0" lang="zh-CN" sz="3200" spc="-1" strike="noStrike">
-                <a:latin typeface="Arial"/>
+                <a:solidFill>
+                  <a:srgbClr val="000000"/>
+                </a:solidFill>
+                <a:latin typeface="Arial"/>
+                <a:ea typeface="DejaVu Sans"/>
               </a:rPr>
               <a:t>密封</a:t>
             </a:r>
@@ -3766,7 +8297,10 @@
             </a:endParaRPr>
           </a:p>
           <a:p>
-            <a:pPr marL="432000" indent="-324000">
+            <a:pPr marL="432000" indent="-323280">
+              <a:lnSpc>
+                <a:spcPct val="100000"/>
+              </a:lnSpc>
               <a:spcBef>
                 <a:spcPts val="1417"/>
               </a:spcBef>
@@ -3779,7 +8313,11 @@
             </a:pPr>
             <a:r>
               <a:rPr b="0" lang="zh-CN" sz="3200" spc="-1" strike="noStrike">
-                <a:latin typeface="Arial"/>
+                <a:solidFill>
+                  <a:srgbClr val="000000"/>
+                </a:solidFill>
+                <a:latin typeface="Arial"/>
+                <a:ea typeface="DejaVu Sans"/>
               </a:rPr>
               <a:t>扇区</a:t>
             </a:r>
@@ -3788,7 +8326,10 @@
             </a:endParaRPr>
           </a:p>
           <a:p>
-            <a:pPr marL="432000" indent="-324000">
+            <a:pPr marL="432000" indent="-323280">
+              <a:lnSpc>
+                <a:spcPct val="100000"/>
+              </a:lnSpc>
               <a:spcBef>
                 <a:spcPts val="1417"/>
               </a:spcBef>
@@ -3801,7 +8342,11 @@
             </a:pPr>
             <a:r>
               <a:rPr b="0" lang="zh-CN" sz="3200" spc="-1" strike="noStrike">
-                <a:latin typeface="Arial"/>
+                <a:solidFill>
+                  <a:srgbClr val="000000"/>
+                </a:solidFill>
+                <a:latin typeface="Arial"/>
+                <a:ea typeface="DejaVu Sans"/>
               </a:rPr>
               <a:t>复制证明和时空证明</a:t>
             </a:r>
@@ -3810,7 +8355,10 @@
             </a:endParaRPr>
           </a:p>
           <a:p>
-            <a:pPr marL="432000" indent="-324000">
+            <a:pPr marL="432000" indent="-323280">
+              <a:lnSpc>
+                <a:spcPct val="100000"/>
+              </a:lnSpc>
               <a:spcBef>
                 <a:spcPts val="1417"/>
               </a:spcBef>
@@ -3823,7 +8371,11 @@
             </a:pPr>
             <a:r>
               <a:rPr b="0" lang="zh-CN" sz="3200" spc="-1" strike="noStrike">
-                <a:latin typeface="Arial"/>
+                <a:solidFill>
+                  <a:srgbClr val="000000"/>
+                </a:solidFill>
+                <a:latin typeface="Arial"/>
+                <a:ea typeface="DejaVu Sans"/>
               </a:rPr>
               <a:t>存储市场和检索市场</a:t>
             </a:r>
@@ -3832,7 +8384,10 @@
             </a:endParaRPr>
           </a:p>
           <a:p>
-            <a:pPr marL="432000" indent="-324000">
+            <a:pPr marL="432000" indent="-323280">
+              <a:lnSpc>
+                <a:spcPct val="100000"/>
+              </a:lnSpc>
               <a:spcBef>
                 <a:spcPts val="1417"/>
               </a:spcBef>
@@ -3845,7 +8400,11 @@
             </a:pPr>
             <a:r>
               <a:rPr b="0" lang="zh-CN" sz="3200" spc="-1" strike="noStrike">
-                <a:latin typeface="Arial"/>
+                <a:solidFill>
+                  <a:srgbClr val="000000"/>
+                </a:solidFill>
+                <a:latin typeface="Arial"/>
+                <a:ea typeface="DejaVu Sans"/>
               </a:rPr>
               <a:t>网络类型</a:t>
             </a:r>
@@ -3854,7 +8413,10 @@
             </a:endParaRPr>
           </a:p>
           <a:p>
-            <a:pPr marL="432000" indent="-324000">
+            <a:pPr marL="432000" indent="-323280">
+              <a:lnSpc>
+                <a:spcPct val="100000"/>
+              </a:lnSpc>
               <a:spcBef>
                 <a:spcPts val="1417"/>
               </a:spcBef>
@@ -3867,31 +8429,51 @@
             </a:pPr>
             <a:r>
               <a:rPr b="0" lang="zh-CN" sz="3200" spc="-1" strike="noStrike">
-                <a:latin typeface="Arial"/>
+                <a:solidFill>
+                  <a:srgbClr val="000000"/>
+                </a:solidFill>
+                <a:latin typeface="Arial"/>
+                <a:ea typeface="DejaVu Sans"/>
               </a:rPr>
               <a:t>区块连存储项目（</a:t>
             </a:r>
             <a:r>
               <a:rPr b="0" lang="en-US" sz="3200" spc="-1" strike="noStrike">
-                <a:latin typeface="Arial"/>
+                <a:solidFill>
+                  <a:srgbClr val="000000"/>
+                </a:solidFill>
+                <a:latin typeface="Arial"/>
+                <a:ea typeface="DejaVu Sans"/>
               </a:rPr>
               <a:t>swarm</a:t>
             </a:r>
             <a:r>
               <a:rPr b="0" lang="zh-CN" sz="3200" spc="-1" strike="noStrike">
-                <a:latin typeface="Arial"/>
+                <a:solidFill>
+                  <a:srgbClr val="000000"/>
+                </a:solidFill>
+                <a:latin typeface="Arial"/>
+                <a:ea typeface="DejaVu Sans"/>
               </a:rPr>
               <a:t>和</a:t>
             </a:r>
             <a:r>
               <a:rPr b="0" lang="en-US" sz="3200" spc="-1" strike="noStrike">
-                <a:latin typeface="Arial"/>
+                <a:solidFill>
+                  <a:srgbClr val="000000"/>
+                </a:solidFill>
+                <a:latin typeface="Arial"/>
+                <a:ea typeface="DejaVu Sans"/>
               </a:rPr>
               <a:t>Filecoin</a:t>
             </a:r>
             <a:r>
               <a:rPr b="0" lang="zh-CN" sz="3200" spc="-1" strike="noStrike">
-                <a:latin typeface="Arial"/>
+                <a:solidFill>
+                  <a:srgbClr val="000000"/>
+                </a:solidFill>
+                <a:latin typeface="Arial"/>
+                <a:ea typeface="DejaVu Sans"/>
               </a:rPr>
               <a:t>）</a:t>
             </a:r>
@@ -3900,7 +8482,10 @@
             </a:endParaRPr>
           </a:p>
           <a:p>
-            <a:pPr marL="432000" indent="-324000">
+            <a:pPr marL="432000" indent="-323280">
+              <a:lnSpc>
+                <a:spcPct val="100000"/>
+              </a:lnSpc>
               <a:spcBef>
                 <a:spcPts val="1417"/>
               </a:spcBef>
@@ -3913,22 +8498,63 @@
             </a:pPr>
             <a:r>
               <a:rPr b="0" lang="en-US" sz="3200" spc="-1" strike="noStrike">
-                <a:latin typeface="Arial"/>
+                <a:solidFill>
+                  <a:srgbClr val="000000"/>
+                </a:solidFill>
+                <a:latin typeface="Arial"/>
+                <a:ea typeface="DejaVu Sans"/>
               </a:rPr>
               <a:t>dapp</a:t>
             </a:r>
             <a:r>
               <a:rPr b="0" lang="zh-CN" sz="3200" spc="-1" strike="noStrike">
-                <a:latin typeface="Arial"/>
+                <a:solidFill>
+                  <a:srgbClr val="000000"/>
+                </a:solidFill>
+                <a:latin typeface="Arial"/>
+                <a:ea typeface="DejaVu Sans"/>
               </a:rPr>
               <a:t>关系</a:t>
             </a:r>
-            <a:endParaRPr b="0" lang="en-US" sz="3200" spc="-1" strike="noStrike">
-              <a:latin typeface="Arial"/>
-            </a:endParaRPr>
-          </a:p>
-          <a:p>
-            <a:pPr marL="432000" indent="-324000">
+            <a:r>
+              <a:rPr b="0" lang="en-US" sz="3200" spc="-1" strike="noStrike">
+                <a:solidFill>
+                  <a:srgbClr val="000000"/>
+                </a:solidFill>
+                <a:latin typeface="Arial"/>
+                <a:ea typeface="DejaVu Sans"/>
+              </a:rPr>
+              <a:t>(nft</a:t>
+            </a:r>
+            <a:r>
+              <a:rPr b="0" lang="zh-CN" sz="3200" spc="-1" strike="noStrike">
+                <a:solidFill>
+                  <a:srgbClr val="000000"/>
+                </a:solidFill>
+                <a:latin typeface="Arial"/>
+                <a:ea typeface="DejaVu Sans"/>
+              </a:rPr>
+              <a:t>和</a:t>
+            </a:r>
+            <a:r>
+              <a:rPr b="0" lang="en-US" sz="3200" spc="-1" strike="noStrike">
+                <a:solidFill>
+                  <a:srgbClr val="000000"/>
+                </a:solidFill>
+                <a:latin typeface="Arial"/>
+                <a:ea typeface="DejaVu Sans"/>
+              </a:rPr>
+              <a:t>defi)</a:t>
+            </a:r>
+            <a:endParaRPr b="0" lang="en-US" sz="3200" spc="-1" strike="noStrike">
+              <a:latin typeface="Arial"/>
+            </a:endParaRPr>
+          </a:p>
+          <a:p>
+            <a:pPr marL="432000" indent="-323280">
+              <a:lnSpc>
+                <a:spcPct val="100000"/>
+              </a:lnSpc>
               <a:spcBef>
                 <a:spcPts val="1417"/>
               </a:spcBef>
@@ -3941,7 +8567,11 @@
             </a:pPr>
             <a:r>
               <a:rPr b="0" lang="zh-CN" sz="3200" spc="-1" strike="noStrike">
-                <a:latin typeface="Arial"/>
+                <a:solidFill>
+                  <a:srgbClr val="000000"/>
+                </a:solidFill>
+                <a:latin typeface="Arial"/>
+                <a:ea typeface="DejaVu Sans"/>
               </a:rPr>
               <a:t>幸运值</a:t>
             </a:r>
@@ -3983,14 +8613,14 @@
       </p:grpSpPr>
       <p:sp>
         <p:nvSpPr>
-          <p:cNvPr id="85" name="TextShape 1"/>
-          <p:cNvSpPr txBox="1"/>
+          <p:cNvPr id="163" name="CustomShape 1"/>
+          <p:cNvSpPr/>
           <p:nvPr/>
         </p:nvSpPr>
         <p:spPr>
           <a:xfrm>
             <a:off x="504000" y="301320"/>
-            <a:ext cx="9071280" cy="1261800"/>
+            <a:ext cx="9070560" cy="1261080"/>
           </a:xfrm>
           <a:prstGeom prst="rect">
             <a:avLst/>
@@ -4000,265 +8630,36 @@
             <a:noFill/>
           </a:ln>
         </p:spPr>
-        <p:txBody>
-          <a:bodyPr lIns="0" rIns="0" tIns="0" bIns="0" anchor="ctr">
-            <a:noAutofit/>
-          </a:bodyPr>
-          <a:p>
-            <a:pPr algn="ctr"/>
-            <a:r>
-              <a:rPr b="0" lang="en-US" sz="4400" spc="-1" strike="noStrike">
-                <a:latin typeface="Arial"/>
-              </a:rPr>
-              <a:t>Filecoin</a:t>
-            </a:r>
-            <a:r>
-              <a:rPr b="0" lang="zh-CN" sz="4400" spc="-1" strike="noStrike">
-                <a:latin typeface="Arial"/>
-              </a:rPr>
-              <a:t>程序组成</a:t>
-            </a:r>
-            <a:endParaRPr b="0" lang="en-US" sz="4400" spc="-1" strike="noStrike">
-              <a:latin typeface="Arial"/>
-            </a:endParaRPr>
-          </a:p>
-        </p:txBody>
-      </p:sp>
-      <p:sp>
-        <p:nvSpPr>
-          <p:cNvPr id="86" name="TextShape 2"/>
-          <p:cNvSpPr txBox="1"/>
+        <p:style>
+          <a:lnRef idx="0"/>
+          <a:fillRef idx="0"/>
+          <a:effectRef idx="0"/>
+          <a:fontRef idx="minor"/>
+        </p:style>
+      </p:sp>
+      <p:pic>
+        <p:nvPicPr>
+          <p:cNvPr id="164" name="" descr=""/>
+          <p:cNvPicPr/>
           <p:nvPr/>
-        </p:nvSpPr>
-        <p:spPr>
-          <a:xfrm>
-            <a:off x="504000" y="1769040"/>
-            <a:ext cx="9071280" cy="4384080"/>
-          </a:xfrm>
-          <a:prstGeom prst="rect">
-            <a:avLst/>
-          </a:prstGeom>
-          <a:noFill/>
+        </p:nvPicPr>
+        <p:blipFill>
+          <a:blip r:embed="rId1"/>
+          <a:stretch/>
+        </p:blipFill>
+        <p:spPr>
+          <a:xfrm>
+            <a:off x="36720" y="361800"/>
+            <a:ext cx="10080000" cy="7470720"/>
+          </a:xfrm>
+          <a:prstGeom prst="rect">
+            <a:avLst/>
+          </a:prstGeom>
           <a:ln>
             <a:noFill/>
           </a:ln>
         </p:spPr>
-        <p:txBody>
-          <a:bodyPr lIns="0" rIns="0" tIns="0" bIns="0">
-            <a:normAutofit fontScale="97000"/>
-          </a:bodyPr>
-          <a:p>
-            <a:pPr marL="432000" indent="-324000">
-              <a:spcBef>
-                <a:spcPts val="1417"/>
-              </a:spcBef>
-              <a:buClr>
-                <a:srgbClr val="000000"/>
-              </a:buClr>
-              <a:buSzPct val="45000"/>
-              <a:buFont typeface="Wingdings" charset="2"/>
-              <a:buChar char=""/>
-            </a:pPr>
-            <a:r>
-              <a:rPr b="0" lang="zh-CN" sz="3200" spc="-1" strike="noStrike">
-                <a:latin typeface="Arial"/>
-              </a:rPr>
-              <a:t>开发语言（</a:t>
-            </a:r>
-            <a:r>
-              <a:rPr b="0" lang="en-US" sz="3200" spc="-1" strike="noStrike">
-                <a:latin typeface="Arial"/>
-              </a:rPr>
-              <a:t>lotus -&gt; go</a:t>
-            </a:r>
-            <a:r>
-              <a:rPr b="0" lang="zh-CN" sz="3200" spc="-1" strike="noStrike">
-                <a:latin typeface="Arial"/>
-              </a:rPr>
-              <a:t>和</a:t>
-            </a:r>
-            <a:r>
-              <a:rPr b="0" lang="en-US" sz="3200" spc="-1" strike="noStrike">
-                <a:latin typeface="Arial"/>
-              </a:rPr>
-              <a:t>rust</a:t>
-            </a:r>
-            <a:r>
-              <a:rPr b="0" lang="zh-CN" sz="3200" spc="-1" strike="noStrike">
-                <a:latin typeface="Arial"/>
-              </a:rPr>
-              <a:t>）</a:t>
-            </a:r>
-            <a:endParaRPr b="0" lang="en-US" sz="3200" spc="-1" strike="noStrike">
-              <a:latin typeface="Arial"/>
-            </a:endParaRPr>
-          </a:p>
-          <a:p>
-            <a:pPr marL="432000" indent="-324000">
-              <a:spcBef>
-                <a:spcPts val="1417"/>
-              </a:spcBef>
-              <a:buClr>
-                <a:srgbClr val="000000"/>
-              </a:buClr>
-              <a:buSzPct val="45000"/>
-              <a:buFont typeface="Wingdings" charset="2"/>
-              <a:buChar char=""/>
-            </a:pPr>
-            <a:r>
-              <a:rPr b="0" lang="en-US" sz="3200" spc="-1" strike="noStrike">
-                <a:latin typeface="Arial"/>
-              </a:rPr>
-              <a:t>lotus</a:t>
-            </a:r>
-            <a:r>
-              <a:rPr b="0" lang="zh-CN" sz="3200" spc="-1" strike="noStrike">
-                <a:latin typeface="Arial"/>
-              </a:rPr>
-              <a:t>节点：钱包，同步账本</a:t>
-            </a:r>
-            <a:endParaRPr b="0" lang="en-US" sz="3200" spc="-1" strike="noStrike">
-              <a:latin typeface="Arial"/>
-            </a:endParaRPr>
-          </a:p>
-          <a:p>
-            <a:pPr marL="432000" indent="-324000">
-              <a:spcBef>
-                <a:spcPts val="1417"/>
-              </a:spcBef>
-              <a:buClr>
-                <a:srgbClr val="000000"/>
-              </a:buClr>
-              <a:buSzPct val="45000"/>
-              <a:buFont typeface="Wingdings" charset="2"/>
-              <a:buChar char=""/>
-            </a:pPr>
-            <a:r>
-              <a:rPr b="0" lang="en-US" sz="3200" spc="-1" strike="noStrike">
-                <a:latin typeface="Arial"/>
-              </a:rPr>
-              <a:t>miner</a:t>
-            </a:r>
-            <a:r>
-              <a:rPr b="0" lang="zh-CN" sz="3200" spc="-1" strike="noStrike">
-                <a:latin typeface="Arial"/>
-              </a:rPr>
-              <a:t>节点</a:t>
-            </a:r>
-            <a:endParaRPr b="0" lang="en-US" sz="3200" spc="-1" strike="noStrike">
-              <a:latin typeface="Arial"/>
-            </a:endParaRPr>
-          </a:p>
-          <a:p>
-            <a:pPr marL="432000" indent="-324000">
-              <a:spcBef>
-                <a:spcPts val="1417"/>
-              </a:spcBef>
-              <a:buClr>
-                <a:srgbClr val="000000"/>
-              </a:buClr>
-              <a:buSzPct val="45000"/>
-              <a:buFont typeface="Wingdings" charset="2"/>
-              <a:buChar char=""/>
-            </a:pPr>
-            <a:r>
-              <a:rPr b="0" lang="en-US" sz="3200" spc="-1" strike="noStrike">
-                <a:latin typeface="Arial"/>
-              </a:rPr>
-              <a:t>worker</a:t>
-            </a:r>
-            <a:r>
-              <a:rPr b="0" lang="zh-CN" sz="3200" spc="-1" strike="noStrike">
-                <a:latin typeface="Arial"/>
-              </a:rPr>
-              <a:t>节点</a:t>
-            </a:r>
-            <a:endParaRPr b="0" lang="en-US" sz="3200" spc="-1" strike="noStrike">
-              <a:latin typeface="Arial"/>
-            </a:endParaRPr>
-          </a:p>
-          <a:p>
-            <a:pPr marL="432000" indent="-324000">
-              <a:spcBef>
-                <a:spcPts val="1417"/>
-              </a:spcBef>
-              <a:buClr>
-                <a:srgbClr val="000000"/>
-              </a:buClr>
-              <a:buSzPct val="45000"/>
-              <a:buFont typeface="Wingdings" charset="2"/>
-              <a:buChar char=""/>
-            </a:pPr>
-            <a:r>
-              <a:rPr b="0" lang="en-US" sz="3200" spc="-1" strike="noStrike">
-                <a:latin typeface="Arial"/>
-              </a:rPr>
-              <a:t>market</a:t>
-            </a:r>
-            <a:r>
-              <a:rPr b="0" lang="zh-CN" sz="3200" spc="-1" strike="noStrike">
-                <a:latin typeface="Arial"/>
-              </a:rPr>
-              <a:t>分离（</a:t>
-            </a:r>
-            <a:r>
-              <a:rPr b="0" lang="en-US" sz="3200" spc="-1" strike="noStrike">
-                <a:latin typeface="Arial"/>
-              </a:rPr>
-              <a:t>1.11.2</a:t>
-            </a:r>
-            <a:r>
-              <a:rPr b="0" lang="zh-CN" sz="3200" spc="-1" strike="noStrike">
-                <a:latin typeface="Arial"/>
-              </a:rPr>
-              <a:t>功能，官方实现）</a:t>
-            </a:r>
-            <a:endParaRPr b="0" lang="en-US" sz="3200" spc="-1" strike="noStrike">
-              <a:latin typeface="Arial"/>
-            </a:endParaRPr>
-          </a:p>
-          <a:p>
-            <a:pPr marL="432000" indent="-324000">
-              <a:spcBef>
-                <a:spcPts val="1417"/>
-              </a:spcBef>
-              <a:buClr>
-                <a:srgbClr val="000000"/>
-              </a:buClr>
-              <a:buSzPct val="45000"/>
-              <a:buFont typeface="Wingdings" charset="2"/>
-              <a:buChar char=""/>
-            </a:pPr>
-            <a:r>
-              <a:rPr b="0" lang="zh-CN" sz="3200" spc="-1" strike="noStrike">
-                <a:latin typeface="Arial"/>
-              </a:rPr>
-              <a:t>社区分布式</a:t>
-            </a:r>
-            <a:r>
-              <a:rPr b="0" lang="en-US" sz="3200" spc="-1" strike="noStrike">
-                <a:latin typeface="Arial"/>
-              </a:rPr>
-              <a:t>miner(</a:t>
-            </a:r>
-            <a:r>
-              <a:rPr b="0" lang="zh-CN" sz="3200" spc="-1" strike="noStrike">
-                <a:latin typeface="Arial"/>
-              </a:rPr>
-              <a:t>非官方实现</a:t>
-            </a:r>
-            <a:r>
-              <a:rPr b="0" lang="en-US" sz="3200" spc="-1" strike="noStrike">
-                <a:latin typeface="Arial"/>
-              </a:rPr>
-              <a:t>)</a:t>
-            </a:r>
-            <a:endParaRPr b="0" lang="en-US" sz="3200" spc="-1" strike="noStrike">
-              <a:latin typeface="Arial"/>
-            </a:endParaRPr>
-          </a:p>
-        </p:txBody>
-      </p:sp>
+      </p:pic>
     </p:spTree>
   </p:cSld>
   <mc:AlternateContent>
@@ -4289,216 +8690,29 @@
           <a:chExt cx="0" cy="0"/>
         </a:xfrm>
       </p:grpSpPr>
-      <p:sp>
-        <p:nvSpPr>
-          <p:cNvPr id="87" name="TextShape 1"/>
-          <p:cNvSpPr txBox="1"/>
+      <p:pic>
+        <p:nvPicPr>
+          <p:cNvPr id="165" name="" descr=""/>
+          <p:cNvPicPr/>
           <p:nvPr/>
-        </p:nvSpPr>
-        <p:spPr>
-          <a:xfrm>
-            <a:off x="504000" y="301320"/>
-            <a:ext cx="9071280" cy="1261800"/>
-          </a:xfrm>
-          <a:prstGeom prst="rect">
-            <a:avLst/>
-          </a:prstGeom>
-          <a:noFill/>
+        </p:nvPicPr>
+        <p:blipFill>
+          <a:blip r:embed="rId1"/>
+          <a:stretch/>
+        </p:blipFill>
+        <p:spPr>
+          <a:xfrm>
+            <a:off x="2303640" y="317880"/>
+            <a:ext cx="5546520" cy="7558920"/>
+          </a:xfrm>
+          <a:prstGeom prst="rect">
+            <a:avLst/>
+          </a:prstGeom>
           <a:ln>
             <a:noFill/>
           </a:ln>
         </p:spPr>
-        <p:txBody>
-          <a:bodyPr lIns="0" rIns="0" tIns="0" bIns="0" anchor="ctr">
-            <a:noAutofit/>
-          </a:bodyPr>
-          <a:p>
-            <a:pPr algn="ctr"/>
-            <a:r>
-              <a:rPr b="0" lang="zh-CN" sz="4400" spc="-1" strike="noStrike">
-                <a:latin typeface="Arial"/>
-              </a:rPr>
-              <a:t>集群类型和设计</a:t>
-            </a:r>
-            <a:endParaRPr b="0" lang="en-US" sz="4400" spc="-1" strike="noStrike">
-              <a:latin typeface="Arial"/>
-            </a:endParaRPr>
-          </a:p>
-        </p:txBody>
-      </p:sp>
-      <p:sp>
-        <p:nvSpPr>
-          <p:cNvPr id="88" name="TextShape 2"/>
-          <p:cNvSpPr txBox="1"/>
-          <p:nvPr/>
-        </p:nvSpPr>
-        <p:spPr>
-          <a:xfrm>
-            <a:off x="504000" y="1769040"/>
-            <a:ext cx="9071280" cy="4384080"/>
-          </a:xfrm>
-          <a:prstGeom prst="rect">
-            <a:avLst/>
-          </a:prstGeom>
-          <a:noFill/>
-          <a:ln>
-            <a:noFill/>
-          </a:ln>
-        </p:spPr>
-        <p:txBody>
-          <a:bodyPr lIns="0" rIns="0" tIns="0" bIns="0">
-            <a:normAutofit/>
-          </a:bodyPr>
-          <a:p>
-            <a:pPr marL="432000" indent="-324000">
-              <a:spcBef>
-                <a:spcPts val="1417"/>
-              </a:spcBef>
-              <a:buClr>
-                <a:srgbClr val="000000"/>
-              </a:buClr>
-              <a:buSzPct val="45000"/>
-              <a:buFont typeface="Wingdings" charset="2"/>
-              <a:buChar char=""/>
-            </a:pPr>
-            <a:r>
-              <a:rPr b="0" lang="zh-CN" sz="3200" spc="-1" strike="noStrike">
-                <a:latin typeface="Arial"/>
-              </a:rPr>
-              <a:t>小型集群（</a:t>
-            </a:r>
-            <a:r>
-              <a:rPr b="0" lang="en-US" sz="3200" spc="-1" strike="noStrike">
-                <a:latin typeface="Arial"/>
-              </a:rPr>
-              <a:t>0-2p</a:t>
-            </a:r>
-            <a:r>
-              <a:rPr b="0" lang="zh-CN" sz="3200" spc="-1" strike="noStrike">
-                <a:latin typeface="Arial"/>
-              </a:rPr>
-              <a:t>）</a:t>
-            </a:r>
-            <a:r>
-              <a:rPr b="0" lang="en-US" sz="3200" spc="-1" strike="noStrike">
-                <a:latin typeface="Arial"/>
-              </a:rPr>
-              <a:t>,</a:t>
-            </a:r>
-            <a:r>
-              <a:rPr b="0" lang="zh-CN" sz="3200" spc="-1" strike="noStrike">
-                <a:latin typeface="Arial"/>
-              </a:rPr>
-              <a:t>目前测试集群</a:t>
-            </a:r>
-            <a:endParaRPr b="0" lang="en-US" sz="3200" spc="-1" strike="noStrike">
-              <a:latin typeface="Arial"/>
-            </a:endParaRPr>
-          </a:p>
-          <a:p>
-            <a:pPr marL="432000" indent="-324000">
-              <a:spcBef>
-                <a:spcPts val="1417"/>
-              </a:spcBef>
-              <a:buClr>
-                <a:srgbClr val="000000"/>
-              </a:buClr>
-              <a:buSzPct val="45000"/>
-              <a:buFont typeface="Wingdings" charset="2"/>
-              <a:buChar char=""/>
-            </a:pPr>
-            <a:r>
-              <a:rPr b="0" lang="en-US" sz="3200" spc="-1" strike="noStrike">
-                <a:latin typeface="Arial"/>
-              </a:rPr>
-              <a:t>2</a:t>
-            </a:r>
-            <a:r>
-              <a:rPr b="0" lang="zh-CN" sz="3200" spc="-1" strike="noStrike">
-                <a:latin typeface="Arial"/>
-              </a:rPr>
-              <a:t>个</a:t>
-            </a:r>
-            <a:r>
-              <a:rPr b="0" lang="en-US" sz="3200" spc="-1" strike="noStrike">
-                <a:latin typeface="Arial"/>
-              </a:rPr>
-              <a:t>lotus,2</a:t>
-            </a:r>
-            <a:r>
-              <a:rPr b="0" lang="zh-CN" sz="3200" spc="-1" strike="noStrike">
-                <a:latin typeface="Arial"/>
-              </a:rPr>
-              <a:t>个</a:t>
-            </a:r>
-            <a:r>
-              <a:rPr b="0" lang="en-US" sz="3200" spc="-1" strike="noStrike">
-                <a:latin typeface="Arial"/>
-              </a:rPr>
-              <a:t>miner</a:t>
-            </a:r>
-            <a:endParaRPr b="0" lang="en-US" sz="3200" spc="-1" strike="noStrike">
-              <a:latin typeface="Arial"/>
-            </a:endParaRPr>
-          </a:p>
-          <a:p>
-            <a:pPr marL="432000" indent="-324000">
-              <a:spcBef>
-                <a:spcPts val="1417"/>
-              </a:spcBef>
-              <a:buClr>
-                <a:srgbClr val="000000"/>
-              </a:buClr>
-              <a:buSzPct val="45000"/>
-              <a:buFont typeface="Wingdings" charset="2"/>
-              <a:buChar char=""/>
-            </a:pPr>
-            <a:r>
-              <a:rPr b="0" lang="zh-CN" sz="3200" spc="-1" strike="noStrike">
-                <a:latin typeface="Arial"/>
-              </a:rPr>
-              <a:t>中型集群（</a:t>
-            </a:r>
-            <a:r>
-              <a:rPr b="0" lang="en-US" sz="3200" spc="-1" strike="noStrike">
-                <a:latin typeface="Arial"/>
-              </a:rPr>
-              <a:t>20p</a:t>
-            </a:r>
-            <a:r>
-              <a:rPr b="0" lang="zh-CN" sz="3200" spc="-1" strike="noStrike">
-                <a:latin typeface="Arial"/>
-              </a:rPr>
-              <a:t>以上）</a:t>
-            </a:r>
-            <a:endParaRPr b="0" lang="en-US" sz="3200" spc="-1" strike="noStrike">
-              <a:latin typeface="Arial"/>
-            </a:endParaRPr>
-          </a:p>
-          <a:p>
-            <a:pPr marL="432000" indent="-324000">
-              <a:spcBef>
-                <a:spcPts val="1417"/>
-              </a:spcBef>
-              <a:buClr>
-                <a:srgbClr val="000000"/>
-              </a:buClr>
-              <a:buSzPct val="45000"/>
-              <a:buFont typeface="Wingdings" charset="2"/>
-              <a:buChar char=""/>
-            </a:pPr>
-            <a:r>
-              <a:rPr b="0" lang="zh-CN" sz="3200" spc="-1" strike="noStrike">
-                <a:latin typeface="Arial"/>
-              </a:rPr>
-              <a:t>大型集群</a:t>
-            </a:r>
-            <a:endParaRPr b="0" lang="en-US" sz="3200" spc="-1" strike="noStrike">
-              <a:latin typeface="Arial"/>
-            </a:endParaRPr>
-          </a:p>
-        </p:txBody>
-      </p:sp>
+      </p:pic>
     </p:spTree>
   </p:cSld>
   <mc:AlternateContent>
@@ -4531,14 +8745,14 @@
       </p:grpSpPr>
       <p:sp>
         <p:nvSpPr>
-          <p:cNvPr id="89" name="TextShape 1"/>
-          <p:cNvSpPr txBox="1"/>
+          <p:cNvPr id="166" name="CustomShape 1"/>
+          <p:cNvSpPr/>
           <p:nvPr/>
         </p:nvSpPr>
         <p:spPr>
           <a:xfrm>
             <a:off x="504000" y="301320"/>
-            <a:ext cx="9071280" cy="1261800"/>
+            <a:ext cx="9070560" cy="1261080"/>
           </a:xfrm>
           <a:prstGeom prst="rect">
             <a:avLst/>
@@ -4548,17 +8762,41 @@
             <a:noFill/>
           </a:ln>
         </p:spPr>
+        <p:style>
+          <a:lnRef idx="0"/>
+          <a:fillRef idx="0"/>
+          <a:effectRef idx="0"/>
+          <a:fontRef idx="minor"/>
+        </p:style>
         <p:txBody>
           <a:bodyPr lIns="0" rIns="0" tIns="0" bIns="0" anchor="ctr">
             <a:noAutofit/>
           </a:bodyPr>
           <a:p>
-            <a:pPr algn="ctr"/>
+            <a:pPr algn="ctr">
+              <a:lnSpc>
+                <a:spcPct val="100000"/>
+              </a:lnSpc>
+            </a:pPr>
+            <a:r>
+              <a:rPr b="0" lang="en-US" sz="4400" spc="-1" strike="noStrike">
+                <a:solidFill>
+                  <a:srgbClr val="000000"/>
+                </a:solidFill>
+                <a:latin typeface="Arial"/>
+                <a:ea typeface="DejaVu Sans"/>
+              </a:rPr>
+              <a:t>Filecoin</a:t>
+            </a:r>
             <a:r>
               <a:rPr b="0" lang="zh-CN" sz="4400" spc="-1" strike="noStrike">
-                <a:latin typeface="Arial"/>
-              </a:rPr>
-              <a:t>存储方案</a:t>
+                <a:solidFill>
+                  <a:srgbClr val="000000"/>
+                </a:solidFill>
+                <a:latin typeface="Arial"/>
+                <a:ea typeface="DejaVu Sans"/>
+              </a:rPr>
+              <a:t>程序组成</a:t>
             </a:r>
             <a:endParaRPr b="0" lang="en-US" sz="4400" spc="-1" strike="noStrike">
               <a:latin typeface="Arial"/>
@@ -4568,14 +8806,14 @@
       </p:sp>
       <p:sp>
         <p:nvSpPr>
-          <p:cNvPr id="90" name="TextShape 2"/>
-          <p:cNvSpPr txBox="1"/>
+          <p:cNvPr id="167" name="CustomShape 2"/>
+          <p:cNvSpPr/>
           <p:nvPr/>
         </p:nvSpPr>
         <p:spPr>
           <a:xfrm>
             <a:off x="504000" y="1769040"/>
-            <a:ext cx="9071280" cy="4384080"/>
+            <a:ext cx="9070560" cy="4383360"/>
           </a:xfrm>
           <a:prstGeom prst="rect">
             <a:avLst/>
@@ -4585,12 +8823,21 @@
             <a:noFill/>
           </a:ln>
         </p:spPr>
+        <p:style>
+          <a:lnRef idx="0"/>
+          <a:fillRef idx="0"/>
+          <a:effectRef idx="0"/>
+          <a:fontRef idx="minor"/>
+        </p:style>
         <p:txBody>
           <a:bodyPr lIns="0" rIns="0" tIns="0" bIns="0">
             <a:normAutofit/>
           </a:bodyPr>
           <a:p>
-            <a:pPr marL="432000" indent="-324000">
+            <a:pPr marL="432000" indent="-323280">
+              <a:lnSpc>
+                <a:spcPct val="100000"/>
+              </a:lnSpc>
               <a:spcBef>
                 <a:spcPts val="1417"/>
               </a:spcBef>
@@ -4602,35 +8849,64 @@
               <a:buChar char=""/>
             </a:pPr>
             <a:r>
+              <a:rPr b="0" lang="zh-CN" sz="3200" spc="-1" strike="noStrike">
+                <a:solidFill>
+                  <a:srgbClr val="000000"/>
+                </a:solidFill>
+                <a:latin typeface="Arial"/>
+                <a:ea typeface="DejaVu Sans"/>
+              </a:rPr>
+              <a:t>开发语言（</a:t>
+            </a:r>
+            <a:r>
               <a:rPr b="0" lang="en-US" sz="3200" spc="-1" strike="noStrike">
-                <a:latin typeface="Arial"/>
-              </a:rPr>
-              <a:t>NFS</a:t>
+                <a:solidFill>
+                  <a:srgbClr val="000000"/>
+                </a:solidFill>
+                <a:latin typeface="Arial"/>
+                <a:ea typeface="DejaVu Sans"/>
+              </a:rPr>
+              <a:t>lotus -&gt; go</a:t>
             </a:r>
             <a:r>
               <a:rPr b="0" lang="zh-CN" sz="3200" spc="-1" strike="noStrike">
-                <a:latin typeface="Arial"/>
-              </a:rPr>
-              <a:t>（搭载</a:t>
+                <a:solidFill>
+                  <a:srgbClr val="000000"/>
+                </a:solidFill>
+                <a:latin typeface="Arial"/>
+                <a:ea typeface="DejaVu Sans"/>
+              </a:rPr>
+              <a:t>和</a:t>
             </a:r>
             <a:r>
               <a:rPr b="0" lang="en-US" sz="3200" spc="-1" strike="noStrike">
-                <a:latin typeface="Arial"/>
-              </a:rPr>
-              <a:t>RAID, ZFS, LVM </a:t>
+                <a:solidFill>
+                  <a:srgbClr val="000000"/>
+                </a:solidFill>
+                <a:latin typeface="Arial"/>
+                <a:ea typeface="DejaVu Sans"/>
+              </a:rPr>
+              <a:t>rust</a:t>
             </a:r>
             <a:r>
               <a:rPr b="0" lang="zh-CN" sz="3200" spc="-1" strike="noStrike">
-                <a:latin typeface="Arial"/>
-              </a:rPr>
-              <a:t>等）</a:t>
-            </a:r>
-            <a:endParaRPr b="0" lang="en-US" sz="3200" spc="-1" strike="noStrike">
-              <a:latin typeface="Arial"/>
-            </a:endParaRPr>
-          </a:p>
-          <a:p>
-            <a:pPr marL="432000" indent="-324000">
+                <a:solidFill>
+                  <a:srgbClr val="000000"/>
+                </a:solidFill>
+                <a:latin typeface="Arial"/>
+                <a:ea typeface="DejaVu Sans"/>
+              </a:rPr>
+              <a:t>）</a:t>
+            </a:r>
+            <a:endParaRPr b="0" lang="en-US" sz="3200" spc="-1" strike="noStrike">
+              <a:latin typeface="Arial"/>
+            </a:endParaRPr>
+          </a:p>
+          <a:p>
+            <a:pPr marL="432000" indent="-323280">
+              <a:lnSpc>
+                <a:spcPct val="100000"/>
+              </a:lnSpc>
               <a:spcBef>
                 <a:spcPts val="1417"/>
               </a:spcBef>
@@ -4642,35 +8918,34 @@
               <a:buChar char=""/>
             </a:pPr>
             <a:r>
+              <a:rPr b="0" lang="en-US" sz="3200" spc="-1" strike="noStrike">
+                <a:solidFill>
+                  <a:srgbClr val="000000"/>
+                </a:solidFill>
+                <a:latin typeface="Arial"/>
+                <a:ea typeface="DejaVu Sans"/>
+              </a:rPr>
+              <a:t>lotus</a:t>
+            </a:r>
+            <a:r>
               <a:rPr b="0" lang="zh-CN" sz="3200" spc="-1" strike="noStrike">
-                <a:latin typeface="Arial"/>
-              </a:rPr>
-              <a:t>分布式存储（</a:t>
-            </a:r>
-            <a:r>
-              <a:rPr b="0" lang="en-US" sz="3200" spc="-1" strike="noStrike">
-                <a:latin typeface="Arial"/>
-              </a:rPr>
-              <a:t>Ceph, GFS, GlusterFS</a:t>
-            </a:r>
-            <a:r>
-              <a:rPr b="0" lang="zh-CN" sz="3200" spc="-1" strike="noStrike">
-                <a:latin typeface="Arial"/>
-              </a:rPr>
-              <a:t>）</a:t>
-            </a:r>
-            <a:r>
-              <a:rPr b="0" lang="en-US" sz="3200" spc="-1" strike="noStrike">
-                <a:latin typeface="Arial"/>
-              </a:rPr>
-              <a:t>3-10p</a:t>
-            </a:r>
-            <a:endParaRPr b="0" lang="en-US" sz="3200" spc="-1" strike="noStrike">
-              <a:latin typeface="Arial"/>
-            </a:endParaRPr>
-          </a:p>
-          <a:p>
-            <a:pPr marL="432000" indent="-324000">
+                <a:solidFill>
+                  <a:srgbClr val="000000"/>
+                </a:solidFill>
+                <a:latin typeface="Arial"/>
+                <a:ea typeface="DejaVu Sans"/>
+              </a:rPr>
+              <a:t>节点：钱包，同步账本</a:t>
+            </a:r>
+            <a:endParaRPr b="0" lang="en-US" sz="3200" spc="-1" strike="noStrike">
+              <a:latin typeface="Arial"/>
+            </a:endParaRPr>
+          </a:p>
+          <a:p>
+            <a:pPr marL="432000" indent="-323280">
+              <a:lnSpc>
+                <a:spcPct val="100000"/>
+              </a:lnSpc>
               <a:spcBef>
                 <a:spcPts val="1417"/>
               </a:spcBef>
@@ -4682,10 +8957,181 @@
               <a:buChar char=""/>
             </a:pPr>
             <a:r>
+              <a:rPr b="0" lang="en-US" sz="3200" spc="-1" strike="noStrike">
+                <a:solidFill>
+                  <a:srgbClr val="000000"/>
+                </a:solidFill>
+                <a:latin typeface="Arial"/>
+                <a:ea typeface="DejaVu Sans"/>
+              </a:rPr>
+              <a:t>miner</a:t>
+            </a:r>
+            <a:r>
               <a:rPr b="0" lang="zh-CN" sz="3200" spc="-1" strike="noStrike">
-                <a:latin typeface="Arial"/>
-              </a:rPr>
-              <a:t>商业存储（七牛云）</a:t>
+                <a:solidFill>
+                  <a:srgbClr val="000000"/>
+                </a:solidFill>
+                <a:latin typeface="Arial"/>
+                <a:ea typeface="DejaVu Sans"/>
+              </a:rPr>
+              <a:t>节点</a:t>
+            </a:r>
+            <a:endParaRPr b="0" lang="en-US" sz="3200" spc="-1" strike="noStrike">
+              <a:latin typeface="Arial"/>
+            </a:endParaRPr>
+          </a:p>
+          <a:p>
+            <a:pPr marL="432000" indent="-323280">
+              <a:lnSpc>
+                <a:spcPct val="100000"/>
+              </a:lnSpc>
+              <a:spcBef>
+                <a:spcPts val="1417"/>
+              </a:spcBef>
+              <a:buClr>
+                <a:srgbClr val="000000"/>
+              </a:buClr>
+              <a:buSzPct val="45000"/>
+              <a:buFont typeface="Wingdings" charset="2"/>
+              <a:buChar char=""/>
+            </a:pPr>
+            <a:r>
+              <a:rPr b="0" lang="en-US" sz="3200" spc="-1" strike="noStrike">
+                <a:solidFill>
+                  <a:srgbClr val="000000"/>
+                </a:solidFill>
+                <a:latin typeface="Arial"/>
+                <a:ea typeface="DejaVu Sans"/>
+              </a:rPr>
+              <a:t>worker</a:t>
+            </a:r>
+            <a:r>
+              <a:rPr b="0" lang="zh-CN" sz="3200" spc="-1" strike="noStrike">
+                <a:solidFill>
+                  <a:srgbClr val="000000"/>
+                </a:solidFill>
+                <a:latin typeface="Arial"/>
+                <a:ea typeface="DejaVu Sans"/>
+              </a:rPr>
+              <a:t>节点</a:t>
+            </a:r>
+            <a:endParaRPr b="0" lang="en-US" sz="3200" spc="-1" strike="noStrike">
+              <a:latin typeface="Arial"/>
+            </a:endParaRPr>
+          </a:p>
+          <a:p>
+            <a:pPr marL="432000" indent="-323280">
+              <a:lnSpc>
+                <a:spcPct val="100000"/>
+              </a:lnSpc>
+              <a:spcBef>
+                <a:spcPts val="1417"/>
+              </a:spcBef>
+              <a:buClr>
+                <a:srgbClr val="000000"/>
+              </a:buClr>
+              <a:buSzPct val="45000"/>
+              <a:buFont typeface="Wingdings" charset="2"/>
+              <a:buChar char=""/>
+            </a:pPr>
+            <a:r>
+              <a:rPr b="0" lang="en-US" sz="3200" spc="-1" strike="noStrike">
+                <a:solidFill>
+                  <a:srgbClr val="000000"/>
+                </a:solidFill>
+                <a:latin typeface="Arial"/>
+                <a:ea typeface="DejaVu Sans"/>
+              </a:rPr>
+              <a:t>market</a:t>
+            </a:r>
+            <a:r>
+              <a:rPr b="0" lang="zh-CN" sz="3200" spc="-1" strike="noStrike">
+                <a:solidFill>
+                  <a:srgbClr val="000000"/>
+                </a:solidFill>
+                <a:latin typeface="Arial"/>
+                <a:ea typeface="DejaVu Sans"/>
+              </a:rPr>
+              <a:t>分离（</a:t>
+            </a:r>
+            <a:r>
+              <a:rPr b="0" lang="en-US" sz="3200" spc="-1" strike="noStrike">
+                <a:solidFill>
+                  <a:srgbClr val="000000"/>
+                </a:solidFill>
+                <a:latin typeface="Arial"/>
+                <a:ea typeface="DejaVu Sans"/>
+              </a:rPr>
+              <a:t>1.11.2</a:t>
+            </a:r>
+            <a:r>
+              <a:rPr b="0" lang="zh-CN" sz="3200" spc="-1" strike="noStrike">
+                <a:solidFill>
+                  <a:srgbClr val="000000"/>
+                </a:solidFill>
+                <a:latin typeface="Arial"/>
+                <a:ea typeface="DejaVu Sans"/>
+              </a:rPr>
+              <a:t>功能，官方实现）</a:t>
+            </a:r>
+            <a:endParaRPr b="0" lang="en-US" sz="3200" spc="-1" strike="noStrike">
+              <a:latin typeface="Arial"/>
+            </a:endParaRPr>
+          </a:p>
+          <a:p>
+            <a:pPr marL="432000" indent="-323280">
+              <a:lnSpc>
+                <a:spcPct val="100000"/>
+              </a:lnSpc>
+              <a:spcBef>
+                <a:spcPts val="1417"/>
+              </a:spcBef>
+              <a:buClr>
+                <a:srgbClr val="000000"/>
+              </a:buClr>
+              <a:buSzPct val="45000"/>
+              <a:buFont typeface="Wingdings" charset="2"/>
+              <a:buChar char=""/>
+            </a:pPr>
+            <a:r>
+              <a:rPr b="0" lang="zh-CN" sz="3200" spc="-1" strike="noStrike">
+                <a:solidFill>
+                  <a:srgbClr val="000000"/>
+                </a:solidFill>
+                <a:latin typeface="Arial"/>
+                <a:ea typeface="DejaVu Sans"/>
+              </a:rPr>
+              <a:t>社区分布式</a:t>
+            </a:r>
+            <a:r>
+              <a:rPr b="0" lang="en-US" sz="3200" spc="-1" strike="noStrike">
+                <a:solidFill>
+                  <a:srgbClr val="000000"/>
+                </a:solidFill>
+                <a:latin typeface="Arial"/>
+                <a:ea typeface="DejaVu Sans"/>
+              </a:rPr>
+              <a:t>miner(</a:t>
+            </a:r>
+            <a:r>
+              <a:rPr b="0" lang="zh-CN" sz="3200" spc="-1" strike="noStrike">
+                <a:solidFill>
+                  <a:srgbClr val="000000"/>
+                </a:solidFill>
+                <a:latin typeface="Arial"/>
+                <a:ea typeface="DejaVu Sans"/>
+              </a:rPr>
+              <a:t>非官方实现</a:t>
+            </a:r>
+            <a:r>
+              <a:rPr b="0" lang="en-US" sz="3200" spc="-1" strike="noStrike">
+                <a:solidFill>
+                  <a:srgbClr val="000000"/>
+                </a:solidFill>
+                <a:latin typeface="Arial"/>
+                <a:ea typeface="DejaVu Sans"/>
+              </a:rPr>
+              <a:t>)</a:t>
             </a:r>
             <a:endParaRPr b="0" lang="en-US" sz="3200" spc="-1" strike="noStrike">
               <a:latin typeface="Arial"/>
@@ -4725,14 +9171,14 @@
       </p:grpSpPr>
       <p:sp>
         <p:nvSpPr>
-          <p:cNvPr id="91" name="TextShape 1"/>
-          <p:cNvSpPr txBox="1"/>
+          <p:cNvPr id="168" name="CustomShape 1"/>
+          <p:cNvSpPr/>
           <p:nvPr/>
         </p:nvSpPr>
         <p:spPr>
           <a:xfrm>
             <a:off x="504000" y="301320"/>
-            <a:ext cx="9071280" cy="1261800"/>
+            <a:ext cx="9070560" cy="1261080"/>
           </a:xfrm>
           <a:prstGeom prst="rect">
             <a:avLst/>
@@ -4742,17 +9188,31 @@
             <a:noFill/>
           </a:ln>
         </p:spPr>
+        <p:style>
+          <a:lnRef idx="0"/>
+          <a:fillRef idx="0"/>
+          <a:effectRef idx="0"/>
+          <a:fontRef idx="minor"/>
+        </p:style>
         <p:txBody>
           <a:bodyPr lIns="0" rIns="0" tIns="0" bIns="0" anchor="ctr">
             <a:noAutofit/>
           </a:bodyPr>
           <a:p>
-            <a:pPr algn="ctr"/>
+            <a:pPr algn="ctr">
+              <a:lnSpc>
+                <a:spcPct val="100000"/>
+              </a:lnSpc>
+            </a:pPr>
             <a:r>
               <a:rPr b="0" lang="zh-CN" sz="4400" spc="-1" strike="noStrike">
-                <a:latin typeface="Arial"/>
-              </a:rPr>
-              <a:t>核心优化点</a:t>
+                <a:solidFill>
+                  <a:srgbClr val="000000"/>
+                </a:solidFill>
+                <a:latin typeface="Arial"/>
+                <a:ea typeface="DejaVu Sans"/>
+              </a:rPr>
+              <a:t>集群类型和设计</a:t>
             </a:r>
             <a:endParaRPr b="0" lang="en-US" sz="4400" spc="-1" strike="noStrike">
               <a:latin typeface="Arial"/>
@@ -4762,14 +9222,14 @@
       </p:sp>
       <p:sp>
         <p:nvSpPr>
-          <p:cNvPr id="92" name="TextShape 2"/>
-          <p:cNvSpPr txBox="1"/>
+          <p:cNvPr id="169" name="CustomShape 2"/>
+          <p:cNvSpPr/>
           <p:nvPr/>
         </p:nvSpPr>
         <p:spPr>
           <a:xfrm>
             <a:off x="504000" y="1769040"/>
-            <a:ext cx="9071280" cy="4384080"/>
+            <a:ext cx="9070560" cy="4383360"/>
           </a:xfrm>
           <a:prstGeom prst="rect">
             <a:avLst/>
@@ -4779,12 +9239,21 @@
             <a:noFill/>
           </a:ln>
         </p:spPr>
+        <p:style>
+          <a:lnRef idx="0"/>
+          <a:fillRef idx="0"/>
+          <a:effectRef idx="0"/>
+          <a:fontRef idx="minor"/>
+        </p:style>
         <p:txBody>
           <a:bodyPr lIns="0" rIns="0" tIns="0" bIns="0">
-            <a:normAutofit fontScale="27000"/>
-          </a:bodyPr>
-          <a:p>
-            <a:pPr marL="432000" indent="-324000">
+            <a:normAutofit/>
+          </a:bodyPr>
+          <a:p>
+            <a:pPr marL="432000" indent="-323280">
+              <a:lnSpc>
+                <a:spcPct val="100000"/>
+              </a:lnSpc>
               <a:spcBef>
                 <a:spcPts val="1417"/>
               </a:spcBef>
@@ -4797,16 +9266,63 @@
             </a:pPr>
             <a:r>
               <a:rPr b="0" lang="zh-CN" sz="3200" spc="-1" strike="noStrike">
-                <a:latin typeface="Arial"/>
-              </a:rPr>
-              <a:t>简介：核心优化点可以概括为密封和幸运值优化</a:t>
-            </a:r>
-            <a:endParaRPr b="0" lang="en-US" sz="3200" spc="-1" strike="noStrike">
-              <a:latin typeface="Arial"/>
-            </a:endParaRPr>
-          </a:p>
-          <a:p>
-            <a:pPr marL="432000" indent="-324000">
+                <a:solidFill>
+                  <a:srgbClr val="000000"/>
+                </a:solidFill>
+                <a:latin typeface="Arial"/>
+                <a:ea typeface="DejaVu Sans"/>
+              </a:rPr>
+              <a:t>小型集群（</a:t>
+            </a:r>
+            <a:r>
+              <a:rPr b="0" lang="en-US" sz="3200" spc="-1" strike="noStrike">
+                <a:solidFill>
+                  <a:srgbClr val="000000"/>
+                </a:solidFill>
+                <a:latin typeface="Arial"/>
+                <a:ea typeface="DejaVu Sans"/>
+              </a:rPr>
+              <a:t>0-2p</a:t>
+            </a:r>
+            <a:r>
+              <a:rPr b="0" lang="zh-CN" sz="3200" spc="-1" strike="noStrike">
+                <a:solidFill>
+                  <a:srgbClr val="000000"/>
+                </a:solidFill>
+                <a:latin typeface="Arial"/>
+                <a:ea typeface="DejaVu Sans"/>
+              </a:rPr>
+              <a:t>）</a:t>
+            </a:r>
+            <a:r>
+              <a:rPr b="0" lang="en-US" sz="3200" spc="-1" strike="noStrike">
+                <a:solidFill>
+                  <a:srgbClr val="000000"/>
+                </a:solidFill>
+                <a:latin typeface="Arial"/>
+                <a:ea typeface="DejaVu Sans"/>
+              </a:rPr>
+              <a:t>,</a:t>
+            </a:r>
+            <a:r>
+              <a:rPr b="0" lang="zh-CN" sz="3200" spc="-1" strike="noStrike">
+                <a:solidFill>
+                  <a:srgbClr val="000000"/>
+                </a:solidFill>
+                <a:latin typeface="Arial"/>
+                <a:ea typeface="DejaVu Sans"/>
+              </a:rPr>
+              <a:t>目前测试集群</a:t>
+            </a:r>
+            <a:endParaRPr b="0" lang="en-US" sz="3200" spc="-1" strike="noStrike">
+              <a:latin typeface="Arial"/>
+            </a:endParaRPr>
+          </a:p>
+          <a:p>
+            <a:pPr marL="432000" indent="-323280">
+              <a:lnSpc>
+                <a:spcPct val="100000"/>
+              </a:lnSpc>
               <a:spcBef>
                 <a:spcPts val="1417"/>
               </a:spcBef>
@@ -4818,17 +9334,64 @@
               <a:buChar char=""/>
             </a:pPr>
             <a:r>
+              <a:rPr b="0" lang="en-US" sz="3200" spc="-1" strike="noStrike">
+                <a:solidFill>
+                  <a:srgbClr val="000000"/>
+                </a:solidFill>
+                <a:latin typeface="Arial"/>
+                <a:ea typeface="DejaVu Sans"/>
+              </a:rPr>
+              <a:t>2</a:t>
+            </a:r>
+            <a:r>
               <a:rPr b="0" lang="zh-CN" sz="3200" spc="-1" strike="noStrike">
-                <a:latin typeface="Arial"/>
-              </a:rPr>
-              <a:t>密封</a:t>
-            </a:r>
-            <a:endParaRPr b="0" lang="en-US" sz="3200" spc="-1" strike="noStrike">
-              <a:latin typeface="Arial"/>
-            </a:endParaRPr>
-          </a:p>
-          <a:p>
-            <a:pPr marL="432000" indent="-324000">
+                <a:solidFill>
+                  <a:srgbClr val="000000"/>
+                </a:solidFill>
+                <a:latin typeface="Arial"/>
+                <a:ea typeface="DejaVu Sans"/>
+              </a:rPr>
+              <a:t>个</a:t>
+            </a:r>
+            <a:r>
+              <a:rPr b="0" lang="en-US" sz="3200" spc="-1" strike="noStrike">
+                <a:solidFill>
+                  <a:srgbClr val="000000"/>
+                </a:solidFill>
+                <a:latin typeface="Arial"/>
+                <a:ea typeface="DejaVu Sans"/>
+              </a:rPr>
+              <a:t>lotus,2</a:t>
+            </a:r>
+            <a:r>
+              <a:rPr b="0" lang="zh-CN" sz="3200" spc="-1" strike="noStrike">
+                <a:solidFill>
+                  <a:srgbClr val="000000"/>
+                </a:solidFill>
+                <a:latin typeface="Arial"/>
+                <a:ea typeface="DejaVu Sans"/>
+              </a:rPr>
+              <a:t>个</a:t>
+            </a:r>
+            <a:r>
+              <a:rPr b="0" lang="en-US" sz="3200" spc="-1" strike="noStrike">
+                <a:solidFill>
+                  <a:srgbClr val="000000"/>
+                </a:solidFill>
+                <a:latin typeface="Arial"/>
+                <a:ea typeface="DejaVu Sans"/>
+              </a:rPr>
+              <a:t>miner</a:t>
+            </a:r>
+            <a:endParaRPr b="0" lang="en-US" sz="3200" spc="-1" strike="noStrike">
+              <a:latin typeface="Arial"/>
+            </a:endParaRPr>
+          </a:p>
+          <a:p>
+            <a:pPr marL="432000" indent="-323280">
+              <a:lnSpc>
+                <a:spcPct val="100000"/>
+              </a:lnSpc>
               <a:spcBef>
                 <a:spcPts val="1417"/>
               </a:spcBef>
@@ -4840,23 +9403,44 @@
               <a:buChar char=""/>
             </a:pPr>
             <a:r>
+              <a:rPr b="0" lang="zh-CN" sz="3200" spc="-1" strike="noStrike">
+                <a:solidFill>
+                  <a:srgbClr val="000000"/>
+                </a:solidFill>
+                <a:latin typeface="Arial"/>
+                <a:ea typeface="DejaVu Sans"/>
+              </a:rPr>
+              <a:t>中型集群（</a:t>
+            </a:r>
+            <a:r>
               <a:rPr b="0" lang="en-US" sz="3200" spc="-1" strike="noStrike">
-                <a:latin typeface="Arial"/>
-              </a:rPr>
-              <a:t>1.</a:t>
+                <a:solidFill>
+                  <a:srgbClr val="000000"/>
+                </a:solidFill>
+                <a:latin typeface="Arial"/>
+                <a:ea typeface="DejaVu Sans"/>
+              </a:rPr>
+              <a:t>20p</a:t>
             </a:r>
             <a:r>
               <a:rPr b="0" lang="zh-CN" sz="3200" spc="-1" strike="noStrike">
-                <a:latin typeface="Arial"/>
-              </a:rPr>
-              <a:t>调度算法</a:t>
-            </a:r>
-            <a:endParaRPr b="0" lang="en-US" sz="3200" spc="-1" strike="noStrike">
-              <a:latin typeface="Arial"/>
-            </a:endParaRPr>
-          </a:p>
-          <a:p>
-            <a:pPr marL="432000" indent="-324000">
+                <a:solidFill>
+                  <a:srgbClr val="000000"/>
+                </a:solidFill>
+                <a:latin typeface="Arial"/>
+                <a:ea typeface="DejaVu Sans"/>
+              </a:rPr>
+              <a:t>以上）</a:t>
+            </a:r>
+            <a:endParaRPr b="0" lang="en-US" sz="3200" spc="-1" strike="noStrike">
+              <a:latin typeface="Arial"/>
+            </a:endParaRPr>
+          </a:p>
+          <a:p>
+            <a:pPr marL="432000" indent="-323280">
+              <a:lnSpc>
+                <a:spcPct val="100000"/>
+              </a:lnSpc>
               <a:spcBef>
                 <a:spcPts val="1417"/>
               </a:spcBef>
@@ -4868,306 +9452,14 @@
               <a:buChar char=""/>
             </a:pPr>
             <a:r>
-              <a:rPr b="0" lang="en-US" sz="3200" spc="-1" strike="noStrike">
-                <a:latin typeface="Arial"/>
-              </a:rPr>
-              <a:t>2. </a:t>
-            </a:r>
-            <a:r>
               <a:rPr b="0" lang="zh-CN" sz="3200" spc="-1" strike="noStrike">
-                <a:latin typeface="Arial"/>
-              </a:rPr>
-              <a:t>异构设计（多卡机）</a:t>
-            </a:r>
-            <a:endParaRPr b="0" lang="en-US" sz="3200" spc="-1" strike="noStrike">
-              <a:latin typeface="Arial"/>
-            </a:endParaRPr>
-          </a:p>
-          <a:p>
-            <a:pPr marL="432000" indent="-324000">
-              <a:spcBef>
-                <a:spcPts val="1417"/>
-              </a:spcBef>
-              <a:buClr>
-                <a:srgbClr val="000000"/>
-              </a:buClr>
-              <a:buSzPct val="45000"/>
-              <a:buFont typeface="Wingdings" charset="2"/>
-              <a:buChar char=""/>
-            </a:pPr>
-            <a:r>
-              <a:rPr b="0" lang="en-US" sz="3200" spc="-1" strike="noStrike">
-                <a:latin typeface="Arial"/>
-              </a:rPr>
-              <a:t>3. P1</a:t>
-            </a:r>
-            <a:r>
-              <a:rPr b="0" lang="zh-CN" sz="3200" spc="-1" strike="noStrike">
-                <a:latin typeface="Arial"/>
-              </a:rPr>
-              <a:t>和</a:t>
-            </a:r>
-            <a:r>
-              <a:rPr b="0" lang="en-US" sz="3200" spc="-1" strike="noStrike">
-                <a:latin typeface="Arial"/>
-              </a:rPr>
-              <a:t>C2</a:t>
-            </a:r>
-            <a:r>
-              <a:rPr b="0" lang="zh-CN" sz="3200" spc="-1" strike="noStrike">
-                <a:latin typeface="Arial"/>
-              </a:rPr>
-              <a:t>算法</a:t>
-            </a:r>
-            <a:endParaRPr b="0" lang="en-US" sz="3200" spc="-1" strike="noStrike">
-              <a:latin typeface="Arial"/>
-            </a:endParaRPr>
-          </a:p>
-          <a:p>
-            <a:pPr marL="432000" indent="-324000">
-              <a:spcBef>
-                <a:spcPts val="1417"/>
-              </a:spcBef>
-              <a:buClr>
-                <a:srgbClr val="000000"/>
-              </a:buClr>
-              <a:buSzPct val="45000"/>
-              <a:buFont typeface="Wingdings" charset="2"/>
-              <a:buChar char=""/>
-            </a:pPr>
-            <a:r>
-              <a:rPr b="0" lang="en-US" sz="3200" spc="-1" strike="noStrike">
-                <a:latin typeface="Arial"/>
-              </a:rPr>
-              <a:t>4.</a:t>
-            </a:r>
-            <a:r>
-              <a:rPr b="0" lang="zh-CN" sz="3200" spc="-1" strike="noStrike">
-                <a:latin typeface="Arial"/>
-              </a:rPr>
-              <a:t>扇区修复</a:t>
-            </a:r>
-            <a:endParaRPr b="0" lang="en-US" sz="3200" spc="-1" strike="noStrike">
-              <a:latin typeface="Arial"/>
-            </a:endParaRPr>
-          </a:p>
-          <a:p>
-            <a:pPr marL="432000" indent="-324000">
-              <a:spcBef>
-                <a:spcPts val="1417"/>
-              </a:spcBef>
-              <a:buClr>
-                <a:srgbClr val="000000"/>
-              </a:buClr>
-              <a:buSzPct val="45000"/>
-              <a:buFont typeface="Wingdings" charset="2"/>
-              <a:buChar char=""/>
-            </a:pPr>
-            <a:r>
-              <a:rPr b="0" lang="zh-CN" sz="3200" spc="-1" strike="noStrike">
-                <a:latin typeface="Arial"/>
-              </a:rPr>
-              <a:t>幸运值</a:t>
-            </a:r>
-            <a:r>
-              <a:rPr b="0" lang="en-US" sz="3200" spc="-1" strike="noStrike">
-                <a:latin typeface="Arial"/>
-              </a:rPr>
-              <a:t>:</a:t>
-            </a:r>
-            <a:r>
-              <a:rPr b="0" lang="zh-CN" sz="3200" spc="-1" strike="noStrike">
-                <a:latin typeface="Arial"/>
-              </a:rPr>
-              <a:t>实际挖到的块</a:t>
-            </a:r>
-            <a:r>
-              <a:rPr b="0" lang="en-US" sz="3200" spc="-1" strike="noStrike">
-                <a:latin typeface="Arial"/>
-              </a:rPr>
-              <a:t>/</a:t>
-            </a:r>
-            <a:r>
-              <a:rPr b="0" lang="zh-CN" sz="3200" spc="-1" strike="noStrike">
-                <a:latin typeface="Arial"/>
-              </a:rPr>
-              <a:t>理论挖到的块</a:t>
-            </a:r>
-            <a:endParaRPr b="0" lang="en-US" sz="3200" spc="-1" strike="noStrike">
-              <a:latin typeface="Arial"/>
-            </a:endParaRPr>
-          </a:p>
-          <a:p>
-            <a:pPr marL="432000" indent="-324000">
-              <a:spcBef>
-                <a:spcPts val="1417"/>
-              </a:spcBef>
-              <a:buClr>
-                <a:srgbClr val="000000"/>
-              </a:buClr>
-              <a:buSzPct val="45000"/>
-              <a:buFont typeface="Wingdings" charset="2"/>
-              <a:buChar char=""/>
-            </a:pPr>
-            <a:r>
-              <a:rPr b="0" lang="en-US" sz="3200" spc="-1" strike="noStrike">
-                <a:latin typeface="Arial"/>
-              </a:rPr>
-              <a:t>1.</a:t>
-            </a:r>
-            <a:r>
-              <a:rPr b="0" lang="zh-CN" sz="3200" spc="-1" strike="noStrike">
-                <a:latin typeface="Arial"/>
-              </a:rPr>
-              <a:t>网络：确保节点的计算结果第一时间被广播到</a:t>
-            </a:r>
-            <a:r>
-              <a:rPr b="0" lang="en-US" sz="3200" spc="-1" strike="noStrike">
-                <a:latin typeface="Arial"/>
-              </a:rPr>
-              <a:t>Filecoin</a:t>
-            </a:r>
-            <a:r>
-              <a:rPr b="0" lang="zh-CN" sz="3200" spc="-1" strike="noStrike">
-                <a:latin typeface="Arial"/>
-              </a:rPr>
-              <a:t>网络上</a:t>
-            </a:r>
-            <a:endParaRPr b="0" lang="en-US" sz="3200" spc="-1" strike="noStrike">
-              <a:latin typeface="Arial"/>
-            </a:endParaRPr>
-          </a:p>
-          <a:p>
-            <a:pPr marL="432000" indent="-324000">
-              <a:spcBef>
-                <a:spcPts val="1417"/>
-              </a:spcBef>
-              <a:buClr>
-                <a:srgbClr val="000000"/>
-              </a:buClr>
-              <a:buSzPct val="45000"/>
-              <a:buFont typeface="Wingdings" charset="2"/>
-              <a:buChar char=""/>
-            </a:pPr>
-            <a:r>
-              <a:rPr b="0" lang="en-US" sz="3200" spc="-1" strike="noStrike">
-                <a:latin typeface="Arial"/>
-              </a:rPr>
-              <a:t>    </a:t>
-            </a:r>
-            <a:r>
-              <a:rPr b="0" lang="en-US" sz="3200" spc="-1" strike="noStrike">
-                <a:latin typeface="Arial"/>
-              </a:rPr>
-              <a:t>lotus</a:t>
-            </a:r>
-            <a:r>
-              <a:rPr b="0" lang="zh-CN" sz="3200" spc="-1" strike="noStrike">
-                <a:latin typeface="Arial"/>
-              </a:rPr>
-              <a:t>节点配国际专线，避免消息池堵塞</a:t>
-            </a:r>
-            <a:endParaRPr b="0" lang="en-US" sz="3200" spc="-1" strike="noStrike">
-              <a:latin typeface="Arial"/>
-            </a:endParaRPr>
-          </a:p>
-          <a:p>
-            <a:pPr marL="432000" indent="-324000">
-              <a:spcBef>
-                <a:spcPts val="1417"/>
-              </a:spcBef>
-              <a:buClr>
-                <a:srgbClr val="000000"/>
-              </a:buClr>
-              <a:buSzPct val="45000"/>
-              <a:buFont typeface="Wingdings" charset="2"/>
-              <a:buChar char=""/>
-            </a:pPr>
-            <a:r>
-              <a:rPr b="0" lang="en-US" sz="3200" spc="-1" strike="noStrike">
-                <a:latin typeface="Arial"/>
-              </a:rPr>
-              <a:t>2.</a:t>
-            </a:r>
-            <a:r>
-              <a:rPr b="0" lang="zh-CN" sz="3200" spc="-1" strike="noStrike">
-                <a:latin typeface="Arial"/>
-              </a:rPr>
-              <a:t>存储：优秀的存储读写速度，获得出块权后，需要抽取扇区数据。</a:t>
-            </a:r>
-            <a:endParaRPr b="0" lang="en-US" sz="3200" spc="-1" strike="noStrike">
-              <a:latin typeface="Arial"/>
-            </a:endParaRPr>
-          </a:p>
-          <a:p>
-            <a:pPr marL="432000" indent="-324000">
-              <a:spcBef>
-                <a:spcPts val="1417"/>
-              </a:spcBef>
-              <a:buClr>
-                <a:srgbClr val="000000"/>
-              </a:buClr>
-              <a:buSzPct val="45000"/>
-              <a:buFont typeface="Wingdings" charset="2"/>
-              <a:buChar char=""/>
-            </a:pPr>
-            <a:r>
-              <a:rPr b="0" lang="en-US" sz="3200" spc="-1" strike="noStrike">
-                <a:latin typeface="Arial"/>
-              </a:rPr>
-              <a:t>3.</a:t>
-            </a:r>
-            <a:r>
-              <a:rPr b="0" lang="zh-CN" sz="3200" spc="-1" strike="noStrike">
-                <a:latin typeface="Arial"/>
-              </a:rPr>
-              <a:t>计算：</a:t>
-            </a:r>
-            <a:r>
-              <a:rPr b="0" lang="en-US" sz="3200" spc="-1" strike="noStrike">
-                <a:latin typeface="Arial"/>
-              </a:rPr>
-              <a:t>WinningPoSt </a:t>
-            </a:r>
-            <a:r>
-              <a:rPr b="0" lang="zh-CN" sz="3200" spc="-1" strike="noStrike">
-                <a:latin typeface="Arial"/>
-              </a:rPr>
-              <a:t>提交</a:t>
-            </a:r>
-            <a:endParaRPr b="0" lang="en-US" sz="3200" spc="-1" strike="noStrike">
-              <a:latin typeface="Arial"/>
-            </a:endParaRPr>
-          </a:p>
-          <a:p>
-            <a:pPr marL="432000" indent="-324000">
-              <a:spcBef>
-                <a:spcPts val="1417"/>
-              </a:spcBef>
-              <a:buClr>
-                <a:srgbClr val="000000"/>
-              </a:buClr>
-              <a:buSzPct val="45000"/>
-              <a:buFont typeface="Wingdings" charset="2"/>
-              <a:buChar char=""/>
-            </a:pPr>
-            <a:r>
-              <a:rPr b="0" lang="en-US" sz="3200" spc="-1" strike="noStrike">
-                <a:latin typeface="Arial"/>
-              </a:rPr>
-              <a:t>     </a:t>
-            </a:r>
-            <a:r>
-              <a:rPr b="0" lang="zh-CN" sz="3200" spc="-1" strike="noStrike">
-                <a:latin typeface="Arial"/>
-              </a:rPr>
-              <a:t>多卡机和分布式</a:t>
-            </a:r>
-            <a:r>
-              <a:rPr b="0" lang="en-US" sz="3200" spc="-1" strike="noStrike">
-                <a:latin typeface="Arial"/>
-              </a:rPr>
-              <a:t>miner</a:t>
+                <a:solidFill>
+                  <a:srgbClr val="000000"/>
+                </a:solidFill>
+                <a:latin typeface="Arial"/>
+                <a:ea typeface="DejaVu Sans"/>
+              </a:rPr>
+              <a:t>大型集群</a:t>
             </a:r>
             <a:endParaRPr b="0" lang="en-US" sz="3200" spc="-1" strike="noStrike">
               <a:latin typeface="Arial"/>
@@ -5205,16 +9497,69 @@
           <a:chExt cx="0" cy="0"/>
         </a:xfrm>
       </p:grpSpPr>
-      <p:sp>
-        <p:nvSpPr>
-          <p:cNvPr id="93" name="TextShape 1"/>
-          <p:cNvSpPr txBox="1"/>
+      <p:pic>
+        <p:nvPicPr>
+          <p:cNvPr id="170" name="" descr=""/>
+          <p:cNvPicPr/>
           <p:nvPr/>
+        </p:nvPicPr>
+        <p:blipFill>
+          <a:blip r:embed="rId1"/>
+          <a:stretch/>
+        </p:blipFill>
+        <p:spPr>
+          <a:xfrm>
+            <a:off x="36720" y="2100960"/>
+            <a:ext cx="10080000" cy="2680560"/>
+          </a:xfrm>
+          <a:prstGeom prst="rect">
+            <a:avLst/>
+          </a:prstGeom>
+          <a:ln>
+            <a:noFill/>
+          </a:ln>
+        </p:spPr>
+      </p:pic>
+    </p:spTree>
+  </p:cSld>
+  <mc:AlternateContent>
+    <mc:Choice Requires="p14">
+      <p:transition spd="slow" p14:dur="2000"/>
+    </mc:Choice>
+    <mc:Fallback>
+      <p:transition spd="slow"/>
+    </mc:Fallback>
+  </mc:AlternateContent>
+</p:sld>
+</file>
+
+<file path=ppt/slides/slide8.xml><?xml version="1.0" encoding="utf-8"?>
+<p:sld xmlns:a="http://schemas.openxmlformats.org/drawingml/2006/main" xmlns:p="http://schemas.openxmlformats.org/presentationml/2006/main" xmlns:r="http://schemas.openxmlformats.org/officeDocument/2006/relationships" xmlns:p14="http://schemas.microsoft.com/office/powerpoint/2010/main" xmlns:p15="http://schemas.microsoft.com/office/powerpoint/2012/main" xmlns:mc="http://schemas.openxmlformats.org/markup-compatibility/2006">
+  <p:cSld>
+    <p:spTree>
+      <p:nvGrpSpPr>
+        <p:cNvPr id="1" name=""/>
+        <p:cNvGrpSpPr/>
+        <p:nvPr/>
+      </p:nvGrpSpPr>
+      <p:grpSpPr>
+        <a:xfrm>
+          <a:off x="0" y="0"/>
+          <a:ext cx="0" cy="0"/>
+          <a:chOff x="0" y="0"/>
+          <a:chExt cx="0" cy="0"/>
+        </a:xfrm>
+      </p:grpSpPr>
+      <p:sp>
+        <p:nvSpPr>
+          <p:cNvPr id="171" name="CustomShape 1"/>
+          <p:cNvSpPr/>
+          <p:nvPr/>
         </p:nvSpPr>
         <p:spPr>
           <a:xfrm>
             <a:off x="504000" y="301320"/>
-            <a:ext cx="9071280" cy="1261800"/>
+            <a:ext cx="9070560" cy="1261080"/>
           </a:xfrm>
           <a:prstGeom prst="rect">
             <a:avLst/>
@@ -5224,17 +9569,31 @@
             <a:noFill/>
           </a:ln>
         </p:spPr>
+        <p:style>
+          <a:lnRef idx="0"/>
+          <a:fillRef idx="0"/>
+          <a:effectRef idx="0"/>
+          <a:fontRef idx="minor"/>
+        </p:style>
         <p:txBody>
           <a:bodyPr lIns="0" rIns="0" tIns="0" bIns="0" anchor="ctr">
             <a:noAutofit/>
           </a:bodyPr>
           <a:p>
-            <a:pPr algn="ctr"/>
+            <a:pPr algn="ctr">
+              <a:lnSpc>
+                <a:spcPct val="100000"/>
+              </a:lnSpc>
+            </a:pPr>
             <a:r>
               <a:rPr b="0" lang="zh-CN" sz="4400" spc="-1" strike="noStrike">
-                <a:latin typeface="Arial"/>
-              </a:rPr>
-              <a:t>集群安全性</a:t>
+                <a:solidFill>
+                  <a:srgbClr val="000000"/>
+                </a:solidFill>
+                <a:latin typeface="Arial"/>
+                <a:ea typeface="DejaVu Sans"/>
+              </a:rPr>
+              <a:t>存储方案</a:t>
             </a:r>
             <a:endParaRPr b="0" lang="en-US" sz="4400" spc="-1" strike="noStrike">
               <a:latin typeface="Arial"/>
@@ -5244,14 +9603,14 @@
       </p:sp>
       <p:sp>
         <p:nvSpPr>
-          <p:cNvPr id="94" name="TextShape 2"/>
-          <p:cNvSpPr txBox="1"/>
+          <p:cNvPr id="172" name="CustomShape 2"/>
+          <p:cNvSpPr/>
           <p:nvPr/>
         </p:nvSpPr>
         <p:spPr>
           <a:xfrm>
             <a:off x="504000" y="1769040"/>
-            <a:ext cx="9071280" cy="4384080"/>
+            <a:ext cx="9070560" cy="4383360"/>
           </a:xfrm>
           <a:prstGeom prst="rect">
             <a:avLst/>
@@ -5261,12 +9620,21 @@
             <a:noFill/>
           </a:ln>
         </p:spPr>
+        <p:style>
+          <a:lnRef idx="0"/>
+          <a:fillRef idx="0"/>
+          <a:effectRef idx="0"/>
+          <a:fontRef idx="minor"/>
+        </p:style>
         <p:txBody>
           <a:bodyPr lIns="0" rIns="0" tIns="0" bIns="0">
-            <a:normAutofit fontScale="76000"/>
-          </a:bodyPr>
-          <a:p>
-            <a:pPr marL="432000" indent="-324000">
+            <a:normAutofit/>
+          </a:bodyPr>
+          <a:p>
+            <a:pPr marL="432000" indent="-323280">
+              <a:lnSpc>
+                <a:spcPct val="100000"/>
+              </a:lnSpc>
               <a:spcBef>
                 <a:spcPts val="1417"/>
               </a:spcBef>
@@ -5278,17 +9646,54 @@
               <a:buChar char=""/>
             </a:pPr>
             <a:r>
+              <a:rPr b="0" lang="en-US" sz="3200" spc="-1" strike="noStrike">
+                <a:solidFill>
+                  <a:srgbClr val="000000"/>
+                </a:solidFill>
+                <a:latin typeface="Arial"/>
+                <a:ea typeface="DejaVu Sans"/>
+              </a:rPr>
+              <a:t>NFS</a:t>
+            </a:r>
+            <a:r>
               <a:rPr b="0" lang="zh-CN" sz="3200" spc="-1" strike="noStrike">
-                <a:latin typeface="Arial"/>
-              </a:rPr>
-              <a:t>集群安全性体现在两方面：</a:t>
-            </a:r>
-            <a:endParaRPr b="0" lang="en-US" sz="3200" spc="-1" strike="noStrike">
-              <a:latin typeface="Arial"/>
-            </a:endParaRPr>
-          </a:p>
-          <a:p>
-            <a:pPr marL="432000" indent="-324000">
+                <a:solidFill>
+                  <a:srgbClr val="000000"/>
+                </a:solidFill>
+                <a:latin typeface="Arial"/>
+                <a:ea typeface="DejaVu Sans"/>
+              </a:rPr>
+              <a:t>（搭载</a:t>
+            </a:r>
+            <a:r>
+              <a:rPr b="0" lang="en-US" sz="3200" spc="-1" strike="noStrike">
+                <a:solidFill>
+                  <a:srgbClr val="000000"/>
+                </a:solidFill>
+                <a:latin typeface="Arial"/>
+                <a:ea typeface="DejaVu Sans"/>
+              </a:rPr>
+              <a:t>RAID, ZFS, LVM </a:t>
+            </a:r>
+            <a:r>
+              <a:rPr b="0" lang="zh-CN" sz="3200" spc="-1" strike="noStrike">
+                <a:solidFill>
+                  <a:srgbClr val="000000"/>
+                </a:solidFill>
+                <a:latin typeface="Arial"/>
+                <a:ea typeface="DejaVu Sans"/>
+              </a:rPr>
+              <a:t>等）</a:t>
+            </a:r>
+            <a:endParaRPr b="0" lang="en-US" sz="3200" spc="-1" strike="noStrike">
+              <a:latin typeface="Arial"/>
+            </a:endParaRPr>
+          </a:p>
+          <a:p>
+            <a:pPr marL="432000" indent="-323280">
+              <a:lnSpc>
+                <a:spcPct val="100000"/>
+              </a:lnSpc>
               <a:spcBef>
                 <a:spcPts val="1417"/>
               </a:spcBef>
@@ -5301,16 +9706,53 @@
             </a:pPr>
             <a:r>
               <a:rPr b="0" lang="zh-CN" sz="3200" spc="-1" strike="noStrike">
-                <a:latin typeface="Arial"/>
-              </a:rPr>
-              <a:t>一、集群高可用</a:t>
-            </a:r>
-            <a:endParaRPr b="0" lang="en-US" sz="3200" spc="-1" strike="noStrike">
-              <a:latin typeface="Arial"/>
-            </a:endParaRPr>
-          </a:p>
-          <a:p>
-            <a:pPr marL="432000" indent="-324000">
+                <a:solidFill>
+                  <a:srgbClr val="000000"/>
+                </a:solidFill>
+                <a:latin typeface="Arial"/>
+                <a:ea typeface="DejaVu Sans"/>
+              </a:rPr>
+              <a:t>分布式存储（</a:t>
+            </a:r>
+            <a:r>
+              <a:rPr b="0" lang="en-US" sz="3200" spc="-1" strike="noStrike">
+                <a:solidFill>
+                  <a:srgbClr val="000000"/>
+                </a:solidFill>
+                <a:latin typeface="Arial"/>
+                <a:ea typeface="DejaVu Sans"/>
+              </a:rPr>
+              <a:t>Ceph, GFS, GlusterFS</a:t>
+            </a:r>
+            <a:r>
+              <a:rPr b="0" lang="zh-CN" sz="3200" spc="-1" strike="noStrike">
+                <a:solidFill>
+                  <a:srgbClr val="000000"/>
+                </a:solidFill>
+                <a:latin typeface="Arial"/>
+                <a:ea typeface="DejaVu Sans"/>
+              </a:rPr>
+              <a:t>）</a:t>
+            </a:r>
+            <a:r>
+              <a:rPr b="0" lang="en-US" sz="3200" spc="-1" strike="noStrike">
+                <a:solidFill>
+                  <a:srgbClr val="000000"/>
+                </a:solidFill>
+                <a:latin typeface="Arial"/>
+                <a:ea typeface="DejaVu Sans"/>
+              </a:rPr>
+              <a:t>3-10p</a:t>
+            </a:r>
+            <a:endParaRPr b="0" lang="en-US" sz="3200" spc="-1" strike="noStrike">
+              <a:latin typeface="Arial"/>
+            </a:endParaRPr>
+          </a:p>
+          <a:p>
+            <a:pPr marL="432000" indent="-323280">
+              <a:lnSpc>
+                <a:spcPct val="100000"/>
+              </a:lnSpc>
               <a:spcBef>
                 <a:spcPts val="1417"/>
               </a:spcBef>
@@ -5322,23 +9764,136 @@
               <a:buChar char=""/>
             </a:pPr>
             <a:r>
-              <a:rPr b="0" lang="en-US" sz="3200" spc="-1" strike="noStrike">
-                <a:latin typeface="Arial"/>
-              </a:rPr>
-              <a:t>lotus</a:t>
-            </a:r>
-            <a:r>
               <a:rPr b="0" lang="zh-CN" sz="3200" spc="-1" strike="noStrike">
-                <a:latin typeface="Arial"/>
-              </a:rPr>
-              <a:t>节点高可用</a:t>
-            </a:r>
-            <a:endParaRPr b="0" lang="en-US" sz="3200" spc="-1" strike="noStrike">
-              <a:latin typeface="Arial"/>
-            </a:endParaRPr>
-          </a:p>
-          <a:p>
-            <a:pPr marL="432000" indent="-324000">
+                <a:solidFill>
+                  <a:srgbClr val="000000"/>
+                </a:solidFill>
+                <a:latin typeface="Arial"/>
+                <a:ea typeface="DejaVu Sans"/>
+              </a:rPr>
+              <a:t>商业存储（七牛云）</a:t>
+            </a:r>
+            <a:endParaRPr b="0" lang="en-US" sz="3200" spc="-1" strike="noStrike">
+              <a:latin typeface="Arial"/>
+            </a:endParaRPr>
+          </a:p>
+        </p:txBody>
+      </p:sp>
+    </p:spTree>
+  </p:cSld>
+  <mc:AlternateContent>
+    <mc:Choice Requires="p14">
+      <p:transition spd="slow" p14:dur="2000"/>
+    </mc:Choice>
+    <mc:Fallback>
+      <p:transition spd="slow"/>
+    </mc:Fallback>
+  </mc:AlternateContent>
+</p:sld>
+</file>
+
+<file path=ppt/slides/slide9.xml><?xml version="1.0" encoding="utf-8"?>
+<p:sld xmlns:a="http://schemas.openxmlformats.org/drawingml/2006/main" xmlns:p="http://schemas.openxmlformats.org/presentationml/2006/main" xmlns:r="http://schemas.openxmlformats.org/officeDocument/2006/relationships" xmlns:p14="http://schemas.microsoft.com/office/powerpoint/2010/main" xmlns:p15="http://schemas.microsoft.com/office/powerpoint/2012/main" xmlns:mc="http://schemas.openxmlformats.org/markup-compatibility/2006">
+  <p:cSld>
+    <p:spTree>
+      <p:nvGrpSpPr>
+        <p:cNvPr id="1" name=""/>
+        <p:cNvGrpSpPr/>
+        <p:nvPr/>
+      </p:nvGrpSpPr>
+      <p:grpSpPr>
+        <a:xfrm>
+          <a:off x="0" y="0"/>
+          <a:ext cx="0" cy="0"/>
+          <a:chOff x="0" y="0"/>
+          <a:chExt cx="0" cy="0"/>
+        </a:xfrm>
+      </p:grpSpPr>
+      <p:sp>
+        <p:nvSpPr>
+          <p:cNvPr id="173" name="CustomShape 1"/>
+          <p:cNvSpPr/>
+          <p:nvPr/>
+        </p:nvSpPr>
+        <p:spPr>
+          <a:xfrm>
+            <a:off x="504000" y="301320"/>
+            <a:ext cx="9070560" cy="1261080"/>
+          </a:xfrm>
+          <a:prstGeom prst="rect">
+            <a:avLst/>
+          </a:prstGeom>
+          <a:noFill/>
+          <a:ln>
+            <a:noFill/>
+          </a:ln>
+        </p:spPr>
+        <p:style>
+          <a:lnRef idx="0"/>
+          <a:fillRef idx="0"/>
+          <a:effectRef idx="0"/>
+          <a:fontRef idx="minor"/>
+        </p:style>
+        <p:txBody>
+          <a:bodyPr lIns="0" rIns="0" tIns="0" bIns="0" anchor="ctr">
+            <a:noAutofit/>
+          </a:bodyPr>
+          <a:p>
+            <a:pPr algn="ctr">
+              <a:lnSpc>
+                <a:spcPct val="100000"/>
+              </a:lnSpc>
+            </a:pPr>
+            <a:r>
+              <a:rPr b="0" lang="zh-CN" sz="4400" spc="-1" strike="noStrike">
+                <a:solidFill>
+                  <a:srgbClr val="000000"/>
+                </a:solidFill>
+                <a:latin typeface="Arial"/>
+                <a:ea typeface="DejaVu Sans"/>
+              </a:rPr>
+              <a:t>核心优化点</a:t>
+            </a:r>
+            <a:endParaRPr b="0" lang="en-US" sz="4400" spc="-1" strike="noStrike">
+              <a:latin typeface="Arial"/>
+            </a:endParaRPr>
+          </a:p>
+        </p:txBody>
+      </p:sp>
+      <p:sp>
+        <p:nvSpPr>
+          <p:cNvPr id="174" name="CustomShape 2"/>
+          <p:cNvSpPr/>
+          <p:nvPr/>
+        </p:nvSpPr>
+        <p:spPr>
+          <a:xfrm>
+            <a:off x="504000" y="1769040"/>
+            <a:ext cx="9070560" cy="4383360"/>
+          </a:xfrm>
+          <a:prstGeom prst="rect">
+            <a:avLst/>
+          </a:prstGeom>
+          <a:noFill/>
+          <a:ln>
+            <a:noFill/>
+          </a:ln>
+        </p:spPr>
+        <p:style>
+          <a:lnRef idx="0"/>
+          <a:fillRef idx="0"/>
+          <a:effectRef idx="0"/>
+          <a:fontRef idx="minor"/>
+        </p:style>
+        <p:txBody>
+          <a:bodyPr lIns="0" rIns="0" tIns="0" bIns="0">
+            <a:normAutofit fontScale="32000"/>
+          </a:bodyPr>
+          <a:p>
+            <a:pPr marL="432000" indent="-323280">
+              <a:lnSpc>
+                <a:spcPct val="100000"/>
+              </a:lnSpc>
               <a:spcBef>
                 <a:spcPts val="1417"/>
               </a:spcBef>
@@ -5350,23 +9905,24 @@
               <a:buChar char=""/>
             </a:pPr>
             <a:r>
-              <a:rPr b="0" lang="en-US" sz="3200" spc="-1" strike="noStrike">
-                <a:latin typeface="Arial"/>
-              </a:rPr>
-              <a:t>miner</a:t>
-            </a:r>
-            <a:r>
               <a:rPr b="0" lang="zh-CN" sz="3200" spc="-1" strike="noStrike">
-                <a:latin typeface="Arial"/>
-              </a:rPr>
-              <a:t>节点高可用</a:t>
-            </a:r>
-            <a:endParaRPr b="0" lang="en-US" sz="3200" spc="-1" strike="noStrike">
-              <a:latin typeface="Arial"/>
-            </a:endParaRPr>
-          </a:p>
-          <a:p>
-            <a:pPr marL="432000" indent="-324000">
+                <a:solidFill>
+                  <a:srgbClr val="000000"/>
+                </a:solidFill>
+                <a:latin typeface="Arial"/>
+                <a:ea typeface="DejaVu Sans"/>
+              </a:rPr>
+              <a:t>简介：核心优化点可以概括为密封和幸运值优化</a:t>
+            </a:r>
+            <a:endParaRPr b="0" lang="en-US" sz="3200" spc="-1" strike="noStrike">
+              <a:latin typeface="Arial"/>
+            </a:endParaRPr>
+          </a:p>
+          <a:p>
+            <a:pPr marL="432000" indent="-323280">
+              <a:lnSpc>
+                <a:spcPct val="100000"/>
+              </a:lnSpc>
               <a:spcBef>
                 <a:spcPts val="1417"/>
               </a:spcBef>
@@ -5379,16 +9935,23 @@
             </a:pPr>
             <a:r>
               <a:rPr b="0" lang="zh-CN" sz="3200" spc="-1" strike="noStrike">
-                <a:latin typeface="Arial"/>
-              </a:rPr>
-              <a:t>二、资金安全性</a:t>
-            </a:r>
-            <a:endParaRPr b="0" lang="en-US" sz="3200" spc="-1" strike="noStrike">
-              <a:latin typeface="Arial"/>
-            </a:endParaRPr>
-          </a:p>
-          <a:p>
-            <a:pPr marL="432000" indent="-324000">
+                <a:solidFill>
+                  <a:srgbClr val="000000"/>
+                </a:solidFill>
+                <a:latin typeface="Arial"/>
+                <a:ea typeface="DejaVu Sans"/>
+              </a:rPr>
+              <a:t>密封</a:t>
+            </a:r>
+            <a:endParaRPr b="0" lang="en-US" sz="3200" spc="-1" strike="noStrike">
+              <a:latin typeface="Arial"/>
+            </a:endParaRPr>
+          </a:p>
+          <a:p>
+            <a:pPr marL="432000" indent="-323280">
+              <a:lnSpc>
+                <a:spcPct val="100000"/>
+              </a:lnSpc>
               <a:spcBef>
                 <a:spcPts val="1417"/>
               </a:spcBef>
@@ -5401,22 +9964,33 @@
             </a:pPr>
             <a:r>
               <a:rPr b="0" lang="en-US" sz="3200" spc="-1" strike="noStrike">
-                <a:latin typeface="Arial"/>
-              </a:rPr>
-              <a:t>owner</a:t>
+                <a:solidFill>
+                  <a:srgbClr val="000000"/>
+                </a:solidFill>
+                <a:latin typeface="Arial"/>
+                <a:ea typeface="DejaVu Sans"/>
+              </a:rPr>
+              <a:t>1.</a:t>
             </a:r>
             <a:r>
               <a:rPr b="0" lang="zh-CN" sz="3200" spc="-1" strike="noStrike">
-                <a:latin typeface="Arial"/>
-              </a:rPr>
-              <a:t>钱包离线</a:t>
-            </a:r>
-            <a:endParaRPr b="0" lang="en-US" sz="3200" spc="-1" strike="noStrike">
-              <a:latin typeface="Arial"/>
-            </a:endParaRPr>
-          </a:p>
-          <a:p>
-            <a:pPr marL="432000" indent="-324000">
+                <a:solidFill>
+                  <a:srgbClr val="000000"/>
+                </a:solidFill>
+                <a:latin typeface="Arial"/>
+                <a:ea typeface="DejaVu Sans"/>
+              </a:rPr>
+              <a:t>调度算法</a:t>
+            </a:r>
+            <a:endParaRPr b="0" lang="en-US" sz="3200" spc="-1" strike="noStrike">
+              <a:latin typeface="Arial"/>
+            </a:endParaRPr>
+          </a:p>
+          <a:p>
+            <a:pPr marL="432000" indent="-323280">
+              <a:lnSpc>
+                <a:spcPct val="100000"/>
+              </a:lnSpc>
               <a:spcBef>
                 <a:spcPts val="1417"/>
               </a:spcBef>
@@ -5429,15 +10003,475 @@
             </a:pPr>
             <a:r>
               <a:rPr b="0" lang="en-US" sz="3200" spc="-1" strike="noStrike">
-                <a:latin typeface="Arial"/>
-              </a:rPr>
-              <a:t>woker</a:t>
+                <a:solidFill>
+                  <a:srgbClr val="000000"/>
+                </a:solidFill>
+                <a:latin typeface="Arial"/>
+                <a:ea typeface="DejaVu Sans"/>
+              </a:rPr>
+              <a:t>2. </a:t>
             </a:r>
             <a:r>
               <a:rPr b="0" lang="zh-CN" sz="3200" spc="-1" strike="noStrike">
-                <a:latin typeface="Arial"/>
-              </a:rPr>
-              <a:t>钱包不暴露公网</a:t>
+                <a:solidFill>
+                  <a:srgbClr val="000000"/>
+                </a:solidFill>
+                <a:latin typeface="Arial"/>
+                <a:ea typeface="DejaVu Sans"/>
+              </a:rPr>
+              <a:t>异构设计（多卡机）</a:t>
+            </a:r>
+            <a:endParaRPr b="0" lang="en-US" sz="3200" spc="-1" strike="noStrike">
+              <a:latin typeface="Arial"/>
+            </a:endParaRPr>
+          </a:p>
+          <a:p>
+            <a:pPr marL="432000" indent="-323280">
+              <a:lnSpc>
+                <a:spcPct val="100000"/>
+              </a:lnSpc>
+              <a:spcBef>
+                <a:spcPts val="1417"/>
+              </a:spcBef>
+              <a:buClr>
+                <a:srgbClr val="000000"/>
+              </a:buClr>
+              <a:buSzPct val="45000"/>
+              <a:buFont typeface="Wingdings" charset="2"/>
+              <a:buChar char=""/>
+            </a:pPr>
+            <a:r>
+              <a:rPr b="0" lang="en-US" sz="3200" spc="-1" strike="noStrike">
+                <a:solidFill>
+                  <a:srgbClr val="000000"/>
+                </a:solidFill>
+                <a:latin typeface="Arial"/>
+                <a:ea typeface="DejaVu Sans"/>
+              </a:rPr>
+              <a:t>3. P1</a:t>
+            </a:r>
+            <a:r>
+              <a:rPr b="0" lang="zh-CN" sz="3200" spc="-1" strike="noStrike">
+                <a:solidFill>
+                  <a:srgbClr val="000000"/>
+                </a:solidFill>
+                <a:latin typeface="Arial"/>
+                <a:ea typeface="DejaVu Sans"/>
+              </a:rPr>
+              <a:t>和</a:t>
+            </a:r>
+            <a:r>
+              <a:rPr b="0" lang="en-US" sz="3200" spc="-1" strike="noStrike">
+                <a:solidFill>
+                  <a:srgbClr val="000000"/>
+                </a:solidFill>
+                <a:latin typeface="Arial"/>
+                <a:ea typeface="DejaVu Sans"/>
+              </a:rPr>
+              <a:t>C2</a:t>
+            </a:r>
+            <a:r>
+              <a:rPr b="0" lang="zh-CN" sz="3200" spc="-1" strike="noStrike">
+                <a:solidFill>
+                  <a:srgbClr val="000000"/>
+                </a:solidFill>
+                <a:latin typeface="Arial"/>
+                <a:ea typeface="DejaVu Sans"/>
+              </a:rPr>
+              <a:t>算法</a:t>
+            </a:r>
+            <a:endParaRPr b="0" lang="en-US" sz="3200" spc="-1" strike="noStrike">
+              <a:latin typeface="Arial"/>
+            </a:endParaRPr>
+          </a:p>
+          <a:p>
+            <a:pPr marL="432000" indent="-323280">
+              <a:lnSpc>
+                <a:spcPct val="100000"/>
+              </a:lnSpc>
+              <a:spcBef>
+                <a:spcPts val="1417"/>
+              </a:spcBef>
+              <a:buClr>
+                <a:srgbClr val="000000"/>
+              </a:buClr>
+              <a:buSzPct val="45000"/>
+              <a:buFont typeface="Wingdings" charset="2"/>
+              <a:buChar char=""/>
+            </a:pPr>
+            <a:r>
+              <a:rPr b="0" lang="en-US" sz="3200" spc="-1" strike="noStrike">
+                <a:solidFill>
+                  <a:srgbClr val="000000"/>
+                </a:solidFill>
+                <a:latin typeface="Arial"/>
+                <a:ea typeface="DejaVu Sans"/>
+              </a:rPr>
+              <a:t>4.</a:t>
+            </a:r>
+            <a:r>
+              <a:rPr b="0" lang="zh-CN" sz="3200" spc="-1" strike="noStrike">
+                <a:solidFill>
+                  <a:srgbClr val="000000"/>
+                </a:solidFill>
+                <a:latin typeface="Arial"/>
+                <a:ea typeface="DejaVu Sans"/>
+              </a:rPr>
+              <a:t>扇区修复</a:t>
+            </a:r>
+            <a:endParaRPr b="0" lang="en-US" sz="3200" spc="-1" strike="noStrike">
+              <a:latin typeface="Arial"/>
+            </a:endParaRPr>
+          </a:p>
+          <a:p>
+            <a:pPr marL="432000" indent="-323280">
+              <a:lnSpc>
+                <a:spcPct val="100000"/>
+              </a:lnSpc>
+              <a:spcBef>
+                <a:spcPts val="1417"/>
+              </a:spcBef>
+              <a:buClr>
+                <a:srgbClr val="000000"/>
+              </a:buClr>
+              <a:buSzPct val="45000"/>
+              <a:buFont typeface="Wingdings" charset="2"/>
+              <a:buChar char=""/>
+            </a:pPr>
+            <a:r>
+              <a:rPr b="0" lang="zh-CN" sz="3200" spc="-1" strike="noStrike">
+                <a:solidFill>
+                  <a:srgbClr val="000000"/>
+                </a:solidFill>
+                <a:latin typeface="Arial"/>
+                <a:ea typeface="DejaVu Sans"/>
+              </a:rPr>
+              <a:t>幸运值</a:t>
+            </a:r>
+            <a:r>
+              <a:rPr b="0" lang="en-US" sz="3200" spc="-1" strike="noStrike">
+                <a:solidFill>
+                  <a:srgbClr val="000000"/>
+                </a:solidFill>
+                <a:latin typeface="Arial"/>
+                <a:ea typeface="DejaVu Sans"/>
+              </a:rPr>
+              <a:t>:</a:t>
+            </a:r>
+            <a:r>
+              <a:rPr b="0" lang="zh-CN" sz="3200" spc="-1" strike="noStrike">
+                <a:solidFill>
+                  <a:srgbClr val="000000"/>
+                </a:solidFill>
+                <a:latin typeface="Arial"/>
+                <a:ea typeface="DejaVu Sans"/>
+              </a:rPr>
+              <a:t>实际挖到的块</a:t>
+            </a:r>
+            <a:r>
+              <a:rPr b="0" lang="en-US" sz="3200" spc="-1" strike="noStrike">
+                <a:solidFill>
+                  <a:srgbClr val="000000"/>
+                </a:solidFill>
+                <a:latin typeface="Arial"/>
+                <a:ea typeface="DejaVu Sans"/>
+              </a:rPr>
+              <a:t>/</a:t>
+            </a:r>
+            <a:r>
+              <a:rPr b="0" lang="zh-CN" sz="3200" spc="-1" strike="noStrike">
+                <a:solidFill>
+                  <a:srgbClr val="000000"/>
+                </a:solidFill>
+                <a:latin typeface="Arial"/>
+                <a:ea typeface="DejaVu Sans"/>
+              </a:rPr>
+              <a:t>理论挖到的块</a:t>
+            </a:r>
+            <a:endParaRPr b="0" lang="en-US" sz="3200" spc="-1" strike="noStrike">
+              <a:latin typeface="Arial"/>
+            </a:endParaRPr>
+          </a:p>
+          <a:p>
+            <a:pPr marL="432000" indent="-323280">
+              <a:lnSpc>
+                <a:spcPct val="100000"/>
+              </a:lnSpc>
+              <a:spcBef>
+                <a:spcPts val="1417"/>
+              </a:spcBef>
+              <a:buClr>
+                <a:srgbClr val="000000"/>
+              </a:buClr>
+              <a:buSzPct val="45000"/>
+              <a:buFont typeface="Wingdings" charset="2"/>
+              <a:buChar char=""/>
+            </a:pPr>
+            <a:r>
+              <a:rPr b="0" lang="en-US" sz="3200" spc="-1" strike="noStrike">
+                <a:solidFill>
+                  <a:srgbClr val="000000"/>
+                </a:solidFill>
+                <a:latin typeface="Arial"/>
+                <a:ea typeface="DejaVu Sans"/>
+              </a:rPr>
+              <a:t>1.</a:t>
+            </a:r>
+            <a:r>
+              <a:rPr b="0" lang="zh-CN" sz="3200" spc="-1" strike="noStrike">
+                <a:solidFill>
+                  <a:srgbClr val="000000"/>
+                </a:solidFill>
+                <a:latin typeface="Arial"/>
+                <a:ea typeface="DejaVu Sans"/>
+              </a:rPr>
+              <a:t>网络：确保节点的计算结果第一时间被广播到</a:t>
+            </a:r>
+            <a:r>
+              <a:rPr b="0" lang="en-US" sz="3200" spc="-1" strike="noStrike">
+                <a:solidFill>
+                  <a:srgbClr val="000000"/>
+                </a:solidFill>
+                <a:latin typeface="Arial"/>
+                <a:ea typeface="DejaVu Sans"/>
+              </a:rPr>
+              <a:t>Filecoin</a:t>
+            </a:r>
+            <a:r>
+              <a:rPr b="0" lang="zh-CN" sz="3200" spc="-1" strike="noStrike">
+                <a:solidFill>
+                  <a:srgbClr val="000000"/>
+                </a:solidFill>
+                <a:latin typeface="Arial"/>
+                <a:ea typeface="DejaVu Sans"/>
+              </a:rPr>
+              <a:t>网络上</a:t>
+            </a:r>
+            <a:endParaRPr b="0" lang="en-US" sz="3200" spc="-1" strike="noStrike">
+              <a:latin typeface="Arial"/>
+            </a:endParaRPr>
+          </a:p>
+          <a:p>
+            <a:pPr marL="432000" indent="-323280">
+              <a:lnSpc>
+                <a:spcPct val="100000"/>
+              </a:lnSpc>
+              <a:spcBef>
+                <a:spcPts val="1417"/>
+              </a:spcBef>
+              <a:buClr>
+                <a:srgbClr val="000000"/>
+              </a:buClr>
+              <a:buSzPct val="45000"/>
+              <a:buFont typeface="Wingdings" charset="2"/>
+              <a:buChar char=""/>
+            </a:pPr>
+            <a:r>
+              <a:rPr b="0" lang="en-US" sz="3200" spc="-1" strike="noStrike">
+                <a:solidFill>
+                  <a:srgbClr val="000000"/>
+                </a:solidFill>
+                <a:latin typeface="Arial"/>
+                <a:ea typeface="DejaVu Sans"/>
+              </a:rPr>
+              <a:t>    </a:t>
+            </a:r>
+            <a:r>
+              <a:rPr b="0" lang="en-US" sz="3200" spc="-1" strike="noStrike">
+                <a:solidFill>
+                  <a:srgbClr val="000000"/>
+                </a:solidFill>
+                <a:latin typeface="Arial"/>
+                <a:ea typeface="DejaVu Sans"/>
+              </a:rPr>
+              <a:t>lotus</a:t>
+            </a:r>
+            <a:r>
+              <a:rPr b="0" lang="zh-CN" sz="3200" spc="-1" strike="noStrike">
+                <a:solidFill>
+                  <a:srgbClr val="000000"/>
+                </a:solidFill>
+                <a:latin typeface="Arial"/>
+                <a:ea typeface="DejaVu Sans"/>
+              </a:rPr>
+              <a:t>节点配国际专线，避免消息池堵塞</a:t>
+            </a:r>
+            <a:endParaRPr b="0" lang="en-US" sz="3200" spc="-1" strike="noStrike">
+              <a:latin typeface="Arial"/>
+            </a:endParaRPr>
+          </a:p>
+          <a:p>
+            <a:pPr marL="432000" indent="-323280">
+              <a:lnSpc>
+                <a:spcPct val="100000"/>
+              </a:lnSpc>
+              <a:spcBef>
+                <a:spcPts val="1417"/>
+              </a:spcBef>
+              <a:buClr>
+                <a:srgbClr val="000000"/>
+              </a:buClr>
+              <a:buSzPct val="45000"/>
+              <a:buFont typeface="Wingdings" charset="2"/>
+              <a:buChar char=""/>
+            </a:pPr>
+            <a:r>
+              <a:rPr b="0" lang="en-US" sz="3200" spc="-1" strike="noStrike">
+                <a:solidFill>
+                  <a:srgbClr val="000000"/>
+                </a:solidFill>
+                <a:latin typeface="Arial"/>
+                <a:ea typeface="DejaVu Sans"/>
+              </a:rPr>
+              <a:t>2.</a:t>
+            </a:r>
+            <a:r>
+              <a:rPr b="0" lang="zh-CN" sz="3200" spc="-1" strike="noStrike">
+                <a:solidFill>
+                  <a:srgbClr val="000000"/>
+                </a:solidFill>
+                <a:latin typeface="Arial"/>
+                <a:ea typeface="DejaVu Sans"/>
+              </a:rPr>
+              <a:t>存储：优秀的存储读写速度，获得出块权后，需要抽取扇区数据。</a:t>
+            </a:r>
+            <a:endParaRPr b="0" lang="en-US" sz="3200" spc="-1" strike="noStrike">
+              <a:latin typeface="Arial"/>
+            </a:endParaRPr>
+          </a:p>
+          <a:p>
+            <a:pPr marL="432000" indent="-323280">
+              <a:lnSpc>
+                <a:spcPct val="100000"/>
+              </a:lnSpc>
+              <a:spcBef>
+                <a:spcPts val="1417"/>
+              </a:spcBef>
+              <a:buClr>
+                <a:srgbClr val="000000"/>
+              </a:buClr>
+              <a:buSzPct val="45000"/>
+              <a:buFont typeface="Wingdings" charset="2"/>
+              <a:buChar char=""/>
+            </a:pPr>
+            <a:r>
+              <a:rPr b="0" lang="en-US" sz="3200" spc="-1" strike="noStrike">
+                <a:solidFill>
+                  <a:srgbClr val="000000"/>
+                </a:solidFill>
+                <a:latin typeface="Arial"/>
+                <a:ea typeface="DejaVu Sans"/>
+              </a:rPr>
+              <a:t>3.</a:t>
+            </a:r>
+            <a:r>
+              <a:rPr b="0" lang="zh-CN" sz="3200" spc="-1" strike="noStrike">
+                <a:solidFill>
+                  <a:srgbClr val="000000"/>
+                </a:solidFill>
+                <a:latin typeface="Arial"/>
+                <a:ea typeface="DejaVu Sans"/>
+              </a:rPr>
+              <a:t>计算：</a:t>
+            </a:r>
+            <a:r>
+              <a:rPr b="0" lang="en-US" sz="3200" spc="-1" strike="noStrike">
+                <a:solidFill>
+                  <a:srgbClr val="000000"/>
+                </a:solidFill>
+                <a:latin typeface="Arial"/>
+                <a:ea typeface="DejaVu Sans"/>
+              </a:rPr>
+              <a:t>WinningPoSt </a:t>
+            </a:r>
+            <a:r>
+              <a:rPr b="0" lang="zh-CN" sz="3200" spc="-1" strike="noStrike">
+                <a:solidFill>
+                  <a:srgbClr val="000000"/>
+                </a:solidFill>
+                <a:latin typeface="Arial"/>
+                <a:ea typeface="DejaVu Sans"/>
+              </a:rPr>
+              <a:t>提交</a:t>
+            </a:r>
+            <a:endParaRPr b="0" lang="en-US" sz="3200" spc="-1" strike="noStrike">
+              <a:latin typeface="Arial"/>
+            </a:endParaRPr>
+          </a:p>
+          <a:p>
+            <a:pPr marL="432000" indent="-323280">
+              <a:lnSpc>
+                <a:spcPct val="100000"/>
+              </a:lnSpc>
+              <a:spcBef>
+                <a:spcPts val="1417"/>
+              </a:spcBef>
+              <a:buClr>
+                <a:srgbClr val="000000"/>
+              </a:buClr>
+              <a:buSzPct val="45000"/>
+              <a:buFont typeface="Wingdings" charset="2"/>
+              <a:buChar char=""/>
+            </a:pPr>
+            <a:r>
+              <a:rPr b="0" lang="en-US" sz="3200" spc="-1" strike="noStrike">
+                <a:solidFill>
+                  <a:srgbClr val="000000"/>
+                </a:solidFill>
+                <a:latin typeface="Arial"/>
+                <a:ea typeface="DejaVu Sans"/>
+              </a:rPr>
+              <a:t>     </a:t>
+            </a:r>
+            <a:r>
+              <a:rPr b="0" lang="zh-CN" sz="3200" spc="-1" strike="noStrike">
+                <a:solidFill>
+                  <a:srgbClr val="000000"/>
+                </a:solidFill>
+                <a:latin typeface="Arial"/>
+                <a:ea typeface="DejaVu Sans"/>
+              </a:rPr>
+              <a:t>多卡机和分布式</a:t>
+            </a:r>
+            <a:r>
+              <a:rPr b="0" lang="en-US" sz="3200" spc="-1" strike="noStrike">
+                <a:solidFill>
+                  <a:srgbClr val="000000"/>
+                </a:solidFill>
+                <a:latin typeface="Arial"/>
+                <a:ea typeface="DejaVu Sans"/>
+              </a:rPr>
+              <a:t>miner</a:t>
+            </a:r>
+            <a:r>
+              <a:rPr b="0" lang="zh-CN" sz="3200" spc="-1" strike="noStrike">
+                <a:solidFill>
+                  <a:srgbClr val="000000"/>
+                </a:solidFill>
+                <a:latin typeface="Arial"/>
+                <a:ea typeface="DejaVu Sans"/>
+              </a:rPr>
+              <a:t>（</a:t>
+            </a:r>
+            <a:r>
+              <a:rPr b="0" lang="en-US" sz="3200" spc="-1" strike="noStrike">
+                <a:solidFill>
+                  <a:srgbClr val="000000"/>
+                </a:solidFill>
+                <a:latin typeface="Arial"/>
+                <a:ea typeface="DejaVu Sans"/>
+              </a:rPr>
+              <a:t>1.10.0</a:t>
+            </a:r>
+            <a:r>
+              <a:rPr b="0" lang="zh-CN" sz="3200" spc="-1" strike="noStrike">
+                <a:solidFill>
+                  <a:srgbClr val="000000"/>
+                </a:solidFill>
+                <a:latin typeface="Arial"/>
+                <a:ea typeface="DejaVu Sans"/>
+              </a:rPr>
+              <a:t>已有开源版）</a:t>
             </a:r>
             <a:endParaRPr b="0" lang="en-US" sz="3200" spc="-1" strike="noStrike">
               <a:latin typeface="Arial"/>
@@ -5908,4 +10942,456 @@
     </a:fmtScheme>
   </a:themeElements>
 </a:theme>
+</file>
+
+<file path=ppt/theme/theme3.xml><?xml version="1.0" encoding="utf-8"?>
+<a:theme xmlns:a="http://schemas.openxmlformats.org/drawingml/2006/main" name="Office Theme">
+  <a:themeElements>
+    <a:clrScheme name="Office">
+      <a:dk1>
+        <a:sysClr val="windowText" lastClr="000000"/>
+      </a:dk1>
+      <a:lt1>
+        <a:sysClr val="window" lastClr="FFFFFF"/>
+      </a:lt1>
+      <a:dk2>
+        <a:srgbClr val="1f497d"/>
+      </a:dk2>
+      <a:lt2>
+        <a:srgbClr val="eeece1"/>
+      </a:lt2>
+      <a:accent1>
+        <a:srgbClr val="4f81bd"/>
+      </a:accent1>
+      <a:accent2>
+        <a:srgbClr val="c0504d"/>
+      </a:accent2>
+      <a:accent3>
+        <a:srgbClr val="9bbb59"/>
+      </a:accent3>
+      <a:accent4>
+        <a:srgbClr val="8064a2"/>
+      </a:accent4>
+      <a:accent5>
+        <a:srgbClr val="4bacc6"/>
+      </a:accent5>
+      <a:accent6>
+        <a:srgbClr val="f79646"/>
+      </a:accent6>
+      <a:hlink>
+        <a:srgbClr val="0000ff"/>
+      </a:hlink>
+      <a:folHlink>
+        <a:srgbClr val="800080"/>
+      </a:folHlink>
+    </a:clrScheme>
+    <a:fontScheme name="Office">
+      <a:majorFont>
+        <a:latin typeface="Arial"/>
+        <a:ea typeface="DejaVu Sans"/>
+        <a:cs typeface="DejaVu Sans"/>
+      </a:majorFont>
+      <a:minorFont>
+        <a:latin typeface="Arial"/>
+        <a:ea typeface="DejaVu Sans"/>
+        <a:cs typeface="DejaVu Sans"/>
+      </a:minorFont>
+    </a:fontScheme>
+    <a:fmtScheme name="Office">
+      <a:fillStyleLst>
+        <a:solidFill>
+          <a:schemeClr val="phClr"/>
+        </a:solidFill>
+        <a:gradFill rotWithShape="1">
+          <a:gsLst>
+            <a:gs pos="0">
+              <a:schemeClr val="phClr">
+                <a:tint val="50000"/>
+                <a:satMod val="300000"/>
+              </a:schemeClr>
+            </a:gs>
+            <a:gs pos="35000">
+              <a:schemeClr val="phClr">
+                <a:tint val="37000"/>
+                <a:satMod val="300000"/>
+              </a:schemeClr>
+            </a:gs>
+            <a:gs pos="100000">
+              <a:schemeClr val="phClr">
+                <a:tint val="15000"/>
+                <a:satMod val="350000"/>
+              </a:schemeClr>
+            </a:gs>
+          </a:gsLst>
+          <a:lin ang="16200000" scaled="1"/>
+        </a:gradFill>
+        <a:gradFill rotWithShape="1">
+          <a:gsLst>
+            <a:gs pos="0">
+              <a:schemeClr val="phClr">
+                <a:shade val="51000"/>
+                <a:satMod val="130000"/>
+              </a:schemeClr>
+            </a:gs>
+            <a:gs pos="80000">
+              <a:schemeClr val="phClr">
+                <a:shade val="93000"/>
+                <a:satMod val="130000"/>
+              </a:schemeClr>
+            </a:gs>
+            <a:gs pos="100000">
+              <a:schemeClr val="phClr">
+                <a:shade val="94000"/>
+                <a:satMod val="135000"/>
+              </a:schemeClr>
+            </a:gs>
+          </a:gsLst>
+          <a:lin ang="16200000" scaled="0"/>
+        </a:gradFill>
+      </a:fillStyleLst>
+      <a:lnStyleLst>
+        <a:ln w="9525" cap="flat" cmpd="sng" algn="ctr">
+          <a:solidFill>
+            <a:schemeClr val="phClr">
+              <a:shade val="95000"/>
+              <a:satMod val="105000"/>
+            </a:schemeClr>
+          </a:solidFill>
+          <a:prstDash val="solid"/>
+          <a:miter/>
+        </a:ln>
+        <a:ln w="25400" cap="flat" cmpd="sng" algn="ctr">
+          <a:solidFill>
+            <a:schemeClr val="phClr"/>
+          </a:solidFill>
+          <a:prstDash val="solid"/>
+          <a:miter/>
+        </a:ln>
+        <a:ln w="38100" cap="flat" cmpd="sng" algn="ctr">
+          <a:solidFill>
+            <a:schemeClr val="phClr"/>
+          </a:solidFill>
+          <a:prstDash val="solid"/>
+          <a:miter/>
+        </a:ln>
+      </a:lnStyleLst>
+      <a:effectStyleLst>
+        <a:effectStyle>
+          <a:effectLst>
+            <a:outerShdw blurRad="40000" dist="20000" dir="5400000" rotWithShape="0">
+              <a:srgbClr val="000000">
+                <a:alpha val="38000"/>
+              </a:srgbClr>
+            </a:outerShdw>
+          </a:effectLst>
+        </a:effectStyle>
+        <a:effectStyle>
+          <a:effectLst>
+            <a:outerShdw blurRad="40000" dist="23000" dir="5400000" rotWithShape="0">
+              <a:srgbClr val="000000">
+                <a:alpha val="35000"/>
+              </a:srgbClr>
+            </a:outerShdw>
+          </a:effectLst>
+        </a:effectStyle>
+        <a:effectStyle>
+          <a:effectLst>
+            <a:outerShdw blurRad="40000" dist="23000" dir="5400000" rotWithShape="0">
+              <a:srgbClr val="000000">
+                <a:alpha val="35000"/>
+              </a:srgbClr>
+            </a:outerShdw>
+          </a:effectLst>
+          <a:scene3d>
+            <a:camera prst="orthographicFront">
+              <a:rot lat="0" lon="0" rev="0"/>
+            </a:camera>
+            <a:lightRig rig="threePt" dir="t">
+              <a:rot lat="0" lon="0" rev="1200000"/>
+            </a:lightRig>
+          </a:scene3d>
+          <a:sp3d>
+            <a:bevelT w="63500" h="25400"/>
+          </a:sp3d>
+        </a:effectStyle>
+      </a:effectStyleLst>
+      <a:bgFillStyleLst>
+        <a:solidFill>
+          <a:schemeClr val="phClr"/>
+        </a:solidFill>
+        <a:gradFill rotWithShape="1">
+          <a:gsLst>
+            <a:gs pos="0">
+              <a:schemeClr val="phClr">
+                <a:tint val="40000"/>
+                <a:satMod val="350000"/>
+              </a:schemeClr>
+            </a:gs>
+            <a:gs pos="40000">
+              <a:schemeClr val="phClr">
+                <a:tint val="45000"/>
+                <a:shade val="99000"/>
+                <a:satMod val="350000"/>
+              </a:schemeClr>
+            </a:gs>
+            <a:gs pos="100000">
+              <a:schemeClr val="phClr">
+                <a:shade val="20000"/>
+                <a:satMod val="255000"/>
+              </a:schemeClr>
+            </a:gs>
+          </a:gsLst>
+          <a:path path="circle">
+            <a:fillToRect l="50000" t="-80000" r="50000" b="180000"/>
+          </a:path>
+        </a:gradFill>
+        <a:gradFill rotWithShape="1">
+          <a:gsLst>
+            <a:gs pos="0">
+              <a:schemeClr val="phClr">
+                <a:tint val="80000"/>
+                <a:satMod val="300000"/>
+              </a:schemeClr>
+            </a:gs>
+            <a:gs pos="100000">
+              <a:schemeClr val="phClr">
+                <a:shade val="30000"/>
+                <a:satMod val="200000"/>
+              </a:schemeClr>
+            </a:gs>
+          </a:gsLst>
+          <a:path path="circle">
+            <a:fillToRect l="50000" t="50000" r="50000" b="50000"/>
+          </a:path>
+        </a:gradFill>
+      </a:bgFillStyleLst>
+    </a:fmtScheme>
+  </a:themeElements>
+</a:theme>
+</file>
+
+<file path=ppt/theme/theme4.xml><?xml version="1.0" encoding="utf-8"?>
+<a:theme xmlns:a="http://schemas.openxmlformats.org/drawingml/2006/main" name="Office Theme">
+  <a:themeElements>
+    <a:clrScheme name="Office">
+      <a:dk1>
+        <a:sysClr val="windowText" lastClr="000000"/>
+      </a:dk1>
+      <a:lt1>
+        <a:sysClr val="window" lastClr="FFFFFF"/>
+      </a:lt1>
+      <a:dk2>
+        <a:srgbClr val="1f497d"/>
+      </a:dk2>
+      <a:lt2>
+        <a:srgbClr val="eeece1"/>
+      </a:lt2>
+      <a:accent1>
+        <a:srgbClr val="4f81bd"/>
+      </a:accent1>
+      <a:accent2>
+        <a:srgbClr val="c0504d"/>
+      </a:accent2>
+      <a:accent3>
+        <a:srgbClr val="9bbb59"/>
+      </a:accent3>
+      <a:accent4>
+        <a:srgbClr val="8064a2"/>
+      </a:accent4>
+      <a:accent5>
+        <a:srgbClr val="4bacc6"/>
+      </a:accent5>
+      <a:accent6>
+        <a:srgbClr val="f79646"/>
+      </a:accent6>
+      <a:hlink>
+        <a:srgbClr val="0000ff"/>
+      </a:hlink>
+      <a:folHlink>
+        <a:srgbClr val="800080"/>
+      </a:folHlink>
+    </a:clrScheme>
+    <a:fontScheme name="Office">
+      <a:majorFont>
+        <a:latin typeface="Arial"/>
+        <a:ea typeface="DejaVu Sans"/>
+        <a:cs typeface="DejaVu Sans"/>
+      </a:majorFont>
+      <a:minorFont>
+        <a:latin typeface="Arial"/>
+        <a:ea typeface="DejaVu Sans"/>
+        <a:cs typeface="DejaVu Sans"/>
+      </a:minorFont>
+    </a:fontScheme>
+    <a:fmtScheme name="Office">
+      <a:fillStyleLst>
+        <a:solidFill>
+          <a:schemeClr val="phClr"/>
+        </a:solidFill>
+        <a:gradFill rotWithShape="1">
+          <a:gsLst>
+            <a:gs pos="0">
+              <a:schemeClr val="phClr">
+                <a:tint val="50000"/>
+                <a:satMod val="300000"/>
+              </a:schemeClr>
+            </a:gs>
+            <a:gs pos="35000">
+              <a:schemeClr val="phClr">
+                <a:tint val="37000"/>
+                <a:satMod val="300000"/>
+              </a:schemeClr>
+            </a:gs>
+            <a:gs pos="100000">
+              <a:schemeClr val="phClr">
+                <a:tint val="15000"/>
+                <a:satMod val="350000"/>
+              </a:schemeClr>
+            </a:gs>
+          </a:gsLst>
+          <a:lin ang="16200000" scaled="1"/>
+        </a:gradFill>
+        <a:gradFill rotWithShape="1">
+          <a:gsLst>
+            <a:gs pos="0">
+              <a:schemeClr val="phClr">
+                <a:shade val="51000"/>
+                <a:satMod val="130000"/>
+              </a:schemeClr>
+            </a:gs>
+            <a:gs pos="80000">
+              <a:schemeClr val="phClr">
+                <a:shade val="93000"/>
+                <a:satMod val="130000"/>
+              </a:schemeClr>
+            </a:gs>
+            <a:gs pos="100000">
+              <a:schemeClr val="phClr">
+                <a:shade val="94000"/>
+                <a:satMod val="135000"/>
+              </a:schemeClr>
+            </a:gs>
+          </a:gsLst>
+          <a:lin ang="16200000" scaled="0"/>
+        </a:gradFill>
+      </a:fillStyleLst>
+      <a:lnStyleLst>
+        <a:ln w="9525" cap="flat" cmpd="sng" algn="ctr">
+          <a:solidFill>
+            <a:schemeClr val="phClr">
+              <a:shade val="95000"/>
+              <a:satMod val="105000"/>
+            </a:schemeClr>
+          </a:solidFill>
+          <a:prstDash val="solid"/>
+          <a:miter/>
+        </a:ln>
+        <a:ln w="25400" cap="flat" cmpd="sng" algn="ctr">
+          <a:solidFill>
+            <a:schemeClr val="phClr"/>
+          </a:solidFill>
+          <a:prstDash val="solid"/>
+          <a:miter/>
+        </a:ln>
+        <a:ln w="38100" cap="flat" cmpd="sng" algn="ctr">
+          <a:solidFill>
+            <a:schemeClr val="phClr"/>
+          </a:solidFill>
+          <a:prstDash val="solid"/>
+          <a:miter/>
+        </a:ln>
+      </a:lnStyleLst>
+      <a:effectStyleLst>
+        <a:effectStyle>
+          <a:effectLst>
+            <a:outerShdw blurRad="40000" dist="20000" dir="5400000" rotWithShape="0">
+              <a:srgbClr val="000000">
+                <a:alpha val="38000"/>
+              </a:srgbClr>
+            </a:outerShdw>
+          </a:effectLst>
+        </a:effectStyle>
+        <a:effectStyle>
+          <a:effectLst>
+            <a:outerShdw blurRad="40000" dist="23000" dir="5400000" rotWithShape="0">
+              <a:srgbClr val="000000">
+                <a:alpha val="35000"/>
+              </a:srgbClr>
+            </a:outerShdw>
+          </a:effectLst>
+        </a:effectStyle>
+        <a:effectStyle>
+          <a:effectLst>
+            <a:outerShdw blurRad="40000" dist="23000" dir="5400000" rotWithShape="0">
+              <a:srgbClr val="000000">
+                <a:alpha val="35000"/>
+              </a:srgbClr>
+            </a:outerShdw>
+          </a:effectLst>
+          <a:scene3d>
+            <a:camera prst="orthographicFront">
+              <a:rot lat="0" lon="0" rev="0"/>
+            </a:camera>
+            <a:lightRig rig="threePt" dir="t">
+              <a:rot lat="0" lon="0" rev="1200000"/>
+            </a:lightRig>
+          </a:scene3d>
+          <a:sp3d>
+            <a:bevelT w="63500" h="25400"/>
+          </a:sp3d>
+        </a:effectStyle>
+      </a:effectStyleLst>
+      <a:bgFillStyleLst>
+        <a:solidFill>
+          <a:schemeClr val="phClr"/>
+        </a:solidFill>
+        <a:gradFill rotWithShape="1">
+          <a:gsLst>
+            <a:gs pos="0">
+              <a:schemeClr val="phClr">
+                <a:tint val="40000"/>
+                <a:satMod val="350000"/>
+              </a:schemeClr>
+            </a:gs>
+            <a:gs pos="40000">
+              <a:schemeClr val="phClr">
+                <a:tint val="45000"/>
+                <a:shade val="99000"/>
+                <a:satMod val="350000"/>
+              </a:schemeClr>
+            </a:gs>
+            <a:gs pos="100000">
+              <a:schemeClr val="phClr">
+                <a:shade val="20000"/>
+                <a:satMod val="255000"/>
+              </a:schemeClr>
+            </a:gs>
+          </a:gsLst>
+          <a:path path="circle">
+            <a:fillToRect l="50000" t="-80000" r="50000" b="180000"/>
+          </a:path>
+        </a:gradFill>
+        <a:gradFill rotWithShape="1">
+          <a:gsLst>
+            <a:gs pos="0">
+              <a:schemeClr val="phClr">
+                <a:tint val="80000"/>
+                <a:satMod val="300000"/>
+              </a:schemeClr>
+            </a:gs>
+            <a:gs pos="100000">
+              <a:schemeClr val="phClr">
+                <a:shade val="30000"/>
+                <a:satMod val="200000"/>
+              </a:schemeClr>
+            </a:gs>
+          </a:gsLst>
+          <a:path path="circle">
+            <a:fillToRect l="50000" t="50000" r="50000" b="50000"/>
+          </a:path>
+        </a:gradFill>
+      </a:bgFillStyleLst>
+    </a:fmtScheme>
+  </a:themeElements>
+</a:theme>
 </file>
--- a/filecoin/filecoin_share.pptx
+++ b/filecoin/filecoin_share.pptx
@@ -8911,10 +8911,14 @@
                 <a:latin typeface="Arial"/>
                 <a:ea typeface="DejaVu Sans" panose="020B0603030804020204"/>
               </a:rPr>
-              <a:t>任务计划</a:t>
-            </a:r>
-            <a:endParaRPr lang="en-US" sz="4400" b="0" strike="noStrike" spc="-1">
-              <a:latin typeface="Arial"/>
+              <a:t>任务模块</a:t>
+            </a:r>
+            <a:endParaRPr lang="en-US" altLang="zh-CN" sz="4400" b="0" strike="noStrike" spc="-1">
+              <a:solidFill>
+                <a:srgbClr val="000000"/>
+              </a:solidFill>
+              <a:latin typeface="Arial"/>
+              <a:ea typeface="DejaVu Sans" panose="020B0603030804020204"/>
             </a:endParaRPr>
           </a:p>
         </p:txBody>
